--- a/4P Food.pptx
+++ b/4P Food.pptx
@@ -6,22 +6,21 @@
     <p:sldMasterId id="2147483660" r:id="rId2"/>
   </p:sldMasterIdLst>
   <p:notesMasterIdLst>
-    <p:notesMasterId r:id="rId16"/>
+    <p:notesMasterId r:id="rId15"/>
   </p:notesMasterIdLst>
   <p:sldIdLst>
     <p:sldId id="256" r:id="rId3"/>
     <p:sldId id="257" r:id="rId4"/>
     <p:sldId id="258" r:id="rId5"/>
     <p:sldId id="277" r:id="rId6"/>
-    <p:sldId id="278" r:id="rId7"/>
-    <p:sldId id="281" r:id="rId8"/>
-    <p:sldId id="279" r:id="rId9"/>
-    <p:sldId id="280" r:id="rId10"/>
-    <p:sldId id="276" r:id="rId11"/>
-    <p:sldId id="282" r:id="rId12"/>
-    <p:sldId id="264" r:id="rId13"/>
-    <p:sldId id="273" r:id="rId14"/>
-    <p:sldId id="263" r:id="rId15"/>
+    <p:sldId id="283" r:id="rId7"/>
+    <p:sldId id="278" r:id="rId8"/>
+    <p:sldId id="281" r:id="rId9"/>
+    <p:sldId id="279" r:id="rId10"/>
+    <p:sldId id="280" r:id="rId11"/>
+    <p:sldId id="276" r:id="rId12"/>
+    <p:sldId id="282" r:id="rId13"/>
+    <p:sldId id="263" r:id="rId14"/>
   </p:sldIdLst>
   <p:sldSz cx="12192000" cy="6858000"/>
   <p:notesSz cx="6858000" cy="9144000"/>
@@ -129,14 +128,13 @@
             <p14:sldId id="257"/>
             <p14:sldId id="258"/>
             <p14:sldId id="277"/>
+            <p14:sldId id="283"/>
             <p14:sldId id="278"/>
             <p14:sldId id="281"/>
             <p14:sldId id="279"/>
             <p14:sldId id="280"/>
             <p14:sldId id="276"/>
             <p14:sldId id="282"/>
-            <p14:sldId id="264"/>
-            <p14:sldId id="273"/>
             <p14:sldId id="263"/>
           </p14:sldIdLst>
         </p14:section>
@@ -237,7 +235,7 @@
           <a:p>
             <a:fld id="{20040870-C0B0-42CC-99D7-F650B2D176CF}" type="datetimeFigureOut">
               <a:rPr lang="en-GB" smtClean="0"/>
-              <a:t>12/11/2020</a:t>
+              <a:t>13/11/2020</a:t>
             </a:fld>
             <a:endParaRPr lang="en-GB"/>
           </a:p>
@@ -631,7 +629,7 @@
           <a:p>
             <a:fld id="{8668288B-BA5A-40EF-B880-B6258CCDBA2E}" type="datetime1">
               <a:rPr lang="en-GB" smtClean="0"/>
-              <a:t>12/11/2020</a:t>
+              <a:t>13/11/2020</a:t>
             </a:fld>
             <a:endParaRPr lang="en-GB"/>
           </a:p>
@@ -799,7 +797,7 @@
           <a:p>
             <a:fld id="{6C2696E2-DA8F-4815-9726-E7ECEE056AE1}" type="datetime1">
               <a:rPr lang="en-GB" smtClean="0"/>
-              <a:t>12/11/2020</a:t>
+              <a:t>13/11/2020</a:t>
             </a:fld>
             <a:endParaRPr lang="en-GB"/>
           </a:p>
@@ -977,7 +975,7 @@
           <a:p>
             <a:fld id="{A759E65A-B764-418F-BED9-8B2761444DD4}" type="datetime1">
               <a:rPr lang="en-GB" smtClean="0"/>
-              <a:t>12/11/2020</a:t>
+              <a:t>13/11/2020</a:t>
             </a:fld>
             <a:endParaRPr lang="en-GB"/>
           </a:p>
@@ -1167,7 +1165,7 @@
           <a:p>
             <a:fld id="{8668288B-BA5A-40EF-B880-B6258CCDBA2E}" type="datetime1">
               <a:rPr lang="en-GB" smtClean="0"/>
-              <a:t>12/11/2020</a:t>
+              <a:t>13/11/2020</a:t>
             </a:fld>
             <a:endParaRPr lang="en-GB"/>
           </a:p>
@@ -1335,7 +1333,7 @@
           <a:p>
             <a:fld id="{E841B97C-4778-42FC-B529-F2E822A99DE5}" type="datetime1">
               <a:rPr lang="en-GB" smtClean="0"/>
-              <a:t>12/11/2020</a:t>
+              <a:t>13/11/2020</a:t>
             </a:fld>
             <a:endParaRPr lang="en-GB"/>
           </a:p>
@@ -1579,7 +1577,7 @@
           <a:p>
             <a:fld id="{0921EF15-469E-4C1B-8624-1A20FEE0A2F4}" type="datetime1">
               <a:rPr lang="en-GB" smtClean="0"/>
-              <a:t>12/11/2020</a:t>
+              <a:t>13/11/2020</a:t>
             </a:fld>
             <a:endParaRPr lang="en-GB"/>
           </a:p>
@@ -1809,7 +1807,7 @@
           <a:p>
             <a:fld id="{606DAE0E-7758-4744-86CE-31696E5D99B0}" type="datetime1">
               <a:rPr lang="en-GB" smtClean="0"/>
-              <a:t>12/11/2020</a:t>
+              <a:t>13/11/2020</a:t>
             </a:fld>
             <a:endParaRPr lang="en-GB"/>
           </a:p>
@@ -2174,7 +2172,7 @@
           <a:p>
             <a:fld id="{DF0C8B70-10B8-4221-8C82-B65E506A6B56}" type="datetime1">
               <a:rPr lang="en-GB" smtClean="0"/>
-              <a:t>12/11/2020</a:t>
+              <a:t>13/11/2020</a:t>
             </a:fld>
             <a:endParaRPr lang="en-GB"/>
           </a:p>
@@ -2290,7 +2288,7 @@
           <a:p>
             <a:fld id="{DC0D5711-84A3-4497-947A-923A88BA1EBE}" type="datetime1">
               <a:rPr lang="en-GB" smtClean="0"/>
-              <a:t>12/11/2020</a:t>
+              <a:t>13/11/2020</a:t>
             </a:fld>
             <a:endParaRPr lang="en-GB"/>
           </a:p>
@@ -2383,7 +2381,7 @@
           <a:p>
             <a:fld id="{34A417EC-FB04-4695-955E-AB1E2D6AAD38}" type="datetime1">
               <a:rPr lang="en-GB" smtClean="0"/>
-              <a:t>12/11/2020</a:t>
+              <a:t>13/11/2020</a:t>
             </a:fld>
             <a:endParaRPr lang="en-GB"/>
           </a:p>
@@ -2658,7 +2656,7 @@
           <a:p>
             <a:fld id="{477847E6-BF32-4D2E-8FA7-BB242C3993E6}" type="datetime1">
               <a:rPr lang="en-GB" smtClean="0"/>
-              <a:t>12/11/2020</a:t>
+              <a:t>13/11/2020</a:t>
             </a:fld>
             <a:endParaRPr lang="en-GB"/>
           </a:p>
@@ -2826,7 +2824,7 @@
           <a:p>
             <a:fld id="{E841B97C-4778-42FC-B529-F2E822A99DE5}" type="datetime1">
               <a:rPr lang="en-GB" smtClean="0"/>
-              <a:t>12/11/2020</a:t>
+              <a:t>13/11/2020</a:t>
             </a:fld>
             <a:endParaRPr lang="en-GB"/>
           </a:p>
@@ -3077,7 +3075,7 @@
           <a:p>
             <a:fld id="{2B29A6CF-62B3-4694-B7EA-858ECC67D1DB}" type="datetime1">
               <a:rPr lang="en-GB" smtClean="0"/>
-              <a:t>12/11/2020</a:t>
+              <a:t>13/11/2020</a:t>
             </a:fld>
             <a:endParaRPr lang="en-GB"/>
           </a:p>
@@ -3245,7 +3243,7 @@
           <a:p>
             <a:fld id="{6C2696E2-DA8F-4815-9726-E7ECEE056AE1}" type="datetime1">
               <a:rPr lang="en-GB" smtClean="0"/>
-              <a:t>12/11/2020</a:t>
+              <a:t>13/11/2020</a:t>
             </a:fld>
             <a:endParaRPr lang="en-GB"/>
           </a:p>
@@ -3423,7 +3421,7 @@
           <a:p>
             <a:fld id="{A759E65A-B764-418F-BED9-8B2761444DD4}" type="datetime1">
               <a:rPr lang="en-GB" smtClean="0"/>
-              <a:t>12/11/2020</a:t>
+              <a:t>13/11/2020</a:t>
             </a:fld>
             <a:endParaRPr lang="en-GB"/>
           </a:p>
@@ -3667,7 +3665,7 @@
           <a:p>
             <a:fld id="{0921EF15-469E-4C1B-8624-1A20FEE0A2F4}" type="datetime1">
               <a:rPr lang="en-GB" smtClean="0"/>
-              <a:t>12/11/2020</a:t>
+              <a:t>13/11/2020</a:t>
             </a:fld>
             <a:endParaRPr lang="en-GB"/>
           </a:p>
@@ -3897,7 +3895,7 @@
           <a:p>
             <a:fld id="{606DAE0E-7758-4744-86CE-31696E5D99B0}" type="datetime1">
               <a:rPr lang="en-GB" smtClean="0"/>
-              <a:t>12/11/2020</a:t>
+              <a:t>13/11/2020</a:t>
             </a:fld>
             <a:endParaRPr lang="en-GB"/>
           </a:p>
@@ -4262,7 +4260,7 @@
           <a:p>
             <a:fld id="{DF0C8B70-10B8-4221-8C82-B65E506A6B56}" type="datetime1">
               <a:rPr lang="en-GB" smtClean="0"/>
-              <a:t>12/11/2020</a:t>
+              <a:t>13/11/2020</a:t>
             </a:fld>
             <a:endParaRPr lang="en-GB"/>
           </a:p>
@@ -4378,7 +4376,7 @@
           <a:p>
             <a:fld id="{DC0D5711-84A3-4497-947A-923A88BA1EBE}" type="datetime1">
               <a:rPr lang="en-GB" smtClean="0"/>
-              <a:t>12/11/2020</a:t>
+              <a:t>13/11/2020</a:t>
             </a:fld>
             <a:endParaRPr lang="en-GB"/>
           </a:p>
@@ -4471,7 +4469,7 @@
           <a:p>
             <a:fld id="{34A417EC-FB04-4695-955E-AB1E2D6AAD38}" type="datetime1">
               <a:rPr lang="en-GB" smtClean="0"/>
-              <a:t>12/11/2020</a:t>
+              <a:t>13/11/2020</a:t>
             </a:fld>
             <a:endParaRPr lang="en-GB"/>
           </a:p>
@@ -4746,7 +4744,7 @@
           <a:p>
             <a:fld id="{477847E6-BF32-4D2E-8FA7-BB242C3993E6}" type="datetime1">
               <a:rPr lang="en-GB" smtClean="0"/>
-              <a:t>12/11/2020</a:t>
+              <a:t>13/11/2020</a:t>
             </a:fld>
             <a:endParaRPr lang="en-GB"/>
           </a:p>
@@ -4997,7 +4995,7 @@
           <a:p>
             <a:fld id="{2B29A6CF-62B3-4694-B7EA-858ECC67D1DB}" type="datetime1">
               <a:rPr lang="en-GB" smtClean="0"/>
-              <a:t>12/11/2020</a:t>
+              <a:t>13/11/2020</a:t>
             </a:fld>
             <a:endParaRPr lang="en-GB"/>
           </a:p>
@@ -5208,7 +5206,7 @@
           <a:p>
             <a:fld id="{FA10BDF8-5A73-4C95-ABB8-FC5D4475605A}" type="datetime1">
               <a:rPr lang="en-GB" smtClean="0"/>
-              <a:t>12/11/2020</a:t>
+              <a:t>13/11/2020</a:t>
             </a:fld>
             <a:endParaRPr lang="en-GB"/>
           </a:p>
@@ -5747,7 +5745,7 @@
           <a:p>
             <a:fld id="{FA10BDF8-5A73-4C95-ABB8-FC5D4475605A}" type="datetime1">
               <a:rPr lang="en-GB" smtClean="0"/>
-              <a:t>12/11/2020</a:t>
+              <a:t>13/11/2020</a:t>
             </a:fld>
             <a:endParaRPr lang="en-GB"/>
           </a:p>
@@ -6178,7 +6176,7 @@
                 <a:latin typeface="Roboto" panose="02000000000000000000" pitchFamily="2" charset="0"/>
                 <a:ea typeface="Roboto" panose="02000000000000000000" pitchFamily="2" charset="0"/>
               </a:rPr>
-              <a:t>Rental Car</a:t>
+              <a:t>4P FOOD</a:t>
             </a:r>
           </a:p>
         </p:txBody>
@@ -6600,43 +6598,73 @@
       </p:sp>
       <p:pic>
         <p:nvPicPr>
-          <p:cNvPr id="1026" name="Picture 2" descr="Nissan Rental Vehicles in Grand Rapids"/>
+          <p:cNvPr id="11" name="Picture 10">
+            <a:extLst>
+              <a:ext uri="{FF2B5EF4-FFF2-40B4-BE49-F238E27FC236}">
+                <a16:creationId xmlns:a16="http://schemas.microsoft.com/office/drawing/2014/main" id="{F6682682-7311-4193-9A2A-06B5F72B7AB8}"/>
+              </a:ext>
+            </a:extLst>
+          </p:cNvPr>
           <p:cNvPicPr>
-            <a:picLocks noChangeAspect="1" noChangeArrowheads="1"/>
+            <a:picLocks noChangeAspect="1"/>
           </p:cNvPicPr>
           <p:nvPr/>
         </p:nvPicPr>
-        <p:blipFill rotWithShape="1">
-          <a:blip r:embed="rId2">
+        <p:blipFill>
+          <a:blip r:embed="rId2" cstate="print">
             <a:extLst>
               <a:ext uri="{28A0092B-C50C-407E-A947-70E740481C1C}">
                 <a14:useLocalDpi xmlns:a14="http://schemas.microsoft.com/office/drawing/2010/main" val="0"/>
               </a:ext>
             </a:extLst>
           </a:blip>
-          <a:srcRect t="10991"/>
           <a:stretch>
             <a:fillRect/>
           </a:stretch>
         </p:blipFill>
-        <p:spPr bwMode="auto">
+        <p:spPr>
           <a:xfrm>
-            <a:off x="685800" y="550675"/>
-            <a:ext cx="5410200" cy="5756650"/>
+            <a:off x="9982200" y="407196"/>
+            <a:ext cx="1632625" cy="382647"/>
           </a:xfrm>
           <a:prstGeom prst="rect">
             <a:avLst/>
           </a:prstGeom>
-          <a:noFill/>
-          <a:extLst>
-            <a:ext uri="{909E8E84-426E-40DD-AFC4-6F175D3DCCD1}">
-              <a14:hiddenFill xmlns:a14="http://schemas.microsoft.com/office/drawing/2010/main">
-                <a:solidFill>
-                  <a:srgbClr val="FFFFFF"/>
-                </a:solidFill>
-              </a14:hiddenFill>
-            </a:ext>
-          </a:extLst>
+        </p:spPr>
+      </p:pic>
+      <p:pic>
+        <p:nvPicPr>
+          <p:cNvPr id="5" name="Picture 4">
+            <a:extLst>
+              <a:ext uri="{FF2B5EF4-FFF2-40B4-BE49-F238E27FC236}">
+                <a16:creationId xmlns:a16="http://schemas.microsoft.com/office/drawing/2014/main" id="{A339B623-6CC5-4B24-86B4-58412454A3B9}"/>
+              </a:ext>
+            </a:extLst>
+          </p:cNvPr>
+          <p:cNvPicPr>
+            <a:picLocks noChangeAspect="1"/>
+          </p:cNvPicPr>
+          <p:nvPr/>
+        </p:nvPicPr>
+        <p:blipFill rotWithShape="1">
+          <a:blip r:embed="rId3" cstate="print">
+            <a:extLst>
+              <a:ext uri="{28A0092B-C50C-407E-A947-70E740481C1C}">
+                <a14:useLocalDpi xmlns:a14="http://schemas.microsoft.com/office/drawing/2010/main" val="0"/>
+              </a:ext>
+            </a:extLst>
+          </a:blip>
+          <a:srcRect l="17874" r="15076"/>
+          <a:stretch/>
+        </p:blipFill>
+        <p:spPr>
+          <a:xfrm>
+            <a:off x="577175" y="523185"/>
+            <a:ext cx="5844178" cy="5811629"/>
+          </a:xfrm>
+          <a:prstGeom prst="rect">
+            <a:avLst/>
+          </a:prstGeom>
         </p:spPr>
       </p:pic>
     </p:spTree>
@@ -7027,6 +7055,42 @@
           </a:prstGeom>
         </p:spPr>
       </p:pic>
+      <p:pic>
+        <p:nvPicPr>
+          <p:cNvPr id="3" name="Picture 2">
+            <a:extLst>
+              <a:ext uri="{FF2B5EF4-FFF2-40B4-BE49-F238E27FC236}">
+                <a16:creationId xmlns:a16="http://schemas.microsoft.com/office/drawing/2014/main" id="{94A4D2BF-8770-4E7E-A947-A77500D0F8CA}"/>
+              </a:ext>
+            </a:extLst>
+          </p:cNvPr>
+          <p:cNvPicPr>
+            <a:picLocks noChangeAspect="1"/>
+          </p:cNvPicPr>
+          <p:nvPr/>
+        </p:nvPicPr>
+        <p:blipFill>
+          <a:blip r:embed="rId3" cstate="print">
+            <a:extLst>
+              <a:ext uri="{28A0092B-C50C-407E-A947-70E740481C1C}">
+                <a14:useLocalDpi xmlns:a14="http://schemas.microsoft.com/office/drawing/2010/main" val="0"/>
+              </a:ext>
+            </a:extLst>
+          </a:blip>
+          <a:stretch>
+            <a:fillRect/>
+          </a:stretch>
+        </p:blipFill>
+        <p:spPr>
+          <a:xfrm>
+            <a:off x="762000" y="2246584"/>
+            <a:ext cx="10668000" cy="3669249"/>
+          </a:xfrm>
+          <a:prstGeom prst="rect">
+            <a:avLst/>
+          </a:prstGeom>
+        </p:spPr>
+      </p:pic>
       <p:sp>
         <p:nvSpPr>
           <p:cNvPr id="6" name="TextBox 5">
@@ -7059,7 +7123,764 @@
               <a:rPr lang="en-GB" dirty="0">
                 <a:latin typeface="Nunito" panose="00000500000000000000" pitchFamily="2" charset="0"/>
               </a:rPr>
-              <a:t>Client’s role:</a:t>
+              <a:t>Employee</a:t>
+            </a:r>
+          </a:p>
+        </p:txBody>
+      </p:sp>
+    </p:spTree>
+  </p:cSld>
+  <p:clrMapOvr>
+    <a:masterClrMapping/>
+  </p:clrMapOvr>
+  <p:timing>
+    <p:tnLst>
+      <p:par>
+        <p:cTn id="1" dur="indefinite" restart="never" nodeType="tmRoot">
+          <p:childTnLst>
+            <p:seq concurrent="1" nextAc="seek">
+              <p:cTn id="2" dur="indefinite" nodeType="mainSeq">
+                <p:childTnLst>
+                  <p:par>
+                    <p:cTn id="3" fill="hold">
+                      <p:stCondLst>
+                        <p:cond delay="indefinite"/>
+                        <p:cond evt="onBegin" delay="0">
+                          <p:tn val="2"/>
+                        </p:cond>
+                      </p:stCondLst>
+                      <p:childTnLst>
+                        <p:par>
+                          <p:cTn id="4" fill="hold">
+                            <p:stCondLst>
+                              <p:cond delay="0"/>
+                            </p:stCondLst>
+                            <p:childTnLst>
+                              <p:par>
+                                <p:cTn id="5" presetID="12" presetClass="entr" presetSubtype="1" fill="hold" nodeType="afterEffect">
+                                  <p:stCondLst>
+                                    <p:cond delay="0"/>
+                                  </p:stCondLst>
+                                  <p:childTnLst>
+                                    <p:set>
+                                      <p:cBhvr>
+                                        <p:cTn id="6" dur="1" fill="hold">
+                                          <p:stCondLst>
+                                            <p:cond delay="0"/>
+                                          </p:stCondLst>
+                                        </p:cTn>
+                                        <p:tgtEl>
+                                          <p:spTgt spid="11"/>
+                                        </p:tgtEl>
+                                        <p:attrNameLst>
+                                          <p:attrName>style.visibility</p:attrName>
+                                        </p:attrNameLst>
+                                      </p:cBhvr>
+                                      <p:to>
+                                        <p:strVal val="visible"/>
+                                      </p:to>
+                                    </p:set>
+                                    <p:anim calcmode="lin" valueType="num">
+                                      <p:cBhvr additive="base">
+                                        <p:cTn id="7" dur="500"/>
+                                        <p:tgtEl>
+                                          <p:spTgt spid="11"/>
+                                        </p:tgtEl>
+                                        <p:attrNameLst>
+                                          <p:attrName>ppt_y</p:attrName>
+                                        </p:attrNameLst>
+                                      </p:cBhvr>
+                                      <p:tavLst>
+                                        <p:tav tm="0">
+                                          <p:val>
+                                            <p:strVal val="#ppt_y-#ppt_h*1.125000"/>
+                                          </p:val>
+                                        </p:tav>
+                                        <p:tav tm="100000">
+                                          <p:val>
+                                            <p:strVal val="#ppt_y"/>
+                                          </p:val>
+                                        </p:tav>
+                                      </p:tavLst>
+                                    </p:anim>
+                                    <p:animEffect transition="in" filter="wipe(down)">
+                                      <p:cBhvr>
+                                        <p:cTn id="8" dur="500"/>
+                                        <p:tgtEl>
+                                          <p:spTgt spid="11"/>
+                                        </p:tgtEl>
+                                      </p:cBhvr>
+                                    </p:animEffect>
+                                  </p:childTnLst>
+                                </p:cTn>
+                              </p:par>
+                            </p:childTnLst>
+                          </p:cTn>
+                        </p:par>
+                        <p:par>
+                          <p:cTn id="9" fill="hold">
+                            <p:stCondLst>
+                              <p:cond delay="500"/>
+                            </p:stCondLst>
+                            <p:childTnLst>
+                              <p:par>
+                                <p:cTn id="10" presetID="12" presetClass="entr" presetSubtype="8" fill="hold" grpId="0" nodeType="afterEffect">
+                                  <p:stCondLst>
+                                    <p:cond delay="0"/>
+                                  </p:stCondLst>
+                                  <p:childTnLst>
+                                    <p:set>
+                                      <p:cBhvr>
+                                        <p:cTn id="11" dur="1" fill="hold">
+                                          <p:stCondLst>
+                                            <p:cond delay="0"/>
+                                          </p:stCondLst>
+                                        </p:cTn>
+                                        <p:tgtEl>
+                                          <p:spTgt spid="15"/>
+                                        </p:tgtEl>
+                                        <p:attrNameLst>
+                                          <p:attrName>style.visibility</p:attrName>
+                                        </p:attrNameLst>
+                                      </p:cBhvr>
+                                      <p:to>
+                                        <p:strVal val="visible"/>
+                                      </p:to>
+                                    </p:set>
+                                    <p:anim calcmode="lin" valueType="num">
+                                      <p:cBhvr additive="base">
+                                        <p:cTn id="12" dur="500"/>
+                                        <p:tgtEl>
+                                          <p:spTgt spid="15"/>
+                                        </p:tgtEl>
+                                        <p:attrNameLst>
+                                          <p:attrName>ppt_x</p:attrName>
+                                        </p:attrNameLst>
+                                      </p:cBhvr>
+                                      <p:tavLst>
+                                        <p:tav tm="0">
+                                          <p:val>
+                                            <p:strVal val="#ppt_x-#ppt_w*1.125000"/>
+                                          </p:val>
+                                        </p:tav>
+                                        <p:tav tm="100000">
+                                          <p:val>
+                                            <p:strVal val="#ppt_x"/>
+                                          </p:val>
+                                        </p:tav>
+                                      </p:tavLst>
+                                    </p:anim>
+                                    <p:animEffect transition="in" filter="wipe(right)">
+                                      <p:cBhvr>
+                                        <p:cTn id="13" dur="500"/>
+                                        <p:tgtEl>
+                                          <p:spTgt spid="15"/>
+                                        </p:tgtEl>
+                                      </p:cBhvr>
+                                    </p:animEffect>
+                                  </p:childTnLst>
+                                </p:cTn>
+                              </p:par>
+                            </p:childTnLst>
+                          </p:cTn>
+                        </p:par>
+                      </p:childTnLst>
+                    </p:cTn>
+                  </p:par>
+                  <p:par>
+                    <p:cTn id="14" fill="hold">
+                      <p:stCondLst>
+                        <p:cond delay="indefinite"/>
+                      </p:stCondLst>
+                      <p:childTnLst>
+                        <p:par>
+                          <p:cTn id="15" fill="hold">
+                            <p:stCondLst>
+                              <p:cond delay="0"/>
+                            </p:stCondLst>
+                            <p:childTnLst>
+                              <p:par>
+                                <p:cTn id="16" presetID="12" presetClass="entr" presetSubtype="8" fill="hold" grpId="0" nodeType="clickEffect">
+                                  <p:stCondLst>
+                                    <p:cond delay="0"/>
+                                  </p:stCondLst>
+                                  <p:childTnLst>
+                                    <p:set>
+                                      <p:cBhvr>
+                                        <p:cTn id="17" dur="1" fill="hold">
+                                          <p:stCondLst>
+                                            <p:cond delay="0"/>
+                                          </p:stCondLst>
+                                        </p:cTn>
+                                        <p:tgtEl>
+                                          <p:spTgt spid="6"/>
+                                        </p:tgtEl>
+                                        <p:attrNameLst>
+                                          <p:attrName>style.visibility</p:attrName>
+                                        </p:attrNameLst>
+                                      </p:cBhvr>
+                                      <p:to>
+                                        <p:strVal val="visible"/>
+                                      </p:to>
+                                    </p:set>
+                                    <p:anim calcmode="lin" valueType="num">
+                                      <p:cBhvr additive="base">
+                                        <p:cTn id="18" dur="500"/>
+                                        <p:tgtEl>
+                                          <p:spTgt spid="6"/>
+                                        </p:tgtEl>
+                                        <p:attrNameLst>
+                                          <p:attrName>ppt_x</p:attrName>
+                                        </p:attrNameLst>
+                                      </p:cBhvr>
+                                      <p:tavLst>
+                                        <p:tav tm="0">
+                                          <p:val>
+                                            <p:strVal val="#ppt_x-#ppt_w*1.125000"/>
+                                          </p:val>
+                                        </p:tav>
+                                        <p:tav tm="100000">
+                                          <p:val>
+                                            <p:strVal val="#ppt_x"/>
+                                          </p:val>
+                                        </p:tav>
+                                      </p:tavLst>
+                                    </p:anim>
+                                    <p:animEffect transition="in" filter="wipe(right)">
+                                      <p:cBhvr>
+                                        <p:cTn id="19" dur="500"/>
+                                        <p:tgtEl>
+                                          <p:spTgt spid="6"/>
+                                        </p:tgtEl>
+                                      </p:cBhvr>
+                                    </p:animEffect>
+                                  </p:childTnLst>
+                                </p:cTn>
+                              </p:par>
+                            </p:childTnLst>
+                          </p:cTn>
+                        </p:par>
+                      </p:childTnLst>
+                    </p:cTn>
+                  </p:par>
+                  <p:par>
+                    <p:cTn id="20" fill="hold">
+                      <p:stCondLst>
+                        <p:cond delay="indefinite"/>
+                      </p:stCondLst>
+                      <p:childTnLst>
+                        <p:par>
+                          <p:cTn id="21" fill="hold">
+                            <p:stCondLst>
+                              <p:cond delay="0"/>
+                            </p:stCondLst>
+                            <p:childTnLst>
+                              <p:par>
+                                <p:cTn id="22" presetID="12" presetClass="entr" presetSubtype="8" fill="hold" nodeType="clickEffect">
+                                  <p:stCondLst>
+                                    <p:cond delay="0"/>
+                                  </p:stCondLst>
+                                  <p:childTnLst>
+                                    <p:set>
+                                      <p:cBhvr>
+                                        <p:cTn id="23" dur="1" fill="hold">
+                                          <p:stCondLst>
+                                            <p:cond delay="0"/>
+                                          </p:stCondLst>
+                                        </p:cTn>
+                                        <p:tgtEl>
+                                          <p:spTgt spid="3"/>
+                                        </p:tgtEl>
+                                        <p:attrNameLst>
+                                          <p:attrName>style.visibility</p:attrName>
+                                        </p:attrNameLst>
+                                      </p:cBhvr>
+                                      <p:to>
+                                        <p:strVal val="visible"/>
+                                      </p:to>
+                                    </p:set>
+                                    <p:anim calcmode="lin" valueType="num">
+                                      <p:cBhvr additive="base">
+                                        <p:cTn id="24" dur="500"/>
+                                        <p:tgtEl>
+                                          <p:spTgt spid="3"/>
+                                        </p:tgtEl>
+                                        <p:attrNameLst>
+                                          <p:attrName>ppt_x</p:attrName>
+                                        </p:attrNameLst>
+                                      </p:cBhvr>
+                                      <p:tavLst>
+                                        <p:tav tm="0">
+                                          <p:val>
+                                            <p:strVal val="#ppt_x-#ppt_w*1.125000"/>
+                                          </p:val>
+                                        </p:tav>
+                                        <p:tav tm="100000">
+                                          <p:val>
+                                            <p:strVal val="#ppt_x"/>
+                                          </p:val>
+                                        </p:tav>
+                                      </p:tavLst>
+                                    </p:anim>
+                                    <p:animEffect transition="in" filter="wipe(right)">
+                                      <p:cBhvr>
+                                        <p:cTn id="25" dur="500"/>
+                                        <p:tgtEl>
+                                          <p:spTgt spid="3"/>
+                                        </p:tgtEl>
+                                      </p:cBhvr>
+                                    </p:animEffect>
+                                  </p:childTnLst>
+                                </p:cTn>
+                              </p:par>
+                            </p:childTnLst>
+                          </p:cTn>
+                        </p:par>
+                      </p:childTnLst>
+                    </p:cTn>
+                  </p:par>
+                </p:childTnLst>
+              </p:cTn>
+              <p:prevCondLst>
+                <p:cond evt="onPrev" delay="0">
+                  <p:tgtEl>
+                    <p:sldTgt/>
+                  </p:tgtEl>
+                </p:cond>
+              </p:prevCondLst>
+              <p:nextCondLst>
+                <p:cond evt="onNext" delay="0">
+                  <p:tgtEl>
+                    <p:sldTgt/>
+                  </p:tgtEl>
+                </p:cond>
+              </p:nextCondLst>
+            </p:seq>
+          </p:childTnLst>
+        </p:cTn>
+      </p:par>
+    </p:tnLst>
+    <p:bldLst>
+      <p:bldP spid="15" grpId="0"/>
+      <p:bldP spid="6" grpId="0"/>
+    </p:bldLst>
+  </p:timing>
+</p:sld>
+</file>
+
+<file path=ppt/slides/slide11.xml><?xml version="1.0" encoding="utf-8"?>
+<p:sld xmlns:a="http://schemas.openxmlformats.org/drawingml/2006/main" xmlns:r="http://schemas.openxmlformats.org/officeDocument/2006/relationships" xmlns:p="http://schemas.openxmlformats.org/presentationml/2006/main">
+  <p:cSld>
+    <p:spTree>
+      <p:nvGrpSpPr>
+        <p:cNvPr id="1" name=""/>
+        <p:cNvGrpSpPr/>
+        <p:nvPr/>
+      </p:nvGrpSpPr>
+      <p:grpSpPr>
+        <a:xfrm>
+          <a:off x="0" y="0"/>
+          <a:ext cx="0" cy="0"/>
+          <a:chOff x="0" y="0"/>
+          <a:chExt cx="0" cy="0"/>
+        </a:xfrm>
+      </p:grpSpPr>
+      <p:sp>
+        <p:nvSpPr>
+          <p:cNvPr id="15" name="TextBox 14"/>
+          <p:cNvSpPr txBox="1"/>
+          <p:nvPr/>
+        </p:nvSpPr>
+        <p:spPr>
+          <a:xfrm>
+            <a:off x="1138686" y="205068"/>
+            <a:ext cx="6883096" cy="583565"/>
+          </a:xfrm>
+          <a:prstGeom prst="rect">
+            <a:avLst/>
+          </a:prstGeom>
+          <a:noFill/>
+        </p:spPr>
+        <p:txBody>
+          <a:bodyPr wrap="square" rtlCol="0">
+            <a:spAutoFit/>
+          </a:bodyPr>
+          <a:lstStyle/>
+          <a:p>
+            <a:r>
+              <a:rPr lang="en-US" altLang="en-GB" sz="3200" dirty="0">
+                <a:latin typeface="Roboto" panose="02000000000000000000" pitchFamily="2" charset="0"/>
+                <a:ea typeface="Roboto" panose="02000000000000000000" pitchFamily="2" charset="0"/>
+              </a:rPr>
+              <a:t>Sitemap</a:t>
+            </a:r>
+          </a:p>
+        </p:txBody>
+      </p:sp>
+      <p:sp>
+        <p:nvSpPr>
+          <p:cNvPr id="4" name="Slide Number Placeholder 3"/>
+          <p:cNvSpPr>
+            <a:spLocks noGrp="1"/>
+          </p:cNvSpPr>
+          <p:nvPr>
+            <p:ph type="sldNum" sz="quarter" idx="12"/>
+          </p:nvPr>
+        </p:nvSpPr>
+        <p:spPr/>
+        <p:txBody>
+          <a:bodyPr/>
+          <a:lstStyle/>
+          <a:p>
+            <a:fld id="{3B752B58-3109-4027-88D6-99A922F5B5D4}" type="slidenum">
+              <a:rPr lang="en-GB" smtClean="0"/>
+              <a:t>11</a:t>
+            </a:fld>
+            <a:endParaRPr lang="en-GB"/>
+          </a:p>
+        </p:txBody>
+      </p:sp>
+      <p:sp>
+        <p:nvSpPr>
+          <p:cNvPr id="9" name="Footer Placeholder 8"/>
+          <p:cNvSpPr>
+            <a:spLocks noGrp="1"/>
+          </p:cNvSpPr>
+          <p:nvPr>
+            <p:ph type="ftr" sz="quarter" idx="11"/>
+          </p:nvPr>
+        </p:nvSpPr>
+        <p:spPr/>
+        <p:txBody>
+          <a:bodyPr/>
+          <a:lstStyle/>
+          <a:p>
+            <a:r>
+              <a:rPr lang="en-GB"/>
+              <a:t>4P Group</a:t>
+            </a:r>
+          </a:p>
+        </p:txBody>
+      </p:sp>
+      <p:grpSp>
+        <p:nvGrpSpPr>
+          <p:cNvPr id="11" name="Group 10"/>
+          <p:cNvGrpSpPr/>
+          <p:nvPr/>
+        </p:nvGrpSpPr>
+        <p:grpSpPr>
+          <a:xfrm rot="5400000">
+            <a:off x="12939" y="110704"/>
+            <a:ext cx="1368724" cy="629729"/>
+            <a:chOff x="5221857" y="2656935"/>
+            <a:chExt cx="1368724" cy="629729"/>
+          </a:xfrm>
+          <a:solidFill>
+            <a:srgbClr val="3FBF48"/>
+          </a:solidFill>
+        </p:grpSpPr>
+        <p:sp>
+          <p:nvSpPr>
+            <p:cNvPr id="12" name="Freeform: Shape 11"/>
+            <p:cNvSpPr/>
+            <p:nvPr/>
+          </p:nvSpPr>
+          <p:spPr>
+            <a:xfrm>
+              <a:off x="5221857" y="2665562"/>
+              <a:ext cx="756249" cy="621102"/>
+            </a:xfrm>
+            <a:custGeom>
+              <a:avLst/>
+              <a:gdLst>
+                <a:gd name="connsiteX0" fmla="*/ 0 w 756249"/>
+                <a:gd name="connsiteY0" fmla="*/ 0 h 621102"/>
+                <a:gd name="connsiteX1" fmla="*/ 756249 w 756249"/>
+                <a:gd name="connsiteY1" fmla="*/ 0 h 621102"/>
+                <a:gd name="connsiteX2" fmla="*/ 756249 w 756249"/>
+                <a:gd name="connsiteY2" fmla="*/ 621102 h 621102"/>
+                <a:gd name="connsiteX3" fmla="*/ 0 w 756249"/>
+                <a:gd name="connsiteY3" fmla="*/ 621102 h 621102"/>
+              </a:gdLst>
+              <a:ahLst/>
+              <a:cxnLst>
+                <a:cxn ang="0">
+                  <a:pos x="connsiteX0" y="connsiteY0"/>
+                </a:cxn>
+                <a:cxn ang="0">
+                  <a:pos x="connsiteX1" y="connsiteY1"/>
+                </a:cxn>
+                <a:cxn ang="0">
+                  <a:pos x="connsiteX2" y="connsiteY2"/>
+                </a:cxn>
+                <a:cxn ang="0">
+                  <a:pos x="connsiteX3" y="connsiteY3"/>
+                </a:cxn>
+              </a:cxnLst>
+              <a:rect l="l" t="t" r="r" b="b"/>
+              <a:pathLst>
+                <a:path w="756249" h="621102">
+                  <a:moveTo>
+                    <a:pt x="0" y="0"/>
+                  </a:moveTo>
+                  <a:lnTo>
+                    <a:pt x="756249" y="0"/>
+                  </a:lnTo>
+                  <a:lnTo>
+                    <a:pt x="756249" y="621102"/>
+                  </a:lnTo>
+                  <a:lnTo>
+                    <a:pt x="0" y="621102"/>
+                  </a:lnTo>
+                  <a:close/>
+                </a:path>
+              </a:pathLst>
+            </a:custGeom>
+            <a:grpFill/>
+            <a:ln>
+              <a:noFill/>
+            </a:ln>
+          </p:spPr>
+          <p:style>
+            <a:lnRef idx="2">
+              <a:schemeClr val="accent1">
+                <a:shade val="50000"/>
+              </a:schemeClr>
+            </a:lnRef>
+            <a:fillRef idx="1">
+              <a:schemeClr val="accent1"/>
+            </a:fillRef>
+            <a:effectRef idx="0">
+              <a:schemeClr val="accent1"/>
+            </a:effectRef>
+            <a:fontRef idx="minor">
+              <a:schemeClr val="lt1"/>
+            </a:fontRef>
+          </p:style>
+          <p:txBody>
+            <a:bodyPr rtlCol="0" anchor="ctr"/>
+            <a:lstStyle/>
+            <a:p>
+              <a:pPr algn="ctr"/>
+              <a:endParaRPr lang="en-GB"/>
+            </a:p>
+          </p:txBody>
+        </p:sp>
+        <p:sp>
+          <p:nvSpPr>
+            <p:cNvPr id="13" name="Hexagon 12"/>
+            <p:cNvSpPr/>
+            <p:nvPr/>
+          </p:nvSpPr>
+          <p:spPr>
+            <a:xfrm>
+              <a:off x="5457647" y="2665562"/>
+              <a:ext cx="756249" cy="621102"/>
+            </a:xfrm>
+            <a:prstGeom prst="hexagon">
+              <a:avLst/>
+            </a:prstGeom>
+            <a:grpFill/>
+            <a:ln>
+              <a:noFill/>
+            </a:ln>
+          </p:spPr>
+          <p:style>
+            <a:lnRef idx="2">
+              <a:schemeClr val="accent1">
+                <a:shade val="50000"/>
+              </a:schemeClr>
+            </a:lnRef>
+            <a:fillRef idx="1">
+              <a:schemeClr val="accent1"/>
+            </a:fillRef>
+            <a:effectRef idx="0">
+              <a:schemeClr val="accent1"/>
+            </a:effectRef>
+            <a:fontRef idx="minor">
+              <a:schemeClr val="lt1"/>
+            </a:fontRef>
+          </p:style>
+          <p:txBody>
+            <a:bodyPr rtlCol="0" anchor="ctr"/>
+            <a:lstStyle/>
+            <a:p>
+              <a:pPr algn="ctr"/>
+              <a:endParaRPr lang="en-GB" dirty="0">
+                <a:solidFill>
+                  <a:srgbClr val="1979A9"/>
+                </a:solidFill>
+              </a:endParaRPr>
+            </a:p>
+          </p:txBody>
+        </p:sp>
+        <p:sp>
+          <p:nvSpPr>
+            <p:cNvPr id="14" name="Freeform: Shape 13"/>
+            <p:cNvSpPr/>
+            <p:nvPr/>
+          </p:nvSpPr>
+          <p:spPr>
+            <a:xfrm>
+              <a:off x="6213896" y="2656935"/>
+              <a:ext cx="376685" cy="621102"/>
+            </a:xfrm>
+            <a:custGeom>
+              <a:avLst/>
+              <a:gdLst>
+                <a:gd name="connsiteX0" fmla="*/ 0 w 376685"/>
+                <a:gd name="connsiteY0" fmla="*/ 0 h 621102"/>
+                <a:gd name="connsiteX1" fmla="*/ 221410 w 376685"/>
+                <a:gd name="connsiteY1" fmla="*/ 0 h 621102"/>
+                <a:gd name="connsiteX2" fmla="*/ 376685 w 376685"/>
+                <a:gd name="connsiteY2" fmla="*/ 310551 h 621102"/>
+                <a:gd name="connsiteX3" fmla="*/ 221410 w 376685"/>
+                <a:gd name="connsiteY3" fmla="*/ 621102 h 621102"/>
+                <a:gd name="connsiteX4" fmla="*/ 0 w 376685"/>
+                <a:gd name="connsiteY4" fmla="*/ 621102 h 621102"/>
+                <a:gd name="connsiteX5" fmla="*/ 155275 w 376685"/>
+                <a:gd name="connsiteY5" fmla="*/ 310551 h 621102"/>
+              </a:gdLst>
+              <a:ahLst/>
+              <a:cxnLst>
+                <a:cxn ang="0">
+                  <a:pos x="connsiteX0" y="connsiteY0"/>
+                </a:cxn>
+                <a:cxn ang="0">
+                  <a:pos x="connsiteX1" y="connsiteY1"/>
+                </a:cxn>
+                <a:cxn ang="0">
+                  <a:pos x="connsiteX2" y="connsiteY2"/>
+                </a:cxn>
+                <a:cxn ang="0">
+                  <a:pos x="connsiteX3" y="connsiteY3"/>
+                </a:cxn>
+                <a:cxn ang="0">
+                  <a:pos x="connsiteX4" y="connsiteY4"/>
+                </a:cxn>
+                <a:cxn ang="0">
+                  <a:pos x="connsiteX5" y="connsiteY5"/>
+                </a:cxn>
+              </a:cxnLst>
+              <a:rect l="l" t="t" r="r" b="b"/>
+              <a:pathLst>
+                <a:path w="376685" h="621102">
+                  <a:moveTo>
+                    <a:pt x="0" y="0"/>
+                  </a:moveTo>
+                  <a:lnTo>
+                    <a:pt x="221410" y="0"/>
+                  </a:lnTo>
+                  <a:lnTo>
+                    <a:pt x="376685" y="310551"/>
+                  </a:lnTo>
+                  <a:lnTo>
+                    <a:pt x="221410" y="621102"/>
+                  </a:lnTo>
+                  <a:lnTo>
+                    <a:pt x="0" y="621102"/>
+                  </a:lnTo>
+                  <a:lnTo>
+                    <a:pt x="155275" y="310551"/>
+                  </a:lnTo>
+                  <a:close/>
+                </a:path>
+              </a:pathLst>
+            </a:custGeom>
+            <a:grpFill/>
+            <a:ln>
+              <a:noFill/>
+            </a:ln>
+          </p:spPr>
+          <p:style>
+            <a:lnRef idx="2">
+              <a:schemeClr val="accent1">
+                <a:shade val="50000"/>
+              </a:schemeClr>
+            </a:lnRef>
+            <a:fillRef idx="1">
+              <a:schemeClr val="accent1"/>
+            </a:fillRef>
+            <a:effectRef idx="0">
+              <a:schemeClr val="accent1"/>
+            </a:effectRef>
+            <a:fontRef idx="minor">
+              <a:schemeClr val="lt1"/>
+            </a:fontRef>
+          </p:style>
+          <p:txBody>
+            <a:bodyPr rtlCol="0" anchor="ctr"/>
+            <a:lstStyle/>
+            <a:p>
+              <a:pPr algn="ctr"/>
+              <a:endParaRPr lang="en-GB"/>
+            </a:p>
+          </p:txBody>
+        </p:sp>
+      </p:grpSp>
+      <p:pic>
+        <p:nvPicPr>
+          <p:cNvPr id="28" name="Picture 27"/>
+          <p:cNvPicPr>
+            <a:picLocks noChangeAspect="1"/>
+          </p:cNvPicPr>
+          <p:nvPr/>
+        </p:nvPicPr>
+        <p:blipFill>
+          <a:blip r:embed="rId2" cstate="print">
+            <a:extLst>
+              <a:ext uri="{28A0092B-C50C-407E-A947-70E740481C1C}">
+                <a14:useLocalDpi xmlns:a14="http://schemas.microsoft.com/office/drawing/2010/main" val="0"/>
+              </a:ext>
+            </a:extLst>
+          </a:blip>
+          <a:stretch>
+            <a:fillRect/>
+          </a:stretch>
+        </p:blipFill>
+        <p:spPr>
+          <a:xfrm>
+            <a:off x="9982200" y="407196"/>
+            <a:ext cx="1632625" cy="382647"/>
+          </a:xfrm>
+          <a:prstGeom prst="rect">
+            <a:avLst/>
+          </a:prstGeom>
+        </p:spPr>
+      </p:pic>
+      <p:sp>
+        <p:nvSpPr>
+          <p:cNvPr id="6" name="TextBox 5">
+            <a:extLst>
+              <a:ext uri="{FF2B5EF4-FFF2-40B4-BE49-F238E27FC236}">
+                <a16:creationId xmlns:a16="http://schemas.microsoft.com/office/drawing/2014/main" id="{CA75B00A-403A-4A86-8AAC-80F1F10EA456}"/>
+              </a:ext>
+            </a:extLst>
+          </p:cNvPr>
+          <p:cNvSpPr txBox="1"/>
+          <p:nvPr/>
+        </p:nvSpPr>
+        <p:spPr>
+          <a:xfrm>
+            <a:off x="701614" y="1555954"/>
+            <a:ext cx="3568461" cy="369332"/>
+          </a:xfrm>
+          <a:prstGeom prst="rect">
+            <a:avLst/>
+          </a:prstGeom>
+          <a:noFill/>
+        </p:spPr>
+        <p:txBody>
+          <a:bodyPr wrap="square" rtlCol="0">
+            <a:spAutoFit/>
+          </a:bodyPr>
+          <a:lstStyle/>
+          <a:p>
+            <a:r>
+              <a:rPr lang="en-GB" dirty="0">
+                <a:latin typeface="Nunito" panose="00000500000000000000" pitchFamily="2" charset="0"/>
+              </a:rPr>
+              <a:t>Client</a:t>
             </a:r>
           </a:p>
         </p:txBody>
@@ -7369,3923 +8190,7 @@
 </p:sld>
 </file>
 
-<file path=ppt/slides/slide11.xml><?xml version="1.0" encoding="utf-8"?>
-<p:sld xmlns:a="http://schemas.openxmlformats.org/drawingml/2006/main" xmlns:r="http://schemas.openxmlformats.org/officeDocument/2006/relationships" xmlns:p="http://schemas.openxmlformats.org/presentationml/2006/main">
-  <p:cSld>
-    <p:spTree>
-      <p:nvGrpSpPr>
-        <p:cNvPr id="1" name=""/>
-        <p:cNvGrpSpPr/>
-        <p:nvPr/>
-      </p:nvGrpSpPr>
-      <p:grpSpPr>
-        <a:xfrm>
-          <a:off x="0" y="0"/>
-          <a:ext cx="0" cy="0"/>
-          <a:chOff x="0" y="0"/>
-          <a:chExt cx="0" cy="0"/>
-        </a:xfrm>
-      </p:grpSpPr>
-      <p:grpSp>
-        <p:nvGrpSpPr>
-          <p:cNvPr id="11" name="Group 10"/>
-          <p:cNvGrpSpPr/>
-          <p:nvPr/>
-        </p:nvGrpSpPr>
-        <p:grpSpPr>
-          <a:xfrm rot="5400000">
-            <a:off x="12939" y="110704"/>
-            <a:ext cx="1368724" cy="629729"/>
-            <a:chOff x="5221857" y="2656935"/>
-            <a:chExt cx="1368724" cy="629729"/>
-          </a:xfrm>
-          <a:solidFill>
-            <a:srgbClr val="3FBF48"/>
-          </a:solidFill>
-        </p:grpSpPr>
-        <p:sp>
-          <p:nvSpPr>
-            <p:cNvPr id="12" name="Freeform: Shape 11"/>
-            <p:cNvSpPr/>
-            <p:nvPr/>
-          </p:nvSpPr>
-          <p:spPr>
-            <a:xfrm>
-              <a:off x="5221857" y="2665562"/>
-              <a:ext cx="756249" cy="621102"/>
-            </a:xfrm>
-            <a:custGeom>
-              <a:avLst/>
-              <a:gdLst>
-                <a:gd name="connsiteX0" fmla="*/ 0 w 756249"/>
-                <a:gd name="connsiteY0" fmla="*/ 0 h 621102"/>
-                <a:gd name="connsiteX1" fmla="*/ 756249 w 756249"/>
-                <a:gd name="connsiteY1" fmla="*/ 0 h 621102"/>
-                <a:gd name="connsiteX2" fmla="*/ 756249 w 756249"/>
-                <a:gd name="connsiteY2" fmla="*/ 621102 h 621102"/>
-                <a:gd name="connsiteX3" fmla="*/ 0 w 756249"/>
-                <a:gd name="connsiteY3" fmla="*/ 621102 h 621102"/>
-              </a:gdLst>
-              <a:ahLst/>
-              <a:cxnLst>
-                <a:cxn ang="0">
-                  <a:pos x="connsiteX0" y="connsiteY0"/>
-                </a:cxn>
-                <a:cxn ang="0">
-                  <a:pos x="connsiteX1" y="connsiteY1"/>
-                </a:cxn>
-                <a:cxn ang="0">
-                  <a:pos x="connsiteX2" y="connsiteY2"/>
-                </a:cxn>
-                <a:cxn ang="0">
-                  <a:pos x="connsiteX3" y="connsiteY3"/>
-                </a:cxn>
-              </a:cxnLst>
-              <a:rect l="l" t="t" r="r" b="b"/>
-              <a:pathLst>
-                <a:path w="756249" h="621102">
-                  <a:moveTo>
-                    <a:pt x="0" y="0"/>
-                  </a:moveTo>
-                  <a:lnTo>
-                    <a:pt x="756249" y="0"/>
-                  </a:lnTo>
-                  <a:lnTo>
-                    <a:pt x="756249" y="621102"/>
-                  </a:lnTo>
-                  <a:lnTo>
-                    <a:pt x="0" y="621102"/>
-                  </a:lnTo>
-                  <a:close/>
-                </a:path>
-              </a:pathLst>
-            </a:custGeom>
-            <a:grpFill/>
-            <a:ln>
-              <a:noFill/>
-            </a:ln>
-          </p:spPr>
-          <p:style>
-            <a:lnRef idx="2">
-              <a:schemeClr val="accent1">
-                <a:shade val="50000"/>
-              </a:schemeClr>
-            </a:lnRef>
-            <a:fillRef idx="1">
-              <a:schemeClr val="accent1"/>
-            </a:fillRef>
-            <a:effectRef idx="0">
-              <a:schemeClr val="accent1"/>
-            </a:effectRef>
-            <a:fontRef idx="minor">
-              <a:schemeClr val="lt1"/>
-            </a:fontRef>
-          </p:style>
-          <p:txBody>
-            <a:bodyPr rtlCol="0" anchor="ctr"/>
-            <a:lstStyle/>
-            <a:p>
-              <a:pPr algn="ctr"/>
-              <a:endParaRPr lang="en-GB"/>
-            </a:p>
-          </p:txBody>
-        </p:sp>
-        <p:sp>
-          <p:nvSpPr>
-            <p:cNvPr id="13" name="Hexagon 12"/>
-            <p:cNvSpPr/>
-            <p:nvPr/>
-          </p:nvSpPr>
-          <p:spPr>
-            <a:xfrm>
-              <a:off x="5457647" y="2665562"/>
-              <a:ext cx="756249" cy="621102"/>
-            </a:xfrm>
-            <a:prstGeom prst="hexagon">
-              <a:avLst/>
-            </a:prstGeom>
-            <a:grpFill/>
-            <a:ln>
-              <a:noFill/>
-            </a:ln>
-          </p:spPr>
-          <p:style>
-            <a:lnRef idx="2">
-              <a:schemeClr val="accent1">
-                <a:shade val="50000"/>
-              </a:schemeClr>
-            </a:lnRef>
-            <a:fillRef idx="1">
-              <a:schemeClr val="accent1"/>
-            </a:fillRef>
-            <a:effectRef idx="0">
-              <a:schemeClr val="accent1"/>
-            </a:effectRef>
-            <a:fontRef idx="minor">
-              <a:schemeClr val="lt1"/>
-            </a:fontRef>
-          </p:style>
-          <p:txBody>
-            <a:bodyPr rtlCol="0" anchor="ctr"/>
-            <a:lstStyle/>
-            <a:p>
-              <a:pPr algn="ctr"/>
-              <a:endParaRPr lang="en-GB" dirty="0">
-                <a:solidFill>
-                  <a:srgbClr val="1979A9"/>
-                </a:solidFill>
-              </a:endParaRPr>
-            </a:p>
-          </p:txBody>
-        </p:sp>
-        <p:sp>
-          <p:nvSpPr>
-            <p:cNvPr id="14" name="Freeform: Shape 13"/>
-            <p:cNvSpPr/>
-            <p:nvPr/>
-          </p:nvSpPr>
-          <p:spPr>
-            <a:xfrm>
-              <a:off x="6213896" y="2656935"/>
-              <a:ext cx="376685" cy="621102"/>
-            </a:xfrm>
-            <a:custGeom>
-              <a:avLst/>
-              <a:gdLst>
-                <a:gd name="connsiteX0" fmla="*/ 0 w 376685"/>
-                <a:gd name="connsiteY0" fmla="*/ 0 h 621102"/>
-                <a:gd name="connsiteX1" fmla="*/ 221410 w 376685"/>
-                <a:gd name="connsiteY1" fmla="*/ 0 h 621102"/>
-                <a:gd name="connsiteX2" fmla="*/ 376685 w 376685"/>
-                <a:gd name="connsiteY2" fmla="*/ 310551 h 621102"/>
-                <a:gd name="connsiteX3" fmla="*/ 221410 w 376685"/>
-                <a:gd name="connsiteY3" fmla="*/ 621102 h 621102"/>
-                <a:gd name="connsiteX4" fmla="*/ 0 w 376685"/>
-                <a:gd name="connsiteY4" fmla="*/ 621102 h 621102"/>
-                <a:gd name="connsiteX5" fmla="*/ 155275 w 376685"/>
-                <a:gd name="connsiteY5" fmla="*/ 310551 h 621102"/>
-              </a:gdLst>
-              <a:ahLst/>
-              <a:cxnLst>
-                <a:cxn ang="0">
-                  <a:pos x="connsiteX0" y="connsiteY0"/>
-                </a:cxn>
-                <a:cxn ang="0">
-                  <a:pos x="connsiteX1" y="connsiteY1"/>
-                </a:cxn>
-                <a:cxn ang="0">
-                  <a:pos x="connsiteX2" y="connsiteY2"/>
-                </a:cxn>
-                <a:cxn ang="0">
-                  <a:pos x="connsiteX3" y="connsiteY3"/>
-                </a:cxn>
-                <a:cxn ang="0">
-                  <a:pos x="connsiteX4" y="connsiteY4"/>
-                </a:cxn>
-                <a:cxn ang="0">
-                  <a:pos x="connsiteX5" y="connsiteY5"/>
-                </a:cxn>
-              </a:cxnLst>
-              <a:rect l="l" t="t" r="r" b="b"/>
-              <a:pathLst>
-                <a:path w="376685" h="621102">
-                  <a:moveTo>
-                    <a:pt x="0" y="0"/>
-                  </a:moveTo>
-                  <a:lnTo>
-                    <a:pt x="221410" y="0"/>
-                  </a:lnTo>
-                  <a:lnTo>
-                    <a:pt x="376685" y="310551"/>
-                  </a:lnTo>
-                  <a:lnTo>
-                    <a:pt x="221410" y="621102"/>
-                  </a:lnTo>
-                  <a:lnTo>
-                    <a:pt x="0" y="621102"/>
-                  </a:lnTo>
-                  <a:lnTo>
-                    <a:pt x="155275" y="310551"/>
-                  </a:lnTo>
-                  <a:close/>
-                </a:path>
-              </a:pathLst>
-            </a:custGeom>
-            <a:grpFill/>
-            <a:ln>
-              <a:noFill/>
-            </a:ln>
-          </p:spPr>
-          <p:style>
-            <a:lnRef idx="2">
-              <a:schemeClr val="accent1">
-                <a:shade val="50000"/>
-              </a:schemeClr>
-            </a:lnRef>
-            <a:fillRef idx="1">
-              <a:schemeClr val="accent1"/>
-            </a:fillRef>
-            <a:effectRef idx="0">
-              <a:schemeClr val="accent1"/>
-            </a:effectRef>
-            <a:fontRef idx="minor">
-              <a:schemeClr val="lt1"/>
-            </a:fontRef>
-          </p:style>
-          <p:txBody>
-            <a:bodyPr rtlCol="0" anchor="ctr"/>
-            <a:lstStyle/>
-            <a:p>
-              <a:pPr algn="ctr"/>
-              <a:endParaRPr lang="en-GB"/>
-            </a:p>
-          </p:txBody>
-        </p:sp>
-      </p:grpSp>
-      <p:sp>
-        <p:nvSpPr>
-          <p:cNvPr id="15" name="TextBox 14"/>
-          <p:cNvSpPr txBox="1"/>
-          <p:nvPr/>
-        </p:nvSpPr>
-        <p:spPr>
-          <a:xfrm>
-            <a:off x="1138686" y="205068"/>
-            <a:ext cx="6883096" cy="584775"/>
-          </a:xfrm>
-          <a:prstGeom prst="rect">
-            <a:avLst/>
-          </a:prstGeom>
-          <a:noFill/>
-        </p:spPr>
-        <p:txBody>
-          <a:bodyPr wrap="square" rtlCol="0">
-            <a:spAutoFit/>
-          </a:bodyPr>
-          <a:lstStyle/>
-          <a:p>
-            <a:r>
-              <a:rPr lang="en-GB" sz="3200" dirty="0">
-                <a:latin typeface="Roboto" panose="02000000000000000000" pitchFamily="2" charset="0"/>
-                <a:ea typeface="Roboto" panose="02000000000000000000" pitchFamily="2" charset="0"/>
-              </a:rPr>
-              <a:t>Tool</a:t>
-            </a:r>
-          </a:p>
-        </p:txBody>
-      </p:sp>
-      <p:sp>
-        <p:nvSpPr>
-          <p:cNvPr id="4" name="Slide Number Placeholder 3"/>
-          <p:cNvSpPr>
-            <a:spLocks noGrp="1"/>
-          </p:cNvSpPr>
-          <p:nvPr>
-            <p:ph type="sldNum" sz="quarter" idx="12"/>
-          </p:nvPr>
-        </p:nvSpPr>
-        <p:spPr/>
-        <p:txBody>
-          <a:bodyPr/>
-          <a:lstStyle/>
-          <a:p>
-            <a:fld id="{3B752B58-3109-4027-88D6-99A922F5B5D4}" type="slidenum">
-              <a:rPr lang="en-GB" smtClean="0"/>
-              <a:t>11</a:t>
-            </a:fld>
-            <a:endParaRPr lang="en-GB"/>
-          </a:p>
-        </p:txBody>
-      </p:sp>
-      <p:sp>
-        <p:nvSpPr>
-          <p:cNvPr id="9" name="Footer Placeholder 8"/>
-          <p:cNvSpPr>
-            <a:spLocks noGrp="1"/>
-          </p:cNvSpPr>
-          <p:nvPr>
-            <p:ph type="ftr" sz="quarter" idx="11"/>
-          </p:nvPr>
-        </p:nvSpPr>
-        <p:spPr/>
-        <p:txBody>
-          <a:bodyPr/>
-          <a:lstStyle/>
-          <a:p>
-            <a:r>
-              <a:rPr lang="en-GB"/>
-              <a:t>4P Group</a:t>
-            </a:r>
-          </a:p>
-        </p:txBody>
-      </p:sp>
-      <p:pic>
-        <p:nvPicPr>
-          <p:cNvPr id="16" name="Picture 15"/>
-          <p:cNvPicPr>
-            <a:picLocks noChangeAspect="1"/>
-          </p:cNvPicPr>
-          <p:nvPr/>
-        </p:nvPicPr>
-        <p:blipFill>
-          <a:blip r:embed="rId2" cstate="print">
-            <a:extLst>
-              <a:ext uri="{28A0092B-C50C-407E-A947-70E740481C1C}">
-                <a14:useLocalDpi xmlns:a14="http://schemas.microsoft.com/office/drawing/2010/main" val="0"/>
-              </a:ext>
-            </a:extLst>
-          </a:blip>
-          <a:stretch>
-            <a:fillRect/>
-          </a:stretch>
-        </p:blipFill>
-        <p:spPr>
-          <a:xfrm>
-            <a:off x="9982200" y="407196"/>
-            <a:ext cx="1632625" cy="382647"/>
-          </a:xfrm>
-          <a:prstGeom prst="rect">
-            <a:avLst/>
-          </a:prstGeom>
-        </p:spPr>
-      </p:pic>
-      <p:pic>
-        <p:nvPicPr>
-          <p:cNvPr id="3" name="Picture 2">
-            <a:extLst>
-              <a:ext uri="{FF2B5EF4-FFF2-40B4-BE49-F238E27FC236}">
-                <a16:creationId xmlns:a16="http://schemas.microsoft.com/office/drawing/2014/main" id="{AC87A505-091B-4D12-925C-E1F9050FAFE9}"/>
-              </a:ext>
-            </a:extLst>
-          </p:cNvPr>
-          <p:cNvPicPr>
-            <a:picLocks noChangeAspect="1"/>
-          </p:cNvPicPr>
-          <p:nvPr/>
-        </p:nvPicPr>
-        <p:blipFill>
-          <a:blip r:embed="rId3"/>
-          <a:stretch>
-            <a:fillRect/>
-          </a:stretch>
-        </p:blipFill>
-        <p:spPr>
-          <a:xfrm>
-            <a:off x="2007888" y="921588"/>
-            <a:ext cx="8176223" cy="5440751"/>
-          </a:xfrm>
-          <a:prstGeom prst="rect">
-            <a:avLst/>
-          </a:prstGeom>
-          <a:solidFill>
-            <a:srgbClr val="FFFFFF">
-              <a:shade val="85000"/>
-            </a:srgbClr>
-          </a:solidFill>
-          <a:ln w="88900" cap="sq">
-            <a:solidFill>
-              <a:srgbClr val="FFFFFF"/>
-            </a:solidFill>
-            <a:miter lim="800000"/>
-          </a:ln>
-          <a:effectLst>
-            <a:outerShdw blurRad="55000" dist="18000" dir="5400000" algn="tl" rotWithShape="0">
-              <a:srgbClr val="000000">
-                <a:alpha val="40000"/>
-              </a:srgbClr>
-            </a:outerShdw>
-          </a:effectLst>
-          <a:scene3d>
-            <a:camera prst="orthographicFront"/>
-            <a:lightRig rig="twoPt" dir="t">
-              <a:rot lat="0" lon="0" rev="7200000"/>
-            </a:lightRig>
-          </a:scene3d>
-          <a:sp3d>
-            <a:bevelT w="25400" h="19050"/>
-            <a:contourClr>
-              <a:srgbClr val="FFFFFF"/>
-            </a:contourClr>
-          </a:sp3d>
-        </p:spPr>
-      </p:pic>
-      <p:sp>
-        <p:nvSpPr>
-          <p:cNvPr id="17" name="Rectangle 16">
-            <a:extLst>
-              <a:ext uri="{FF2B5EF4-FFF2-40B4-BE49-F238E27FC236}">
-                <a16:creationId xmlns:a16="http://schemas.microsoft.com/office/drawing/2014/main" id="{DA637B88-16EA-448A-97BC-FA1A05A6A215}"/>
-              </a:ext>
-            </a:extLst>
-          </p:cNvPr>
-          <p:cNvSpPr/>
-          <p:nvPr/>
-        </p:nvSpPr>
-        <p:spPr>
-          <a:xfrm>
-            <a:off x="3659216" y="4232151"/>
-            <a:ext cx="6322984" cy="1891558"/>
-          </a:xfrm>
-          <a:prstGeom prst="rect">
-            <a:avLst/>
-          </a:prstGeom>
-          <a:noFill/>
-          <a:ln>
-            <a:solidFill>
-              <a:srgbClr val="FF0000"/>
-            </a:solidFill>
-          </a:ln>
-        </p:spPr>
-        <p:style>
-          <a:lnRef idx="2">
-            <a:schemeClr val="accent1">
-              <a:shade val="50000"/>
-            </a:schemeClr>
-          </a:lnRef>
-          <a:fillRef idx="1">
-            <a:schemeClr val="accent1"/>
-          </a:fillRef>
-          <a:effectRef idx="0">
-            <a:schemeClr val="accent1"/>
-          </a:effectRef>
-          <a:fontRef idx="minor">
-            <a:schemeClr val="lt1"/>
-          </a:fontRef>
-        </p:style>
-        <p:txBody>
-          <a:bodyPr rtlCol="0" anchor="ctr"/>
-          <a:lstStyle/>
-          <a:p>
-            <a:pPr algn="ctr"/>
-            <a:endParaRPr lang="en-GB"/>
-          </a:p>
-        </p:txBody>
-      </p:sp>
-      <p:sp>
-        <p:nvSpPr>
-          <p:cNvPr id="18" name="TextBox 17">
-            <a:extLst>
-              <a:ext uri="{FF2B5EF4-FFF2-40B4-BE49-F238E27FC236}">
-                <a16:creationId xmlns:a16="http://schemas.microsoft.com/office/drawing/2014/main" id="{0F100792-F198-4F2A-A6E5-FD57A862C985}"/>
-              </a:ext>
-            </a:extLst>
-          </p:cNvPr>
-          <p:cNvSpPr txBox="1"/>
-          <p:nvPr/>
-        </p:nvSpPr>
-        <p:spPr>
-          <a:xfrm>
-            <a:off x="212437" y="5295660"/>
-            <a:ext cx="1374338" cy="369332"/>
-          </a:xfrm>
-          <a:prstGeom prst="rect">
-            <a:avLst/>
-          </a:prstGeom>
-          <a:noFill/>
-          <a:ln>
-            <a:solidFill>
-              <a:srgbClr val="FF0000"/>
-            </a:solidFill>
-          </a:ln>
-        </p:spPr>
-        <p:txBody>
-          <a:bodyPr wrap="square" rtlCol="0">
-            <a:spAutoFit/>
-          </a:bodyPr>
-          <a:lstStyle/>
-          <a:p>
-            <a:r>
-              <a:rPr lang="en-GB" dirty="0">
-                <a:latin typeface="Nunito" panose="00000500000000000000" pitchFamily="2" charset="0"/>
-              </a:rPr>
-              <a:t>Recent file</a:t>
-            </a:r>
-          </a:p>
-        </p:txBody>
-      </p:sp>
-      <p:cxnSp>
-        <p:nvCxnSpPr>
-          <p:cNvPr id="19" name="Straight Arrow Connector 18">
-            <a:extLst>
-              <a:ext uri="{FF2B5EF4-FFF2-40B4-BE49-F238E27FC236}">
-                <a16:creationId xmlns:a16="http://schemas.microsoft.com/office/drawing/2014/main" id="{A7B96F9C-191C-42C0-8561-5D869EE368F5}"/>
-              </a:ext>
-            </a:extLst>
-          </p:cNvPr>
-          <p:cNvCxnSpPr>
-            <a:cxnSpLocks/>
-          </p:cNvCxnSpPr>
-          <p:nvPr/>
-        </p:nvCxnSpPr>
-        <p:spPr>
-          <a:xfrm flipH="1">
-            <a:off x="1602972" y="4858327"/>
-            <a:ext cx="1943792" cy="625676"/>
-          </a:xfrm>
-          <a:prstGeom prst="straightConnector1">
-            <a:avLst/>
-          </a:prstGeom>
-          <a:ln>
-            <a:solidFill>
-              <a:srgbClr val="FF0000"/>
-            </a:solidFill>
-            <a:tailEnd type="triangle"/>
-          </a:ln>
-        </p:spPr>
-        <p:style>
-          <a:lnRef idx="1">
-            <a:schemeClr val="accent2"/>
-          </a:lnRef>
-          <a:fillRef idx="0">
-            <a:schemeClr val="accent2"/>
-          </a:fillRef>
-          <a:effectRef idx="0">
-            <a:schemeClr val="accent2"/>
-          </a:effectRef>
-          <a:fontRef idx="minor">
-            <a:schemeClr val="tx1"/>
-          </a:fontRef>
-        </p:style>
-      </p:cxnSp>
-    </p:spTree>
-  </p:cSld>
-  <p:clrMapOvr>
-    <a:masterClrMapping/>
-  </p:clrMapOvr>
-  <p:timing>
-    <p:tnLst>
-      <p:par>
-        <p:cTn id="1" dur="indefinite" restart="never" nodeType="tmRoot">
-          <p:childTnLst>
-            <p:seq concurrent="1" nextAc="seek">
-              <p:cTn id="2" dur="indefinite" nodeType="mainSeq">
-                <p:childTnLst>
-                  <p:par>
-                    <p:cTn id="3" fill="hold">
-                      <p:stCondLst>
-                        <p:cond delay="indefinite"/>
-                        <p:cond evt="onBegin" delay="0">
-                          <p:tn val="2"/>
-                        </p:cond>
-                      </p:stCondLst>
-                      <p:childTnLst>
-                        <p:par>
-                          <p:cTn id="4" fill="hold">
-                            <p:stCondLst>
-                              <p:cond delay="0"/>
-                            </p:stCondLst>
-                            <p:childTnLst>
-                              <p:par>
-                                <p:cTn id="5" presetID="12" presetClass="entr" presetSubtype="1" fill="hold" nodeType="afterEffect">
-                                  <p:stCondLst>
-                                    <p:cond delay="0"/>
-                                  </p:stCondLst>
-                                  <p:childTnLst>
-                                    <p:set>
-                                      <p:cBhvr>
-                                        <p:cTn id="6" dur="1" fill="hold">
-                                          <p:stCondLst>
-                                            <p:cond delay="0"/>
-                                          </p:stCondLst>
-                                        </p:cTn>
-                                        <p:tgtEl>
-                                          <p:spTgt spid="11"/>
-                                        </p:tgtEl>
-                                        <p:attrNameLst>
-                                          <p:attrName>style.visibility</p:attrName>
-                                        </p:attrNameLst>
-                                      </p:cBhvr>
-                                      <p:to>
-                                        <p:strVal val="visible"/>
-                                      </p:to>
-                                    </p:set>
-                                    <p:anim calcmode="lin" valueType="num">
-                                      <p:cBhvr additive="base">
-                                        <p:cTn id="7" dur="500"/>
-                                        <p:tgtEl>
-                                          <p:spTgt spid="11"/>
-                                        </p:tgtEl>
-                                        <p:attrNameLst>
-                                          <p:attrName>ppt_y</p:attrName>
-                                        </p:attrNameLst>
-                                      </p:cBhvr>
-                                      <p:tavLst>
-                                        <p:tav tm="0">
-                                          <p:val>
-                                            <p:strVal val="#ppt_y-#ppt_h*1.125000"/>
-                                          </p:val>
-                                        </p:tav>
-                                        <p:tav tm="100000">
-                                          <p:val>
-                                            <p:strVal val="#ppt_y"/>
-                                          </p:val>
-                                        </p:tav>
-                                      </p:tavLst>
-                                    </p:anim>
-                                    <p:animEffect transition="in" filter="wipe(down)">
-                                      <p:cBhvr>
-                                        <p:cTn id="8" dur="500"/>
-                                        <p:tgtEl>
-                                          <p:spTgt spid="11"/>
-                                        </p:tgtEl>
-                                      </p:cBhvr>
-                                    </p:animEffect>
-                                  </p:childTnLst>
-                                </p:cTn>
-                              </p:par>
-                            </p:childTnLst>
-                          </p:cTn>
-                        </p:par>
-                        <p:par>
-                          <p:cTn id="9" fill="hold">
-                            <p:stCondLst>
-                              <p:cond delay="500"/>
-                            </p:stCondLst>
-                            <p:childTnLst>
-                              <p:par>
-                                <p:cTn id="10" presetID="12" presetClass="entr" presetSubtype="8" fill="hold" grpId="0" nodeType="afterEffect">
-                                  <p:stCondLst>
-                                    <p:cond delay="0"/>
-                                  </p:stCondLst>
-                                  <p:childTnLst>
-                                    <p:set>
-                                      <p:cBhvr>
-                                        <p:cTn id="11" dur="1" fill="hold">
-                                          <p:stCondLst>
-                                            <p:cond delay="0"/>
-                                          </p:stCondLst>
-                                        </p:cTn>
-                                        <p:tgtEl>
-                                          <p:spTgt spid="15"/>
-                                        </p:tgtEl>
-                                        <p:attrNameLst>
-                                          <p:attrName>style.visibility</p:attrName>
-                                        </p:attrNameLst>
-                                      </p:cBhvr>
-                                      <p:to>
-                                        <p:strVal val="visible"/>
-                                      </p:to>
-                                    </p:set>
-                                    <p:anim calcmode="lin" valueType="num">
-                                      <p:cBhvr additive="base">
-                                        <p:cTn id="12" dur="500"/>
-                                        <p:tgtEl>
-                                          <p:spTgt spid="15"/>
-                                        </p:tgtEl>
-                                        <p:attrNameLst>
-                                          <p:attrName>ppt_x</p:attrName>
-                                        </p:attrNameLst>
-                                      </p:cBhvr>
-                                      <p:tavLst>
-                                        <p:tav tm="0">
-                                          <p:val>
-                                            <p:strVal val="#ppt_x-#ppt_w*1.125000"/>
-                                          </p:val>
-                                        </p:tav>
-                                        <p:tav tm="100000">
-                                          <p:val>
-                                            <p:strVal val="#ppt_x"/>
-                                          </p:val>
-                                        </p:tav>
-                                      </p:tavLst>
-                                    </p:anim>
-                                    <p:animEffect transition="in" filter="wipe(right)">
-                                      <p:cBhvr>
-                                        <p:cTn id="13" dur="500"/>
-                                        <p:tgtEl>
-                                          <p:spTgt spid="15"/>
-                                        </p:tgtEl>
-                                      </p:cBhvr>
-                                    </p:animEffect>
-                                  </p:childTnLst>
-                                </p:cTn>
-                              </p:par>
-                            </p:childTnLst>
-                          </p:cTn>
-                        </p:par>
-                        <p:par>
-                          <p:cTn id="14" fill="hold">
-                            <p:stCondLst>
-                              <p:cond delay="1000"/>
-                            </p:stCondLst>
-                            <p:childTnLst>
-                              <p:par>
-                                <p:cTn id="15" presetID="12" presetClass="entr" presetSubtype="8" fill="hold" nodeType="afterEffect">
-                                  <p:stCondLst>
-                                    <p:cond delay="0"/>
-                                  </p:stCondLst>
-                                  <p:childTnLst>
-                                    <p:set>
-                                      <p:cBhvr>
-                                        <p:cTn id="16" dur="1" fill="hold">
-                                          <p:stCondLst>
-                                            <p:cond delay="0"/>
-                                          </p:stCondLst>
-                                        </p:cTn>
-                                        <p:tgtEl>
-                                          <p:spTgt spid="3"/>
-                                        </p:tgtEl>
-                                        <p:attrNameLst>
-                                          <p:attrName>style.visibility</p:attrName>
-                                        </p:attrNameLst>
-                                      </p:cBhvr>
-                                      <p:to>
-                                        <p:strVal val="visible"/>
-                                      </p:to>
-                                    </p:set>
-                                    <p:anim calcmode="lin" valueType="num">
-                                      <p:cBhvr additive="base">
-                                        <p:cTn id="17" dur="500"/>
-                                        <p:tgtEl>
-                                          <p:spTgt spid="3"/>
-                                        </p:tgtEl>
-                                        <p:attrNameLst>
-                                          <p:attrName>ppt_x</p:attrName>
-                                        </p:attrNameLst>
-                                      </p:cBhvr>
-                                      <p:tavLst>
-                                        <p:tav tm="0">
-                                          <p:val>
-                                            <p:strVal val="#ppt_x-#ppt_w*1.125000"/>
-                                          </p:val>
-                                        </p:tav>
-                                        <p:tav tm="100000">
-                                          <p:val>
-                                            <p:strVal val="#ppt_x"/>
-                                          </p:val>
-                                        </p:tav>
-                                      </p:tavLst>
-                                    </p:anim>
-                                    <p:animEffect transition="in" filter="wipe(right)">
-                                      <p:cBhvr>
-                                        <p:cTn id="18" dur="500"/>
-                                        <p:tgtEl>
-                                          <p:spTgt spid="3"/>
-                                        </p:tgtEl>
-                                      </p:cBhvr>
-                                    </p:animEffect>
-                                  </p:childTnLst>
-                                </p:cTn>
-                              </p:par>
-                            </p:childTnLst>
-                          </p:cTn>
-                        </p:par>
-                      </p:childTnLst>
-                    </p:cTn>
-                  </p:par>
-                  <p:par>
-                    <p:cTn id="19" fill="hold">
-                      <p:stCondLst>
-                        <p:cond delay="indefinite"/>
-                      </p:stCondLst>
-                      <p:childTnLst>
-                        <p:par>
-                          <p:cTn id="20" fill="hold">
-                            <p:stCondLst>
-                              <p:cond delay="0"/>
-                            </p:stCondLst>
-                            <p:childTnLst>
-                              <p:par>
-                                <p:cTn id="21" presetID="12" presetClass="entr" presetSubtype="8" fill="hold" grpId="0" nodeType="clickEffect">
-                                  <p:stCondLst>
-                                    <p:cond delay="0"/>
-                                  </p:stCondLst>
-                                  <p:childTnLst>
-                                    <p:set>
-                                      <p:cBhvr>
-                                        <p:cTn id="22" dur="1" fill="hold">
-                                          <p:stCondLst>
-                                            <p:cond delay="0"/>
-                                          </p:stCondLst>
-                                        </p:cTn>
-                                        <p:tgtEl>
-                                          <p:spTgt spid="17"/>
-                                        </p:tgtEl>
-                                        <p:attrNameLst>
-                                          <p:attrName>style.visibility</p:attrName>
-                                        </p:attrNameLst>
-                                      </p:cBhvr>
-                                      <p:to>
-                                        <p:strVal val="visible"/>
-                                      </p:to>
-                                    </p:set>
-                                    <p:anim calcmode="lin" valueType="num">
-                                      <p:cBhvr additive="base">
-                                        <p:cTn id="23" dur="500"/>
-                                        <p:tgtEl>
-                                          <p:spTgt spid="17"/>
-                                        </p:tgtEl>
-                                        <p:attrNameLst>
-                                          <p:attrName>ppt_x</p:attrName>
-                                        </p:attrNameLst>
-                                      </p:cBhvr>
-                                      <p:tavLst>
-                                        <p:tav tm="0">
-                                          <p:val>
-                                            <p:strVal val="#ppt_x-#ppt_w*1.125000"/>
-                                          </p:val>
-                                        </p:tav>
-                                        <p:tav tm="100000">
-                                          <p:val>
-                                            <p:strVal val="#ppt_x"/>
-                                          </p:val>
-                                        </p:tav>
-                                      </p:tavLst>
-                                    </p:anim>
-                                    <p:animEffect transition="in" filter="wipe(right)">
-                                      <p:cBhvr>
-                                        <p:cTn id="24" dur="500"/>
-                                        <p:tgtEl>
-                                          <p:spTgt spid="17"/>
-                                        </p:tgtEl>
-                                      </p:cBhvr>
-                                    </p:animEffect>
-                                  </p:childTnLst>
-                                </p:cTn>
-                              </p:par>
-                            </p:childTnLst>
-                          </p:cTn>
-                        </p:par>
-                        <p:par>
-                          <p:cTn id="25" fill="hold">
-                            <p:stCondLst>
-                              <p:cond delay="500"/>
-                            </p:stCondLst>
-                            <p:childTnLst>
-                              <p:par>
-                                <p:cTn id="26" presetID="12" presetClass="entr" presetSubtype="8" fill="hold" grpId="0" nodeType="afterEffect">
-                                  <p:stCondLst>
-                                    <p:cond delay="0"/>
-                                  </p:stCondLst>
-                                  <p:childTnLst>
-                                    <p:set>
-                                      <p:cBhvr>
-                                        <p:cTn id="27" dur="1" fill="hold">
-                                          <p:stCondLst>
-                                            <p:cond delay="0"/>
-                                          </p:stCondLst>
-                                        </p:cTn>
-                                        <p:tgtEl>
-                                          <p:spTgt spid="18"/>
-                                        </p:tgtEl>
-                                        <p:attrNameLst>
-                                          <p:attrName>style.visibility</p:attrName>
-                                        </p:attrNameLst>
-                                      </p:cBhvr>
-                                      <p:to>
-                                        <p:strVal val="visible"/>
-                                      </p:to>
-                                    </p:set>
-                                    <p:anim calcmode="lin" valueType="num">
-                                      <p:cBhvr additive="base">
-                                        <p:cTn id="28" dur="500"/>
-                                        <p:tgtEl>
-                                          <p:spTgt spid="18"/>
-                                        </p:tgtEl>
-                                        <p:attrNameLst>
-                                          <p:attrName>ppt_x</p:attrName>
-                                        </p:attrNameLst>
-                                      </p:cBhvr>
-                                      <p:tavLst>
-                                        <p:tav tm="0">
-                                          <p:val>
-                                            <p:strVal val="#ppt_x-#ppt_w*1.125000"/>
-                                          </p:val>
-                                        </p:tav>
-                                        <p:tav tm="100000">
-                                          <p:val>
-                                            <p:strVal val="#ppt_x"/>
-                                          </p:val>
-                                        </p:tav>
-                                      </p:tavLst>
-                                    </p:anim>
-                                    <p:animEffect transition="in" filter="wipe(right)">
-                                      <p:cBhvr>
-                                        <p:cTn id="29" dur="500"/>
-                                        <p:tgtEl>
-                                          <p:spTgt spid="18"/>
-                                        </p:tgtEl>
-                                      </p:cBhvr>
-                                    </p:animEffect>
-                                  </p:childTnLst>
-                                </p:cTn>
-                              </p:par>
-                            </p:childTnLst>
-                          </p:cTn>
-                        </p:par>
-                        <p:par>
-                          <p:cTn id="30" fill="hold">
-                            <p:stCondLst>
-                              <p:cond delay="1000"/>
-                            </p:stCondLst>
-                            <p:childTnLst>
-                              <p:par>
-                                <p:cTn id="31" presetID="16" presetClass="entr" presetSubtype="42" fill="hold" nodeType="afterEffect">
-                                  <p:stCondLst>
-                                    <p:cond delay="0"/>
-                                  </p:stCondLst>
-                                  <p:childTnLst>
-                                    <p:set>
-                                      <p:cBhvr>
-                                        <p:cTn id="32" dur="1" fill="hold">
-                                          <p:stCondLst>
-                                            <p:cond delay="0"/>
-                                          </p:stCondLst>
-                                        </p:cTn>
-                                        <p:tgtEl>
-                                          <p:spTgt spid="19"/>
-                                        </p:tgtEl>
-                                        <p:attrNameLst>
-                                          <p:attrName>style.visibility</p:attrName>
-                                        </p:attrNameLst>
-                                      </p:cBhvr>
-                                      <p:to>
-                                        <p:strVal val="visible"/>
-                                      </p:to>
-                                    </p:set>
-                                    <p:animEffect transition="in" filter="barn(outHorizontal)">
-                                      <p:cBhvr>
-                                        <p:cTn id="33" dur="500"/>
-                                        <p:tgtEl>
-                                          <p:spTgt spid="19"/>
-                                        </p:tgtEl>
-                                      </p:cBhvr>
-                                    </p:animEffect>
-                                  </p:childTnLst>
-                                </p:cTn>
-                              </p:par>
-                            </p:childTnLst>
-                          </p:cTn>
-                        </p:par>
-                      </p:childTnLst>
-                    </p:cTn>
-                  </p:par>
-                </p:childTnLst>
-              </p:cTn>
-              <p:prevCondLst>
-                <p:cond evt="onPrev" delay="0">
-                  <p:tgtEl>
-                    <p:sldTgt/>
-                  </p:tgtEl>
-                </p:cond>
-              </p:prevCondLst>
-              <p:nextCondLst>
-                <p:cond evt="onNext" delay="0">
-                  <p:tgtEl>
-                    <p:sldTgt/>
-                  </p:tgtEl>
-                </p:cond>
-              </p:nextCondLst>
-            </p:seq>
-          </p:childTnLst>
-        </p:cTn>
-      </p:par>
-    </p:tnLst>
-    <p:bldLst>
-      <p:bldP spid="15" grpId="0"/>
-      <p:bldP spid="17" grpId="0" animBg="1"/>
-      <p:bldP spid="18" grpId="0" animBg="1"/>
-    </p:bldLst>
-  </p:timing>
-</p:sld>
-</file>
-
 <file path=ppt/slides/slide12.xml><?xml version="1.0" encoding="utf-8"?>
-<p:sld xmlns:a="http://schemas.openxmlformats.org/drawingml/2006/main" xmlns:r="http://schemas.openxmlformats.org/officeDocument/2006/relationships" xmlns:p="http://schemas.openxmlformats.org/presentationml/2006/main">
-  <p:cSld>
-    <p:spTree>
-      <p:nvGrpSpPr>
-        <p:cNvPr id="1" name=""/>
-        <p:cNvGrpSpPr/>
-        <p:nvPr/>
-      </p:nvGrpSpPr>
-      <p:grpSpPr>
-        <a:xfrm>
-          <a:off x="0" y="0"/>
-          <a:ext cx="0" cy="0"/>
-          <a:chOff x="0" y="0"/>
-          <a:chExt cx="0" cy="0"/>
-        </a:xfrm>
-      </p:grpSpPr>
-      <p:pic>
-        <p:nvPicPr>
-          <p:cNvPr id="8" name="Picture 7">
-            <a:extLst>
-              <a:ext uri="{FF2B5EF4-FFF2-40B4-BE49-F238E27FC236}">
-                <a16:creationId xmlns:a16="http://schemas.microsoft.com/office/drawing/2014/main" id="{D397B138-8F6D-4C17-8FC4-D5C5EAADD3F8}"/>
-              </a:ext>
-            </a:extLst>
-          </p:cNvPr>
-          <p:cNvPicPr>
-            <a:picLocks noChangeAspect="1"/>
-          </p:cNvPicPr>
-          <p:nvPr/>
-        </p:nvPicPr>
-        <p:blipFill>
-          <a:blip r:embed="rId2"/>
-          <a:stretch>
-            <a:fillRect/>
-          </a:stretch>
-        </p:blipFill>
-        <p:spPr>
-          <a:xfrm>
-            <a:off x="1912620" y="1258259"/>
-            <a:ext cx="8610600" cy="4843463"/>
-          </a:xfrm>
-          <a:prstGeom prst="rect">
-            <a:avLst/>
-          </a:prstGeom>
-        </p:spPr>
-      </p:pic>
-      <p:grpSp>
-        <p:nvGrpSpPr>
-          <p:cNvPr id="11" name="Group 10"/>
-          <p:cNvGrpSpPr/>
-          <p:nvPr/>
-        </p:nvGrpSpPr>
-        <p:grpSpPr>
-          <a:xfrm rot="5400000">
-            <a:off x="12939" y="110704"/>
-            <a:ext cx="1368724" cy="629729"/>
-            <a:chOff x="5221857" y="2656935"/>
-            <a:chExt cx="1368724" cy="629729"/>
-          </a:xfrm>
-          <a:solidFill>
-            <a:srgbClr val="3FBF48"/>
-          </a:solidFill>
-        </p:grpSpPr>
-        <p:sp>
-          <p:nvSpPr>
-            <p:cNvPr id="12" name="Freeform: Shape 11"/>
-            <p:cNvSpPr/>
-            <p:nvPr/>
-          </p:nvSpPr>
-          <p:spPr>
-            <a:xfrm>
-              <a:off x="5221857" y="2665562"/>
-              <a:ext cx="756249" cy="621102"/>
-            </a:xfrm>
-            <a:custGeom>
-              <a:avLst/>
-              <a:gdLst>
-                <a:gd name="connsiteX0" fmla="*/ 0 w 756249"/>
-                <a:gd name="connsiteY0" fmla="*/ 0 h 621102"/>
-                <a:gd name="connsiteX1" fmla="*/ 756249 w 756249"/>
-                <a:gd name="connsiteY1" fmla="*/ 0 h 621102"/>
-                <a:gd name="connsiteX2" fmla="*/ 756249 w 756249"/>
-                <a:gd name="connsiteY2" fmla="*/ 621102 h 621102"/>
-                <a:gd name="connsiteX3" fmla="*/ 0 w 756249"/>
-                <a:gd name="connsiteY3" fmla="*/ 621102 h 621102"/>
-              </a:gdLst>
-              <a:ahLst/>
-              <a:cxnLst>
-                <a:cxn ang="0">
-                  <a:pos x="connsiteX0" y="connsiteY0"/>
-                </a:cxn>
-                <a:cxn ang="0">
-                  <a:pos x="connsiteX1" y="connsiteY1"/>
-                </a:cxn>
-                <a:cxn ang="0">
-                  <a:pos x="connsiteX2" y="connsiteY2"/>
-                </a:cxn>
-                <a:cxn ang="0">
-                  <a:pos x="connsiteX3" y="connsiteY3"/>
-                </a:cxn>
-              </a:cxnLst>
-              <a:rect l="l" t="t" r="r" b="b"/>
-              <a:pathLst>
-                <a:path w="756249" h="621102">
-                  <a:moveTo>
-                    <a:pt x="0" y="0"/>
-                  </a:moveTo>
-                  <a:lnTo>
-                    <a:pt x="756249" y="0"/>
-                  </a:lnTo>
-                  <a:lnTo>
-                    <a:pt x="756249" y="621102"/>
-                  </a:lnTo>
-                  <a:lnTo>
-                    <a:pt x="0" y="621102"/>
-                  </a:lnTo>
-                  <a:close/>
-                </a:path>
-              </a:pathLst>
-            </a:custGeom>
-            <a:grpFill/>
-            <a:ln>
-              <a:noFill/>
-            </a:ln>
-          </p:spPr>
-          <p:style>
-            <a:lnRef idx="2">
-              <a:schemeClr val="accent1">
-                <a:shade val="50000"/>
-              </a:schemeClr>
-            </a:lnRef>
-            <a:fillRef idx="1">
-              <a:schemeClr val="accent1"/>
-            </a:fillRef>
-            <a:effectRef idx="0">
-              <a:schemeClr val="accent1"/>
-            </a:effectRef>
-            <a:fontRef idx="minor">
-              <a:schemeClr val="lt1"/>
-            </a:fontRef>
-          </p:style>
-          <p:txBody>
-            <a:bodyPr rtlCol="0" anchor="ctr"/>
-            <a:lstStyle/>
-            <a:p>
-              <a:pPr algn="ctr"/>
-              <a:endParaRPr lang="en-GB"/>
-            </a:p>
-          </p:txBody>
-        </p:sp>
-        <p:sp>
-          <p:nvSpPr>
-            <p:cNvPr id="13" name="Hexagon 12"/>
-            <p:cNvSpPr/>
-            <p:nvPr/>
-          </p:nvSpPr>
-          <p:spPr>
-            <a:xfrm>
-              <a:off x="5457647" y="2665562"/>
-              <a:ext cx="756249" cy="621102"/>
-            </a:xfrm>
-            <a:prstGeom prst="hexagon">
-              <a:avLst/>
-            </a:prstGeom>
-            <a:grpFill/>
-            <a:ln>
-              <a:noFill/>
-            </a:ln>
-          </p:spPr>
-          <p:style>
-            <a:lnRef idx="2">
-              <a:schemeClr val="accent1">
-                <a:shade val="50000"/>
-              </a:schemeClr>
-            </a:lnRef>
-            <a:fillRef idx="1">
-              <a:schemeClr val="accent1"/>
-            </a:fillRef>
-            <a:effectRef idx="0">
-              <a:schemeClr val="accent1"/>
-            </a:effectRef>
-            <a:fontRef idx="minor">
-              <a:schemeClr val="lt1"/>
-            </a:fontRef>
-          </p:style>
-          <p:txBody>
-            <a:bodyPr rtlCol="0" anchor="ctr"/>
-            <a:lstStyle/>
-            <a:p>
-              <a:pPr algn="ctr"/>
-              <a:endParaRPr lang="en-GB" dirty="0">
-                <a:solidFill>
-                  <a:srgbClr val="1979A9"/>
-                </a:solidFill>
-              </a:endParaRPr>
-            </a:p>
-          </p:txBody>
-        </p:sp>
-        <p:sp>
-          <p:nvSpPr>
-            <p:cNvPr id="14" name="Freeform: Shape 13"/>
-            <p:cNvSpPr/>
-            <p:nvPr/>
-          </p:nvSpPr>
-          <p:spPr>
-            <a:xfrm>
-              <a:off x="6213896" y="2656935"/>
-              <a:ext cx="376685" cy="621102"/>
-            </a:xfrm>
-            <a:custGeom>
-              <a:avLst/>
-              <a:gdLst>
-                <a:gd name="connsiteX0" fmla="*/ 0 w 376685"/>
-                <a:gd name="connsiteY0" fmla="*/ 0 h 621102"/>
-                <a:gd name="connsiteX1" fmla="*/ 221410 w 376685"/>
-                <a:gd name="connsiteY1" fmla="*/ 0 h 621102"/>
-                <a:gd name="connsiteX2" fmla="*/ 376685 w 376685"/>
-                <a:gd name="connsiteY2" fmla="*/ 310551 h 621102"/>
-                <a:gd name="connsiteX3" fmla="*/ 221410 w 376685"/>
-                <a:gd name="connsiteY3" fmla="*/ 621102 h 621102"/>
-                <a:gd name="connsiteX4" fmla="*/ 0 w 376685"/>
-                <a:gd name="connsiteY4" fmla="*/ 621102 h 621102"/>
-                <a:gd name="connsiteX5" fmla="*/ 155275 w 376685"/>
-                <a:gd name="connsiteY5" fmla="*/ 310551 h 621102"/>
-              </a:gdLst>
-              <a:ahLst/>
-              <a:cxnLst>
-                <a:cxn ang="0">
-                  <a:pos x="connsiteX0" y="connsiteY0"/>
-                </a:cxn>
-                <a:cxn ang="0">
-                  <a:pos x="connsiteX1" y="connsiteY1"/>
-                </a:cxn>
-                <a:cxn ang="0">
-                  <a:pos x="connsiteX2" y="connsiteY2"/>
-                </a:cxn>
-                <a:cxn ang="0">
-                  <a:pos x="connsiteX3" y="connsiteY3"/>
-                </a:cxn>
-                <a:cxn ang="0">
-                  <a:pos x="connsiteX4" y="connsiteY4"/>
-                </a:cxn>
-                <a:cxn ang="0">
-                  <a:pos x="connsiteX5" y="connsiteY5"/>
-                </a:cxn>
-              </a:cxnLst>
-              <a:rect l="l" t="t" r="r" b="b"/>
-              <a:pathLst>
-                <a:path w="376685" h="621102">
-                  <a:moveTo>
-                    <a:pt x="0" y="0"/>
-                  </a:moveTo>
-                  <a:lnTo>
-                    <a:pt x="221410" y="0"/>
-                  </a:lnTo>
-                  <a:lnTo>
-                    <a:pt x="376685" y="310551"/>
-                  </a:lnTo>
-                  <a:lnTo>
-                    <a:pt x="221410" y="621102"/>
-                  </a:lnTo>
-                  <a:lnTo>
-                    <a:pt x="0" y="621102"/>
-                  </a:lnTo>
-                  <a:lnTo>
-                    <a:pt x="155275" y="310551"/>
-                  </a:lnTo>
-                  <a:close/>
-                </a:path>
-              </a:pathLst>
-            </a:custGeom>
-            <a:grpFill/>
-            <a:ln>
-              <a:noFill/>
-            </a:ln>
-          </p:spPr>
-          <p:style>
-            <a:lnRef idx="2">
-              <a:schemeClr val="accent1">
-                <a:shade val="50000"/>
-              </a:schemeClr>
-            </a:lnRef>
-            <a:fillRef idx="1">
-              <a:schemeClr val="accent1"/>
-            </a:fillRef>
-            <a:effectRef idx="0">
-              <a:schemeClr val="accent1"/>
-            </a:effectRef>
-            <a:fontRef idx="minor">
-              <a:schemeClr val="lt1"/>
-            </a:fontRef>
-          </p:style>
-          <p:txBody>
-            <a:bodyPr rtlCol="0" anchor="ctr"/>
-            <a:lstStyle/>
-            <a:p>
-              <a:pPr algn="ctr"/>
-              <a:endParaRPr lang="en-GB"/>
-            </a:p>
-          </p:txBody>
-        </p:sp>
-      </p:grpSp>
-      <p:sp>
-        <p:nvSpPr>
-          <p:cNvPr id="15" name="TextBox 14"/>
-          <p:cNvSpPr txBox="1"/>
-          <p:nvPr/>
-        </p:nvSpPr>
-        <p:spPr>
-          <a:xfrm>
-            <a:off x="1138686" y="205068"/>
-            <a:ext cx="6883096" cy="584775"/>
-          </a:xfrm>
-          <a:prstGeom prst="rect">
-            <a:avLst/>
-          </a:prstGeom>
-          <a:noFill/>
-        </p:spPr>
-        <p:txBody>
-          <a:bodyPr wrap="square" rtlCol="0">
-            <a:spAutoFit/>
-          </a:bodyPr>
-          <a:lstStyle/>
-          <a:p>
-            <a:r>
-              <a:rPr lang="en-GB" sz="3200" dirty="0">
-                <a:latin typeface="Roboto" panose="02000000000000000000" pitchFamily="2" charset="0"/>
-                <a:ea typeface="Roboto" panose="02000000000000000000" pitchFamily="2" charset="0"/>
-              </a:rPr>
-              <a:t>Tool</a:t>
-            </a:r>
-          </a:p>
-        </p:txBody>
-      </p:sp>
-      <p:sp>
-        <p:nvSpPr>
-          <p:cNvPr id="4" name="Slide Number Placeholder 3"/>
-          <p:cNvSpPr>
-            <a:spLocks noGrp="1"/>
-          </p:cNvSpPr>
-          <p:nvPr>
-            <p:ph type="sldNum" sz="quarter" idx="12"/>
-          </p:nvPr>
-        </p:nvSpPr>
-        <p:spPr/>
-        <p:txBody>
-          <a:bodyPr/>
-          <a:lstStyle/>
-          <a:p>
-            <a:fld id="{3B752B58-3109-4027-88D6-99A922F5B5D4}" type="slidenum">
-              <a:rPr lang="en-GB" smtClean="0"/>
-              <a:t>12</a:t>
-            </a:fld>
-            <a:endParaRPr lang="en-GB"/>
-          </a:p>
-        </p:txBody>
-      </p:sp>
-      <p:sp>
-        <p:nvSpPr>
-          <p:cNvPr id="9" name="Footer Placeholder 8"/>
-          <p:cNvSpPr>
-            <a:spLocks noGrp="1"/>
-          </p:cNvSpPr>
-          <p:nvPr>
-            <p:ph type="ftr" sz="quarter" idx="11"/>
-          </p:nvPr>
-        </p:nvSpPr>
-        <p:spPr/>
-        <p:txBody>
-          <a:bodyPr/>
-          <a:lstStyle/>
-          <a:p>
-            <a:r>
-              <a:rPr lang="en-GB"/>
-              <a:t>4P Group</a:t>
-            </a:r>
-          </a:p>
-        </p:txBody>
-      </p:sp>
-      <p:pic>
-        <p:nvPicPr>
-          <p:cNvPr id="16" name="Picture 15"/>
-          <p:cNvPicPr>
-            <a:picLocks noChangeAspect="1"/>
-          </p:cNvPicPr>
-          <p:nvPr/>
-        </p:nvPicPr>
-        <p:blipFill>
-          <a:blip r:embed="rId3" cstate="print">
-            <a:extLst>
-              <a:ext uri="{28A0092B-C50C-407E-A947-70E740481C1C}">
-                <a14:useLocalDpi xmlns:a14="http://schemas.microsoft.com/office/drawing/2010/main" val="0"/>
-              </a:ext>
-            </a:extLst>
-          </a:blip>
-          <a:stretch>
-            <a:fillRect/>
-          </a:stretch>
-        </p:blipFill>
-        <p:spPr>
-          <a:xfrm>
-            <a:off x="9982200" y="407196"/>
-            <a:ext cx="1632625" cy="382647"/>
-          </a:xfrm>
-          <a:prstGeom prst="rect">
-            <a:avLst/>
-          </a:prstGeom>
-        </p:spPr>
-      </p:pic>
-      <p:sp>
-        <p:nvSpPr>
-          <p:cNvPr id="6" name="Rectangle 5">
-            <a:extLst>
-              <a:ext uri="{FF2B5EF4-FFF2-40B4-BE49-F238E27FC236}">
-                <a16:creationId xmlns:a16="http://schemas.microsoft.com/office/drawing/2014/main" id="{1CC63B52-3A89-4FA8-B849-E3B53E6B3448}"/>
-              </a:ext>
-            </a:extLst>
-          </p:cNvPr>
-          <p:cNvSpPr/>
-          <p:nvPr/>
-        </p:nvSpPr>
-        <p:spPr>
-          <a:xfrm>
-            <a:off x="3593176" y="1672218"/>
-            <a:ext cx="5299800" cy="4429503"/>
-          </a:xfrm>
-          <a:prstGeom prst="rect">
-            <a:avLst/>
-          </a:prstGeom>
-          <a:noFill/>
-          <a:ln>
-            <a:solidFill>
-              <a:srgbClr val="FF0000"/>
-            </a:solidFill>
-          </a:ln>
-        </p:spPr>
-        <p:style>
-          <a:lnRef idx="2">
-            <a:schemeClr val="accent1">
-              <a:shade val="50000"/>
-            </a:schemeClr>
-          </a:lnRef>
-          <a:fillRef idx="1">
-            <a:schemeClr val="accent1"/>
-          </a:fillRef>
-          <a:effectRef idx="0">
-            <a:schemeClr val="accent1"/>
-          </a:effectRef>
-          <a:fontRef idx="minor">
-            <a:schemeClr val="lt1"/>
-          </a:fontRef>
-        </p:style>
-        <p:txBody>
-          <a:bodyPr rtlCol="0" anchor="ctr"/>
-          <a:lstStyle/>
-          <a:p>
-            <a:pPr algn="ctr"/>
-            <a:endParaRPr lang="en-GB"/>
-          </a:p>
-        </p:txBody>
-      </p:sp>
-      <p:sp>
-        <p:nvSpPr>
-          <p:cNvPr id="17" name="Rectangle 16">
-            <a:extLst>
-              <a:ext uri="{FF2B5EF4-FFF2-40B4-BE49-F238E27FC236}">
-                <a16:creationId xmlns:a16="http://schemas.microsoft.com/office/drawing/2014/main" id="{3A5AA93F-892D-4A48-81CA-749204CB0C75}"/>
-              </a:ext>
-            </a:extLst>
-          </p:cNvPr>
-          <p:cNvSpPr/>
-          <p:nvPr/>
-        </p:nvSpPr>
-        <p:spPr>
-          <a:xfrm>
-            <a:off x="8945096" y="1672217"/>
-            <a:ext cx="1578124" cy="4448417"/>
-          </a:xfrm>
-          <a:prstGeom prst="rect">
-            <a:avLst/>
-          </a:prstGeom>
-          <a:noFill/>
-          <a:ln>
-            <a:solidFill>
-              <a:srgbClr val="FF0000"/>
-            </a:solidFill>
-          </a:ln>
-        </p:spPr>
-        <p:style>
-          <a:lnRef idx="2">
-            <a:schemeClr val="accent1">
-              <a:shade val="50000"/>
-            </a:schemeClr>
-          </a:lnRef>
-          <a:fillRef idx="1">
-            <a:schemeClr val="accent1"/>
-          </a:fillRef>
-          <a:effectRef idx="0">
-            <a:schemeClr val="accent1"/>
-          </a:effectRef>
-          <a:fontRef idx="minor">
-            <a:schemeClr val="lt1"/>
-          </a:fontRef>
-        </p:style>
-        <p:txBody>
-          <a:bodyPr rtlCol="0" anchor="ctr"/>
-          <a:lstStyle/>
-          <a:p>
-            <a:pPr algn="ctr"/>
-            <a:endParaRPr lang="en-GB"/>
-          </a:p>
-        </p:txBody>
-      </p:sp>
-      <p:sp>
-        <p:nvSpPr>
-          <p:cNvPr id="7" name="Rectangle 6">
-            <a:extLst>
-              <a:ext uri="{FF2B5EF4-FFF2-40B4-BE49-F238E27FC236}">
-                <a16:creationId xmlns:a16="http://schemas.microsoft.com/office/drawing/2014/main" id="{CDF2FE18-AA0D-45EE-8AE8-D79BFB6B8D91}"/>
-              </a:ext>
-            </a:extLst>
-          </p:cNvPr>
-          <p:cNvSpPr/>
-          <p:nvPr/>
-        </p:nvSpPr>
-        <p:spPr>
-          <a:xfrm rot="16200000">
-            <a:off x="1029731" y="2584524"/>
-            <a:ext cx="2008555" cy="183947"/>
-          </a:xfrm>
-          <a:prstGeom prst="rect">
-            <a:avLst/>
-          </a:prstGeom>
-          <a:noFill/>
-          <a:ln>
-            <a:solidFill>
-              <a:srgbClr val="FF0000"/>
-            </a:solidFill>
-          </a:ln>
-        </p:spPr>
-        <p:style>
-          <a:lnRef idx="2">
-            <a:schemeClr val="accent1">
-              <a:shade val="50000"/>
-            </a:schemeClr>
-          </a:lnRef>
-          <a:fillRef idx="1">
-            <a:schemeClr val="accent1"/>
-          </a:fillRef>
-          <a:effectRef idx="0">
-            <a:schemeClr val="accent1"/>
-          </a:effectRef>
-          <a:fontRef idx="minor">
-            <a:schemeClr val="lt1"/>
-          </a:fontRef>
-        </p:style>
-        <p:txBody>
-          <a:bodyPr rtlCol="0" anchor="ctr"/>
-          <a:lstStyle/>
-          <a:p>
-            <a:pPr algn="ctr"/>
-            <a:endParaRPr lang="en-GB"/>
-          </a:p>
-        </p:txBody>
-      </p:sp>
-      <p:cxnSp>
-        <p:nvCxnSpPr>
-          <p:cNvPr id="10" name="Straight Arrow Connector 9">
-            <a:extLst>
-              <a:ext uri="{FF2B5EF4-FFF2-40B4-BE49-F238E27FC236}">
-                <a16:creationId xmlns:a16="http://schemas.microsoft.com/office/drawing/2014/main" id="{245B7A4A-38B1-4D41-9502-C807A63DCF0B}"/>
-              </a:ext>
-            </a:extLst>
-          </p:cNvPr>
-          <p:cNvCxnSpPr>
-            <a:cxnSpLocks/>
-            <a:endCxn id="18" idx="3"/>
-          </p:cNvCxnSpPr>
-          <p:nvPr/>
-        </p:nvCxnSpPr>
-        <p:spPr>
-          <a:xfrm flipH="1" flipV="1">
-            <a:off x="1088320" y="1860561"/>
-            <a:ext cx="853715" cy="602303"/>
-          </a:xfrm>
-          <a:prstGeom prst="straightConnector1">
-            <a:avLst/>
-          </a:prstGeom>
-          <a:ln>
-            <a:solidFill>
-              <a:srgbClr val="FF0000"/>
-            </a:solidFill>
-            <a:tailEnd type="triangle"/>
-          </a:ln>
-        </p:spPr>
-        <p:style>
-          <a:lnRef idx="1">
-            <a:schemeClr val="accent2"/>
-          </a:lnRef>
-          <a:fillRef idx="0">
-            <a:schemeClr val="accent2"/>
-          </a:fillRef>
-          <a:effectRef idx="0">
-            <a:schemeClr val="accent2"/>
-          </a:effectRef>
-          <a:fontRef idx="minor">
-            <a:schemeClr val="tx1"/>
-          </a:fontRef>
-        </p:style>
-      </p:cxnSp>
-      <p:sp>
-        <p:nvSpPr>
-          <p:cNvPr id="18" name="TextBox 17">
-            <a:extLst>
-              <a:ext uri="{FF2B5EF4-FFF2-40B4-BE49-F238E27FC236}">
-                <a16:creationId xmlns:a16="http://schemas.microsoft.com/office/drawing/2014/main" id="{01849D77-32CA-4553-9224-443B493D6CF3}"/>
-              </a:ext>
-            </a:extLst>
-          </p:cNvPr>
-          <p:cNvSpPr txBox="1"/>
-          <p:nvPr/>
-        </p:nvSpPr>
-        <p:spPr>
-          <a:xfrm>
-            <a:off x="216135" y="1672218"/>
-            <a:ext cx="872185" cy="376686"/>
-          </a:xfrm>
-          <a:prstGeom prst="rect">
-            <a:avLst/>
-          </a:prstGeom>
-          <a:noFill/>
-          <a:ln>
-            <a:solidFill>
-              <a:srgbClr val="FF0000"/>
-            </a:solidFill>
-          </a:ln>
-        </p:spPr>
-        <p:txBody>
-          <a:bodyPr wrap="square" rtlCol="0">
-            <a:spAutoFit/>
-          </a:bodyPr>
-          <a:lstStyle/>
-          <a:p>
-            <a:r>
-              <a:rPr lang="en-GB" dirty="0">
-                <a:latin typeface="Nunito" panose="00000500000000000000" pitchFamily="2" charset="0"/>
-              </a:rPr>
-              <a:t>Tool</a:t>
-            </a:r>
-          </a:p>
-        </p:txBody>
-      </p:sp>
-      <p:sp>
-        <p:nvSpPr>
-          <p:cNvPr id="22" name="TextBox 21">
-            <a:extLst>
-              <a:ext uri="{FF2B5EF4-FFF2-40B4-BE49-F238E27FC236}">
-                <a16:creationId xmlns:a16="http://schemas.microsoft.com/office/drawing/2014/main" id="{79E7104B-3E34-4A93-9EAF-FC624C4711F6}"/>
-              </a:ext>
-            </a:extLst>
-          </p:cNvPr>
-          <p:cNvSpPr txBox="1"/>
-          <p:nvPr/>
-        </p:nvSpPr>
-        <p:spPr>
-          <a:xfrm>
-            <a:off x="6012114" y="548579"/>
-            <a:ext cx="1680555" cy="369332"/>
-          </a:xfrm>
-          <a:prstGeom prst="rect">
-            <a:avLst/>
-          </a:prstGeom>
-          <a:noFill/>
-          <a:ln>
-            <a:solidFill>
-              <a:srgbClr val="FF0000"/>
-            </a:solidFill>
-          </a:ln>
-        </p:spPr>
-        <p:txBody>
-          <a:bodyPr wrap="square" rtlCol="0">
-            <a:spAutoFit/>
-          </a:bodyPr>
-          <a:lstStyle/>
-          <a:p>
-            <a:r>
-              <a:rPr lang="en-GB" dirty="0">
-                <a:latin typeface="Nunito" panose="00000500000000000000" pitchFamily="2" charset="0"/>
-              </a:rPr>
-              <a:t>Working area</a:t>
-            </a:r>
-          </a:p>
-        </p:txBody>
-      </p:sp>
-      <p:cxnSp>
-        <p:nvCxnSpPr>
-          <p:cNvPr id="21" name="Straight Arrow Connector 20">
-            <a:extLst>
-              <a:ext uri="{FF2B5EF4-FFF2-40B4-BE49-F238E27FC236}">
-                <a16:creationId xmlns:a16="http://schemas.microsoft.com/office/drawing/2014/main" id="{090143DC-183F-4550-9386-DC3918087742}"/>
-              </a:ext>
-            </a:extLst>
-          </p:cNvPr>
-          <p:cNvCxnSpPr>
-            <a:cxnSpLocks/>
-            <a:endCxn id="22" idx="2"/>
-          </p:cNvCxnSpPr>
-          <p:nvPr/>
-        </p:nvCxnSpPr>
-        <p:spPr>
-          <a:xfrm flipV="1">
-            <a:off x="6164580" y="917911"/>
-            <a:ext cx="687812" cy="1544953"/>
-          </a:xfrm>
-          <a:prstGeom prst="straightConnector1">
-            <a:avLst/>
-          </a:prstGeom>
-          <a:ln>
-            <a:solidFill>
-              <a:srgbClr val="FF0000"/>
-            </a:solidFill>
-            <a:tailEnd type="triangle"/>
-          </a:ln>
-        </p:spPr>
-        <p:style>
-          <a:lnRef idx="1">
-            <a:schemeClr val="accent1"/>
-          </a:lnRef>
-          <a:fillRef idx="0">
-            <a:schemeClr val="accent1"/>
-          </a:fillRef>
-          <a:effectRef idx="0">
-            <a:schemeClr val="accent1"/>
-          </a:effectRef>
-          <a:fontRef idx="minor">
-            <a:schemeClr val="tx1"/>
-          </a:fontRef>
-        </p:style>
-      </p:cxnSp>
-      <p:sp>
-        <p:nvSpPr>
-          <p:cNvPr id="23" name="TextBox 22">
-            <a:extLst>
-              <a:ext uri="{FF2B5EF4-FFF2-40B4-BE49-F238E27FC236}">
-                <a16:creationId xmlns:a16="http://schemas.microsoft.com/office/drawing/2014/main" id="{DA22BF65-D7EB-48B1-8D73-D06108EC698D}"/>
-              </a:ext>
-            </a:extLst>
-          </p:cNvPr>
-          <p:cNvSpPr txBox="1"/>
-          <p:nvPr/>
-        </p:nvSpPr>
-        <p:spPr>
-          <a:xfrm>
-            <a:off x="10797485" y="3930983"/>
-            <a:ext cx="1295401" cy="369332"/>
-          </a:xfrm>
-          <a:prstGeom prst="rect">
-            <a:avLst/>
-          </a:prstGeom>
-          <a:noFill/>
-          <a:ln>
-            <a:solidFill>
-              <a:srgbClr val="FF0000"/>
-            </a:solidFill>
-          </a:ln>
-        </p:spPr>
-        <p:txBody>
-          <a:bodyPr wrap="square" rtlCol="0">
-            <a:spAutoFit/>
-          </a:bodyPr>
-          <a:lstStyle/>
-          <a:p>
-            <a:r>
-              <a:rPr lang="en-GB" dirty="0">
-                <a:latin typeface="Nunito" panose="00000500000000000000" pitchFamily="2" charset="0"/>
-              </a:rPr>
-              <a:t>Attributes</a:t>
-            </a:r>
-          </a:p>
-        </p:txBody>
-      </p:sp>
-      <p:cxnSp>
-        <p:nvCxnSpPr>
-          <p:cNvPr id="28" name="Straight Arrow Connector 27">
-            <a:extLst>
-              <a:ext uri="{FF2B5EF4-FFF2-40B4-BE49-F238E27FC236}">
-                <a16:creationId xmlns:a16="http://schemas.microsoft.com/office/drawing/2014/main" id="{B5780B1C-3796-4F9F-B0DF-DFBE896ED065}"/>
-              </a:ext>
-            </a:extLst>
-          </p:cNvPr>
-          <p:cNvCxnSpPr>
-            <a:cxnSpLocks/>
-            <a:endCxn id="23" idx="0"/>
-          </p:cNvCxnSpPr>
-          <p:nvPr/>
-        </p:nvCxnSpPr>
-        <p:spPr>
-          <a:xfrm>
-            <a:off x="9867062" y="3124010"/>
-            <a:ext cx="1578124" cy="806973"/>
-          </a:xfrm>
-          <a:prstGeom prst="straightConnector1">
-            <a:avLst/>
-          </a:prstGeom>
-          <a:ln>
-            <a:solidFill>
-              <a:srgbClr val="FF0000"/>
-            </a:solidFill>
-            <a:tailEnd type="triangle"/>
-          </a:ln>
-        </p:spPr>
-        <p:style>
-          <a:lnRef idx="1">
-            <a:schemeClr val="accent1"/>
-          </a:lnRef>
-          <a:fillRef idx="0">
-            <a:schemeClr val="accent1"/>
-          </a:fillRef>
-          <a:effectRef idx="0">
-            <a:schemeClr val="accent1"/>
-          </a:effectRef>
-          <a:fontRef idx="minor">
-            <a:schemeClr val="tx1"/>
-          </a:fontRef>
-        </p:style>
-      </p:cxnSp>
-      <p:sp>
-        <p:nvSpPr>
-          <p:cNvPr id="29" name="Rectangle 28">
-            <a:extLst>
-              <a:ext uri="{FF2B5EF4-FFF2-40B4-BE49-F238E27FC236}">
-                <a16:creationId xmlns:a16="http://schemas.microsoft.com/office/drawing/2014/main" id="{B23AD072-3FA4-47D3-A2A6-C5D06A49A504}"/>
-              </a:ext>
-            </a:extLst>
-          </p:cNvPr>
-          <p:cNvSpPr/>
-          <p:nvPr/>
-        </p:nvSpPr>
-        <p:spPr>
-          <a:xfrm rot="16200000">
-            <a:off x="1972189" y="5383464"/>
-            <a:ext cx="186123" cy="246431"/>
-          </a:xfrm>
-          <a:prstGeom prst="rect">
-            <a:avLst/>
-          </a:prstGeom>
-          <a:noFill/>
-          <a:ln>
-            <a:solidFill>
-              <a:srgbClr val="FF0000"/>
-            </a:solidFill>
-          </a:ln>
-        </p:spPr>
-        <p:style>
-          <a:lnRef idx="2">
-            <a:schemeClr val="accent1">
-              <a:shade val="50000"/>
-            </a:schemeClr>
-          </a:lnRef>
-          <a:fillRef idx="1">
-            <a:schemeClr val="accent1"/>
-          </a:fillRef>
-          <a:effectRef idx="0">
-            <a:schemeClr val="accent1"/>
-          </a:effectRef>
-          <a:fontRef idx="minor">
-            <a:schemeClr val="lt1"/>
-          </a:fontRef>
-        </p:style>
-        <p:txBody>
-          <a:bodyPr rtlCol="0" anchor="ctr"/>
-          <a:lstStyle/>
-          <a:p>
-            <a:pPr algn="ctr"/>
-            <a:endParaRPr lang="en-GB"/>
-          </a:p>
-        </p:txBody>
-      </p:sp>
-      <p:sp>
-        <p:nvSpPr>
-          <p:cNvPr id="30" name="TextBox 29">
-            <a:extLst>
-              <a:ext uri="{FF2B5EF4-FFF2-40B4-BE49-F238E27FC236}">
-                <a16:creationId xmlns:a16="http://schemas.microsoft.com/office/drawing/2014/main" id="{4EF29EB1-874A-4968-8F5D-8E57CF474BEB}"/>
-              </a:ext>
-            </a:extLst>
-          </p:cNvPr>
-          <p:cNvSpPr txBox="1"/>
-          <p:nvPr/>
-        </p:nvSpPr>
-        <p:spPr>
-          <a:xfrm>
-            <a:off x="4071875" y="571612"/>
-            <a:ext cx="1252427" cy="369332"/>
-          </a:xfrm>
-          <a:prstGeom prst="rect">
-            <a:avLst/>
-          </a:prstGeom>
-          <a:noFill/>
-          <a:ln>
-            <a:solidFill>
-              <a:srgbClr val="FF0000"/>
-            </a:solidFill>
-          </a:ln>
-        </p:spPr>
-        <p:txBody>
-          <a:bodyPr wrap="square" rtlCol="0">
-            <a:spAutoFit/>
-          </a:bodyPr>
-          <a:lstStyle/>
-          <a:p>
-            <a:r>
-              <a:rPr lang="en-GB" dirty="0">
-                <a:latin typeface="Nunito" panose="00000500000000000000" pitchFamily="2" charset="0"/>
-              </a:rPr>
-              <a:t>Prototype</a:t>
-            </a:r>
-          </a:p>
-        </p:txBody>
-      </p:sp>
-      <p:cxnSp>
-        <p:nvCxnSpPr>
-          <p:cNvPr id="31" name="Straight Arrow Connector 30">
-            <a:extLst>
-              <a:ext uri="{FF2B5EF4-FFF2-40B4-BE49-F238E27FC236}">
-                <a16:creationId xmlns:a16="http://schemas.microsoft.com/office/drawing/2014/main" id="{310A510E-596D-4812-A36C-C65AB5201CE1}"/>
-              </a:ext>
-            </a:extLst>
-          </p:cNvPr>
-          <p:cNvCxnSpPr>
-            <a:cxnSpLocks/>
-            <a:stCxn id="44" idx="3"/>
-            <a:endCxn id="30" idx="2"/>
-          </p:cNvCxnSpPr>
-          <p:nvPr/>
-        </p:nvCxnSpPr>
-        <p:spPr>
-          <a:xfrm flipV="1">
-            <a:off x="3135181" y="940944"/>
-            <a:ext cx="1562908" cy="496696"/>
-          </a:xfrm>
-          <a:prstGeom prst="straightConnector1">
-            <a:avLst/>
-          </a:prstGeom>
-          <a:ln>
-            <a:solidFill>
-              <a:srgbClr val="FF0000"/>
-            </a:solidFill>
-            <a:tailEnd type="triangle"/>
-          </a:ln>
-        </p:spPr>
-        <p:style>
-          <a:lnRef idx="1">
-            <a:schemeClr val="accent2"/>
-          </a:lnRef>
-          <a:fillRef idx="0">
-            <a:schemeClr val="accent2"/>
-          </a:fillRef>
-          <a:effectRef idx="0">
-            <a:schemeClr val="accent2"/>
-          </a:effectRef>
-          <a:fontRef idx="minor">
-            <a:schemeClr val="tx1"/>
-          </a:fontRef>
-        </p:style>
-      </p:cxnSp>
-      <p:sp>
-        <p:nvSpPr>
-          <p:cNvPr id="36" name="Rectangle 35">
-            <a:extLst>
-              <a:ext uri="{FF2B5EF4-FFF2-40B4-BE49-F238E27FC236}">
-                <a16:creationId xmlns:a16="http://schemas.microsoft.com/office/drawing/2014/main" id="{B0213495-94C0-441A-9756-7C908B125C8E}"/>
-              </a:ext>
-            </a:extLst>
-          </p:cNvPr>
-          <p:cNvSpPr/>
-          <p:nvPr/>
-        </p:nvSpPr>
-        <p:spPr>
-          <a:xfrm rot="16200000">
-            <a:off x="1961827" y="5603838"/>
-            <a:ext cx="186123" cy="246431"/>
-          </a:xfrm>
-          <a:prstGeom prst="rect">
-            <a:avLst/>
-          </a:prstGeom>
-          <a:noFill/>
-          <a:ln>
-            <a:solidFill>
-              <a:srgbClr val="FF0000"/>
-            </a:solidFill>
-          </a:ln>
-        </p:spPr>
-        <p:style>
-          <a:lnRef idx="2">
-            <a:schemeClr val="accent1">
-              <a:shade val="50000"/>
-            </a:schemeClr>
-          </a:lnRef>
-          <a:fillRef idx="1">
-            <a:schemeClr val="accent1"/>
-          </a:fillRef>
-          <a:effectRef idx="0">
-            <a:schemeClr val="accent1"/>
-          </a:effectRef>
-          <a:fontRef idx="minor">
-            <a:schemeClr val="lt1"/>
-          </a:fontRef>
-        </p:style>
-        <p:txBody>
-          <a:bodyPr rtlCol="0" anchor="ctr"/>
-          <a:lstStyle/>
-          <a:p>
-            <a:pPr algn="ctr"/>
-            <a:endParaRPr lang="en-GB"/>
-          </a:p>
-        </p:txBody>
-      </p:sp>
-      <p:sp>
-        <p:nvSpPr>
-          <p:cNvPr id="37" name="TextBox 36">
-            <a:extLst>
-              <a:ext uri="{FF2B5EF4-FFF2-40B4-BE49-F238E27FC236}">
-                <a16:creationId xmlns:a16="http://schemas.microsoft.com/office/drawing/2014/main" id="{EB5057CF-4025-4431-B630-B4A7FA58B2E5}"/>
-              </a:ext>
-            </a:extLst>
-          </p:cNvPr>
-          <p:cNvSpPr txBox="1"/>
-          <p:nvPr/>
-        </p:nvSpPr>
-        <p:spPr>
-          <a:xfrm>
-            <a:off x="678179" y="5450783"/>
-            <a:ext cx="960175" cy="369332"/>
-          </a:xfrm>
-          <a:prstGeom prst="rect">
-            <a:avLst/>
-          </a:prstGeom>
-          <a:noFill/>
-          <a:ln>
-            <a:solidFill>
-              <a:srgbClr val="FF0000"/>
-            </a:solidFill>
-          </a:ln>
-        </p:spPr>
-        <p:txBody>
-          <a:bodyPr wrap="square" rtlCol="0">
-            <a:spAutoFit/>
-          </a:bodyPr>
-          <a:lstStyle/>
-          <a:p>
-            <a:r>
-              <a:rPr lang="en-GB" dirty="0">
-                <a:latin typeface="Nunito" panose="00000500000000000000" pitchFamily="2" charset="0"/>
-              </a:rPr>
-              <a:t>Layers</a:t>
-            </a:r>
-          </a:p>
-        </p:txBody>
-      </p:sp>
-      <p:cxnSp>
-        <p:nvCxnSpPr>
-          <p:cNvPr id="38" name="Straight Arrow Connector 37">
-            <a:extLst>
-              <a:ext uri="{FF2B5EF4-FFF2-40B4-BE49-F238E27FC236}">
-                <a16:creationId xmlns:a16="http://schemas.microsoft.com/office/drawing/2014/main" id="{F6DEEF70-ECFB-4B69-AE0D-EB1C5C27E50E}"/>
-              </a:ext>
-            </a:extLst>
-          </p:cNvPr>
-          <p:cNvCxnSpPr>
-            <a:cxnSpLocks/>
-          </p:cNvCxnSpPr>
-          <p:nvPr/>
-        </p:nvCxnSpPr>
-        <p:spPr>
-          <a:xfrm flipH="1" flipV="1">
-            <a:off x="1638355" y="5633992"/>
-            <a:ext cx="299100" cy="93061"/>
-          </a:xfrm>
-          <a:prstGeom prst="straightConnector1">
-            <a:avLst/>
-          </a:prstGeom>
-          <a:ln>
-            <a:solidFill>
-              <a:srgbClr val="FF0000"/>
-            </a:solidFill>
-            <a:tailEnd type="triangle"/>
-          </a:ln>
-        </p:spPr>
-        <p:style>
-          <a:lnRef idx="1">
-            <a:schemeClr val="accent2"/>
-          </a:lnRef>
-          <a:fillRef idx="0">
-            <a:schemeClr val="accent2"/>
-          </a:fillRef>
-          <a:effectRef idx="0">
-            <a:schemeClr val="accent2"/>
-          </a:effectRef>
-          <a:fontRef idx="minor">
-            <a:schemeClr val="tx1"/>
-          </a:fontRef>
-        </p:style>
-      </p:cxnSp>
-      <p:sp>
-        <p:nvSpPr>
-          <p:cNvPr id="44" name="Rectangle 43">
-            <a:extLst>
-              <a:ext uri="{FF2B5EF4-FFF2-40B4-BE49-F238E27FC236}">
-                <a16:creationId xmlns:a16="http://schemas.microsoft.com/office/drawing/2014/main" id="{888B11B8-7E60-4246-9FC7-C5F23643ABED}"/>
-              </a:ext>
-            </a:extLst>
-          </p:cNvPr>
-          <p:cNvSpPr/>
-          <p:nvPr/>
-        </p:nvSpPr>
-        <p:spPr>
-          <a:xfrm rot="16200000">
-            <a:off x="3017892" y="1344301"/>
-            <a:ext cx="234578" cy="421256"/>
-          </a:xfrm>
-          <a:prstGeom prst="rect">
-            <a:avLst/>
-          </a:prstGeom>
-          <a:noFill/>
-          <a:ln>
-            <a:solidFill>
-              <a:srgbClr val="FF0000"/>
-            </a:solidFill>
-          </a:ln>
-        </p:spPr>
-        <p:style>
-          <a:lnRef idx="2">
-            <a:schemeClr val="accent1">
-              <a:shade val="50000"/>
-            </a:schemeClr>
-          </a:lnRef>
-          <a:fillRef idx="1">
-            <a:schemeClr val="accent1"/>
-          </a:fillRef>
-          <a:effectRef idx="0">
-            <a:schemeClr val="accent1"/>
-          </a:effectRef>
-          <a:fontRef idx="minor">
-            <a:schemeClr val="lt1"/>
-          </a:fontRef>
-        </p:style>
-        <p:txBody>
-          <a:bodyPr rtlCol="0" anchor="ctr"/>
-          <a:lstStyle/>
-          <a:p>
-            <a:pPr algn="ctr"/>
-            <a:endParaRPr lang="en-GB"/>
-          </a:p>
-        </p:txBody>
-      </p:sp>
-      <p:sp>
-        <p:nvSpPr>
-          <p:cNvPr id="51" name="Rectangle 50">
-            <a:extLst>
-              <a:ext uri="{FF2B5EF4-FFF2-40B4-BE49-F238E27FC236}">
-                <a16:creationId xmlns:a16="http://schemas.microsoft.com/office/drawing/2014/main" id="{9AFE7534-8BED-4128-BD71-51F844801D88}"/>
-              </a:ext>
-            </a:extLst>
-          </p:cNvPr>
-          <p:cNvSpPr/>
-          <p:nvPr/>
-        </p:nvSpPr>
-        <p:spPr>
-          <a:xfrm rot="16200000">
-            <a:off x="2563020" y="1344300"/>
-            <a:ext cx="234578" cy="421256"/>
-          </a:xfrm>
-          <a:prstGeom prst="rect">
-            <a:avLst/>
-          </a:prstGeom>
-          <a:noFill/>
-          <a:ln>
-            <a:solidFill>
-              <a:srgbClr val="FF0000"/>
-            </a:solidFill>
-          </a:ln>
-        </p:spPr>
-        <p:style>
-          <a:lnRef idx="2">
-            <a:schemeClr val="accent1">
-              <a:shade val="50000"/>
-            </a:schemeClr>
-          </a:lnRef>
-          <a:fillRef idx="1">
-            <a:schemeClr val="accent1"/>
-          </a:fillRef>
-          <a:effectRef idx="0">
-            <a:schemeClr val="accent1"/>
-          </a:effectRef>
-          <a:fontRef idx="minor">
-            <a:schemeClr val="lt1"/>
-          </a:fontRef>
-        </p:style>
-        <p:txBody>
-          <a:bodyPr rtlCol="0" anchor="ctr"/>
-          <a:lstStyle/>
-          <a:p>
-            <a:pPr algn="ctr"/>
-            <a:endParaRPr lang="en-GB"/>
-          </a:p>
-        </p:txBody>
-      </p:sp>
-      <p:sp>
-        <p:nvSpPr>
-          <p:cNvPr id="52" name="TextBox 51">
-            <a:extLst>
-              <a:ext uri="{FF2B5EF4-FFF2-40B4-BE49-F238E27FC236}">
-                <a16:creationId xmlns:a16="http://schemas.microsoft.com/office/drawing/2014/main" id="{56A74800-ED23-4A69-BD12-B0D4B32B2713}"/>
-              </a:ext>
-            </a:extLst>
-          </p:cNvPr>
-          <p:cNvSpPr txBox="1"/>
-          <p:nvPr/>
-        </p:nvSpPr>
-        <p:spPr>
-          <a:xfrm>
-            <a:off x="2565165" y="572756"/>
-            <a:ext cx="1252427" cy="369332"/>
-          </a:xfrm>
-          <a:prstGeom prst="rect">
-            <a:avLst/>
-          </a:prstGeom>
-          <a:noFill/>
-          <a:ln>
-            <a:solidFill>
-              <a:srgbClr val="FF0000"/>
-            </a:solidFill>
-          </a:ln>
-        </p:spPr>
-        <p:txBody>
-          <a:bodyPr wrap="square" rtlCol="0">
-            <a:spAutoFit/>
-          </a:bodyPr>
-          <a:lstStyle/>
-          <a:p>
-            <a:r>
-              <a:rPr lang="en-GB" dirty="0">
-                <a:latin typeface="Nunito" panose="00000500000000000000" pitchFamily="2" charset="0"/>
-              </a:rPr>
-              <a:t>Design</a:t>
-            </a:r>
-          </a:p>
-        </p:txBody>
-      </p:sp>
-      <p:cxnSp>
-        <p:nvCxnSpPr>
-          <p:cNvPr id="53" name="Straight Arrow Connector 52">
-            <a:extLst>
-              <a:ext uri="{FF2B5EF4-FFF2-40B4-BE49-F238E27FC236}">
-                <a16:creationId xmlns:a16="http://schemas.microsoft.com/office/drawing/2014/main" id="{63AFF0ED-646A-401B-98E6-2A08DB6A21FC}"/>
-              </a:ext>
-            </a:extLst>
-          </p:cNvPr>
-          <p:cNvCxnSpPr>
-            <a:cxnSpLocks/>
-            <a:stCxn id="51" idx="3"/>
-            <a:endCxn id="52" idx="2"/>
-          </p:cNvCxnSpPr>
-          <p:nvPr/>
-        </p:nvCxnSpPr>
-        <p:spPr>
-          <a:xfrm flipV="1">
-            <a:off x="2680309" y="942088"/>
-            <a:ext cx="511070" cy="495551"/>
-          </a:xfrm>
-          <a:prstGeom prst="straightConnector1">
-            <a:avLst/>
-          </a:prstGeom>
-          <a:ln>
-            <a:solidFill>
-              <a:srgbClr val="FF0000"/>
-            </a:solidFill>
-            <a:tailEnd type="triangle"/>
-          </a:ln>
-        </p:spPr>
-        <p:style>
-          <a:lnRef idx="1">
-            <a:schemeClr val="accent2"/>
-          </a:lnRef>
-          <a:fillRef idx="0">
-            <a:schemeClr val="accent2"/>
-          </a:fillRef>
-          <a:effectRef idx="0">
-            <a:schemeClr val="accent2"/>
-          </a:effectRef>
-          <a:fontRef idx="minor">
-            <a:schemeClr val="tx1"/>
-          </a:fontRef>
-        </p:style>
-      </p:cxnSp>
-      <p:sp>
-        <p:nvSpPr>
-          <p:cNvPr id="55" name="TextBox 54">
-            <a:extLst>
-              <a:ext uri="{FF2B5EF4-FFF2-40B4-BE49-F238E27FC236}">
-                <a16:creationId xmlns:a16="http://schemas.microsoft.com/office/drawing/2014/main" id="{65322D23-6CA7-4903-8C05-15701599347D}"/>
-              </a:ext>
-            </a:extLst>
-          </p:cNvPr>
-          <p:cNvSpPr txBox="1"/>
-          <p:nvPr/>
-        </p:nvSpPr>
-        <p:spPr>
-          <a:xfrm>
-            <a:off x="281493" y="4833675"/>
-            <a:ext cx="1510731" cy="369332"/>
-          </a:xfrm>
-          <a:prstGeom prst="rect">
-            <a:avLst/>
-          </a:prstGeom>
-          <a:noFill/>
-          <a:ln>
-            <a:solidFill>
-              <a:srgbClr val="FF0000"/>
-            </a:solidFill>
-          </a:ln>
-        </p:spPr>
-        <p:txBody>
-          <a:bodyPr wrap="square" rtlCol="0">
-            <a:spAutoFit/>
-          </a:bodyPr>
-          <a:lstStyle/>
-          <a:p>
-            <a:r>
-              <a:rPr lang="en-GB" dirty="0">
-                <a:latin typeface="Nunito" panose="00000500000000000000" pitchFamily="2" charset="0"/>
-              </a:rPr>
-              <a:t>Components</a:t>
-            </a:r>
-          </a:p>
-        </p:txBody>
-      </p:sp>
-      <p:cxnSp>
-        <p:nvCxnSpPr>
-          <p:cNvPr id="56" name="Straight Arrow Connector 55">
-            <a:extLst>
-              <a:ext uri="{FF2B5EF4-FFF2-40B4-BE49-F238E27FC236}">
-                <a16:creationId xmlns:a16="http://schemas.microsoft.com/office/drawing/2014/main" id="{F9FF499B-037B-48E1-A9F7-10F3672A3246}"/>
-              </a:ext>
-            </a:extLst>
-          </p:cNvPr>
-          <p:cNvCxnSpPr>
-            <a:cxnSpLocks/>
-            <a:stCxn id="29" idx="0"/>
-            <a:endCxn id="55" idx="2"/>
-          </p:cNvCxnSpPr>
-          <p:nvPr/>
-        </p:nvCxnSpPr>
-        <p:spPr>
-          <a:xfrm flipH="1" flipV="1">
-            <a:off x="1036859" y="5203007"/>
-            <a:ext cx="905176" cy="303672"/>
-          </a:xfrm>
-          <a:prstGeom prst="straightConnector1">
-            <a:avLst/>
-          </a:prstGeom>
-          <a:ln>
-            <a:solidFill>
-              <a:srgbClr val="FF0000"/>
-            </a:solidFill>
-            <a:tailEnd type="triangle"/>
-          </a:ln>
-        </p:spPr>
-        <p:style>
-          <a:lnRef idx="1">
-            <a:schemeClr val="accent2"/>
-          </a:lnRef>
-          <a:fillRef idx="0">
-            <a:schemeClr val="accent2"/>
-          </a:fillRef>
-          <a:effectRef idx="0">
-            <a:schemeClr val="accent2"/>
-          </a:effectRef>
-          <a:fontRef idx="minor">
-            <a:schemeClr val="tx1"/>
-          </a:fontRef>
-        </p:style>
-      </p:cxnSp>
-    </p:spTree>
-  </p:cSld>
-  <p:clrMapOvr>
-    <a:masterClrMapping/>
-  </p:clrMapOvr>
-  <p:timing>
-    <p:tnLst>
-      <p:par>
-        <p:cTn id="1" dur="indefinite" restart="never" nodeType="tmRoot">
-          <p:childTnLst>
-            <p:seq concurrent="1" nextAc="seek">
-              <p:cTn id="2" dur="indefinite" nodeType="mainSeq">
-                <p:childTnLst>
-                  <p:par>
-                    <p:cTn id="3" fill="hold">
-                      <p:stCondLst>
-                        <p:cond delay="indefinite"/>
-                        <p:cond evt="onBegin" delay="0">
-                          <p:tn val="2"/>
-                        </p:cond>
-                      </p:stCondLst>
-                      <p:childTnLst>
-                        <p:par>
-                          <p:cTn id="4" fill="hold">
-                            <p:stCondLst>
-                              <p:cond delay="0"/>
-                            </p:stCondLst>
-                            <p:childTnLst>
-                              <p:par>
-                                <p:cTn id="5" presetID="12" presetClass="entr" presetSubtype="1" fill="hold" nodeType="afterEffect">
-                                  <p:stCondLst>
-                                    <p:cond delay="0"/>
-                                  </p:stCondLst>
-                                  <p:childTnLst>
-                                    <p:set>
-                                      <p:cBhvr>
-                                        <p:cTn id="6" dur="1" fill="hold">
-                                          <p:stCondLst>
-                                            <p:cond delay="0"/>
-                                          </p:stCondLst>
-                                        </p:cTn>
-                                        <p:tgtEl>
-                                          <p:spTgt spid="11"/>
-                                        </p:tgtEl>
-                                        <p:attrNameLst>
-                                          <p:attrName>style.visibility</p:attrName>
-                                        </p:attrNameLst>
-                                      </p:cBhvr>
-                                      <p:to>
-                                        <p:strVal val="visible"/>
-                                      </p:to>
-                                    </p:set>
-                                    <p:anim calcmode="lin" valueType="num">
-                                      <p:cBhvr additive="base">
-                                        <p:cTn id="7" dur="500"/>
-                                        <p:tgtEl>
-                                          <p:spTgt spid="11"/>
-                                        </p:tgtEl>
-                                        <p:attrNameLst>
-                                          <p:attrName>ppt_y</p:attrName>
-                                        </p:attrNameLst>
-                                      </p:cBhvr>
-                                      <p:tavLst>
-                                        <p:tav tm="0">
-                                          <p:val>
-                                            <p:strVal val="#ppt_y-#ppt_h*1.125000"/>
-                                          </p:val>
-                                        </p:tav>
-                                        <p:tav tm="100000">
-                                          <p:val>
-                                            <p:strVal val="#ppt_y"/>
-                                          </p:val>
-                                        </p:tav>
-                                      </p:tavLst>
-                                    </p:anim>
-                                    <p:animEffect transition="in" filter="wipe(down)">
-                                      <p:cBhvr>
-                                        <p:cTn id="8" dur="500"/>
-                                        <p:tgtEl>
-                                          <p:spTgt spid="11"/>
-                                        </p:tgtEl>
-                                      </p:cBhvr>
-                                    </p:animEffect>
-                                  </p:childTnLst>
-                                </p:cTn>
-                              </p:par>
-                            </p:childTnLst>
-                          </p:cTn>
-                        </p:par>
-                        <p:par>
-                          <p:cTn id="9" fill="hold">
-                            <p:stCondLst>
-                              <p:cond delay="500"/>
-                            </p:stCondLst>
-                            <p:childTnLst>
-                              <p:par>
-                                <p:cTn id="10" presetID="12" presetClass="entr" presetSubtype="8" fill="hold" grpId="0" nodeType="afterEffect">
-                                  <p:stCondLst>
-                                    <p:cond delay="0"/>
-                                  </p:stCondLst>
-                                  <p:childTnLst>
-                                    <p:set>
-                                      <p:cBhvr>
-                                        <p:cTn id="11" dur="1" fill="hold">
-                                          <p:stCondLst>
-                                            <p:cond delay="0"/>
-                                          </p:stCondLst>
-                                        </p:cTn>
-                                        <p:tgtEl>
-                                          <p:spTgt spid="15"/>
-                                        </p:tgtEl>
-                                        <p:attrNameLst>
-                                          <p:attrName>style.visibility</p:attrName>
-                                        </p:attrNameLst>
-                                      </p:cBhvr>
-                                      <p:to>
-                                        <p:strVal val="visible"/>
-                                      </p:to>
-                                    </p:set>
-                                    <p:anim calcmode="lin" valueType="num">
-                                      <p:cBhvr additive="base">
-                                        <p:cTn id="12" dur="500"/>
-                                        <p:tgtEl>
-                                          <p:spTgt spid="15"/>
-                                        </p:tgtEl>
-                                        <p:attrNameLst>
-                                          <p:attrName>ppt_x</p:attrName>
-                                        </p:attrNameLst>
-                                      </p:cBhvr>
-                                      <p:tavLst>
-                                        <p:tav tm="0">
-                                          <p:val>
-                                            <p:strVal val="#ppt_x-#ppt_w*1.125000"/>
-                                          </p:val>
-                                        </p:tav>
-                                        <p:tav tm="100000">
-                                          <p:val>
-                                            <p:strVal val="#ppt_x"/>
-                                          </p:val>
-                                        </p:tav>
-                                      </p:tavLst>
-                                    </p:anim>
-                                    <p:animEffect transition="in" filter="wipe(right)">
-                                      <p:cBhvr>
-                                        <p:cTn id="13" dur="500"/>
-                                        <p:tgtEl>
-                                          <p:spTgt spid="15"/>
-                                        </p:tgtEl>
-                                      </p:cBhvr>
-                                    </p:animEffect>
-                                  </p:childTnLst>
-                                </p:cTn>
-                              </p:par>
-                            </p:childTnLst>
-                          </p:cTn>
-                        </p:par>
-                      </p:childTnLst>
-                    </p:cTn>
-                  </p:par>
-                  <p:par>
-                    <p:cTn id="14" fill="hold">
-                      <p:stCondLst>
-                        <p:cond delay="indefinite"/>
-                      </p:stCondLst>
-                      <p:childTnLst>
-                        <p:par>
-                          <p:cTn id="15" fill="hold">
-                            <p:stCondLst>
-                              <p:cond delay="0"/>
-                            </p:stCondLst>
-                            <p:childTnLst>
-                              <p:par>
-                                <p:cTn id="16" presetID="12" presetClass="entr" presetSubtype="8" fill="hold" grpId="0" nodeType="clickEffect">
-                                  <p:stCondLst>
-                                    <p:cond delay="0"/>
-                                  </p:stCondLst>
-                                  <p:childTnLst>
-                                    <p:set>
-                                      <p:cBhvr>
-                                        <p:cTn id="17" dur="1" fill="hold">
-                                          <p:stCondLst>
-                                            <p:cond delay="0"/>
-                                          </p:stCondLst>
-                                        </p:cTn>
-                                        <p:tgtEl>
-                                          <p:spTgt spid="7"/>
-                                        </p:tgtEl>
-                                        <p:attrNameLst>
-                                          <p:attrName>style.visibility</p:attrName>
-                                        </p:attrNameLst>
-                                      </p:cBhvr>
-                                      <p:to>
-                                        <p:strVal val="visible"/>
-                                      </p:to>
-                                    </p:set>
-                                    <p:anim calcmode="lin" valueType="num">
-                                      <p:cBhvr additive="base">
-                                        <p:cTn id="18" dur="500"/>
-                                        <p:tgtEl>
-                                          <p:spTgt spid="7"/>
-                                        </p:tgtEl>
-                                        <p:attrNameLst>
-                                          <p:attrName>ppt_x</p:attrName>
-                                        </p:attrNameLst>
-                                      </p:cBhvr>
-                                      <p:tavLst>
-                                        <p:tav tm="0">
-                                          <p:val>
-                                            <p:strVal val="#ppt_x-#ppt_w*1.125000"/>
-                                          </p:val>
-                                        </p:tav>
-                                        <p:tav tm="100000">
-                                          <p:val>
-                                            <p:strVal val="#ppt_x"/>
-                                          </p:val>
-                                        </p:tav>
-                                      </p:tavLst>
-                                    </p:anim>
-                                    <p:animEffect transition="in" filter="wipe(right)">
-                                      <p:cBhvr>
-                                        <p:cTn id="19" dur="500"/>
-                                        <p:tgtEl>
-                                          <p:spTgt spid="7"/>
-                                        </p:tgtEl>
-                                      </p:cBhvr>
-                                    </p:animEffect>
-                                  </p:childTnLst>
-                                </p:cTn>
-                              </p:par>
-                            </p:childTnLst>
-                          </p:cTn>
-                        </p:par>
-                        <p:par>
-                          <p:cTn id="20" fill="hold">
-                            <p:stCondLst>
-                              <p:cond delay="500"/>
-                            </p:stCondLst>
-                            <p:childTnLst>
-                              <p:par>
-                                <p:cTn id="21" presetID="16" presetClass="entr" presetSubtype="42" fill="hold" nodeType="afterEffect">
-                                  <p:stCondLst>
-                                    <p:cond delay="0"/>
-                                  </p:stCondLst>
-                                  <p:childTnLst>
-                                    <p:set>
-                                      <p:cBhvr>
-                                        <p:cTn id="22" dur="1" fill="hold">
-                                          <p:stCondLst>
-                                            <p:cond delay="0"/>
-                                          </p:stCondLst>
-                                        </p:cTn>
-                                        <p:tgtEl>
-                                          <p:spTgt spid="10"/>
-                                        </p:tgtEl>
-                                        <p:attrNameLst>
-                                          <p:attrName>style.visibility</p:attrName>
-                                        </p:attrNameLst>
-                                      </p:cBhvr>
-                                      <p:to>
-                                        <p:strVal val="visible"/>
-                                      </p:to>
-                                    </p:set>
-                                    <p:animEffect transition="in" filter="barn(outHorizontal)">
-                                      <p:cBhvr>
-                                        <p:cTn id="23" dur="500"/>
-                                        <p:tgtEl>
-                                          <p:spTgt spid="10"/>
-                                        </p:tgtEl>
-                                      </p:cBhvr>
-                                    </p:animEffect>
-                                  </p:childTnLst>
-                                </p:cTn>
-                              </p:par>
-                            </p:childTnLst>
-                          </p:cTn>
-                        </p:par>
-                        <p:par>
-                          <p:cTn id="24" fill="hold">
-                            <p:stCondLst>
-                              <p:cond delay="1000"/>
-                            </p:stCondLst>
-                            <p:childTnLst>
-                              <p:par>
-                                <p:cTn id="25" presetID="12" presetClass="entr" presetSubtype="8" fill="hold" grpId="0" nodeType="afterEffect">
-                                  <p:stCondLst>
-                                    <p:cond delay="0"/>
-                                  </p:stCondLst>
-                                  <p:childTnLst>
-                                    <p:set>
-                                      <p:cBhvr>
-                                        <p:cTn id="26" dur="1" fill="hold">
-                                          <p:stCondLst>
-                                            <p:cond delay="0"/>
-                                          </p:stCondLst>
-                                        </p:cTn>
-                                        <p:tgtEl>
-                                          <p:spTgt spid="18"/>
-                                        </p:tgtEl>
-                                        <p:attrNameLst>
-                                          <p:attrName>style.visibility</p:attrName>
-                                        </p:attrNameLst>
-                                      </p:cBhvr>
-                                      <p:to>
-                                        <p:strVal val="visible"/>
-                                      </p:to>
-                                    </p:set>
-                                    <p:anim calcmode="lin" valueType="num">
-                                      <p:cBhvr additive="base">
-                                        <p:cTn id="27" dur="500"/>
-                                        <p:tgtEl>
-                                          <p:spTgt spid="18"/>
-                                        </p:tgtEl>
-                                        <p:attrNameLst>
-                                          <p:attrName>ppt_x</p:attrName>
-                                        </p:attrNameLst>
-                                      </p:cBhvr>
-                                      <p:tavLst>
-                                        <p:tav tm="0">
-                                          <p:val>
-                                            <p:strVal val="#ppt_x-#ppt_w*1.125000"/>
-                                          </p:val>
-                                        </p:tav>
-                                        <p:tav tm="100000">
-                                          <p:val>
-                                            <p:strVal val="#ppt_x"/>
-                                          </p:val>
-                                        </p:tav>
-                                      </p:tavLst>
-                                    </p:anim>
-                                    <p:animEffect transition="in" filter="wipe(right)">
-                                      <p:cBhvr>
-                                        <p:cTn id="28" dur="500"/>
-                                        <p:tgtEl>
-                                          <p:spTgt spid="18"/>
-                                        </p:tgtEl>
-                                      </p:cBhvr>
-                                    </p:animEffect>
-                                  </p:childTnLst>
-                                </p:cTn>
-                              </p:par>
-                            </p:childTnLst>
-                          </p:cTn>
-                        </p:par>
-                      </p:childTnLst>
-                    </p:cTn>
-                  </p:par>
-                  <p:par>
-                    <p:cTn id="29" fill="hold">
-                      <p:stCondLst>
-                        <p:cond delay="indefinite"/>
-                      </p:stCondLst>
-                      <p:childTnLst>
-                        <p:par>
-                          <p:cTn id="30" fill="hold">
-                            <p:stCondLst>
-                              <p:cond delay="0"/>
-                            </p:stCondLst>
-                            <p:childTnLst>
-                              <p:par>
-                                <p:cTn id="31" presetID="12" presetClass="entr" presetSubtype="8" fill="hold" grpId="0" nodeType="clickEffect">
-                                  <p:stCondLst>
-                                    <p:cond delay="0"/>
-                                  </p:stCondLst>
-                                  <p:childTnLst>
-                                    <p:set>
-                                      <p:cBhvr>
-                                        <p:cTn id="32" dur="1" fill="hold">
-                                          <p:stCondLst>
-                                            <p:cond delay="0"/>
-                                          </p:stCondLst>
-                                        </p:cTn>
-                                        <p:tgtEl>
-                                          <p:spTgt spid="6"/>
-                                        </p:tgtEl>
-                                        <p:attrNameLst>
-                                          <p:attrName>style.visibility</p:attrName>
-                                        </p:attrNameLst>
-                                      </p:cBhvr>
-                                      <p:to>
-                                        <p:strVal val="visible"/>
-                                      </p:to>
-                                    </p:set>
-                                    <p:anim calcmode="lin" valueType="num">
-                                      <p:cBhvr additive="base">
-                                        <p:cTn id="33" dur="500"/>
-                                        <p:tgtEl>
-                                          <p:spTgt spid="6"/>
-                                        </p:tgtEl>
-                                        <p:attrNameLst>
-                                          <p:attrName>ppt_x</p:attrName>
-                                        </p:attrNameLst>
-                                      </p:cBhvr>
-                                      <p:tavLst>
-                                        <p:tav tm="0">
-                                          <p:val>
-                                            <p:strVal val="#ppt_x-#ppt_w*1.125000"/>
-                                          </p:val>
-                                        </p:tav>
-                                        <p:tav tm="100000">
-                                          <p:val>
-                                            <p:strVal val="#ppt_x"/>
-                                          </p:val>
-                                        </p:tav>
-                                      </p:tavLst>
-                                    </p:anim>
-                                    <p:animEffect transition="in" filter="wipe(right)">
-                                      <p:cBhvr>
-                                        <p:cTn id="34" dur="500"/>
-                                        <p:tgtEl>
-                                          <p:spTgt spid="6"/>
-                                        </p:tgtEl>
-                                      </p:cBhvr>
-                                    </p:animEffect>
-                                  </p:childTnLst>
-                                </p:cTn>
-                              </p:par>
-                            </p:childTnLst>
-                          </p:cTn>
-                        </p:par>
-                        <p:par>
-                          <p:cTn id="35" fill="hold">
-                            <p:stCondLst>
-                              <p:cond delay="500"/>
-                            </p:stCondLst>
-                            <p:childTnLst>
-                              <p:par>
-                                <p:cTn id="36" presetID="16" presetClass="entr" presetSubtype="42" fill="hold" nodeType="afterEffect">
-                                  <p:stCondLst>
-                                    <p:cond delay="0"/>
-                                  </p:stCondLst>
-                                  <p:childTnLst>
-                                    <p:set>
-                                      <p:cBhvr>
-                                        <p:cTn id="37" dur="1" fill="hold">
-                                          <p:stCondLst>
-                                            <p:cond delay="0"/>
-                                          </p:stCondLst>
-                                        </p:cTn>
-                                        <p:tgtEl>
-                                          <p:spTgt spid="21"/>
-                                        </p:tgtEl>
-                                        <p:attrNameLst>
-                                          <p:attrName>style.visibility</p:attrName>
-                                        </p:attrNameLst>
-                                      </p:cBhvr>
-                                      <p:to>
-                                        <p:strVal val="visible"/>
-                                      </p:to>
-                                    </p:set>
-                                    <p:animEffect transition="in" filter="barn(outHorizontal)">
-                                      <p:cBhvr>
-                                        <p:cTn id="38" dur="500"/>
-                                        <p:tgtEl>
-                                          <p:spTgt spid="21"/>
-                                        </p:tgtEl>
-                                      </p:cBhvr>
-                                    </p:animEffect>
-                                  </p:childTnLst>
-                                </p:cTn>
-                              </p:par>
-                            </p:childTnLst>
-                          </p:cTn>
-                        </p:par>
-                        <p:par>
-                          <p:cTn id="39" fill="hold">
-                            <p:stCondLst>
-                              <p:cond delay="1000"/>
-                            </p:stCondLst>
-                            <p:childTnLst>
-                              <p:par>
-                                <p:cTn id="40" presetID="12" presetClass="entr" presetSubtype="8" fill="hold" grpId="0" nodeType="afterEffect">
-                                  <p:stCondLst>
-                                    <p:cond delay="0"/>
-                                  </p:stCondLst>
-                                  <p:childTnLst>
-                                    <p:set>
-                                      <p:cBhvr>
-                                        <p:cTn id="41" dur="1" fill="hold">
-                                          <p:stCondLst>
-                                            <p:cond delay="0"/>
-                                          </p:stCondLst>
-                                        </p:cTn>
-                                        <p:tgtEl>
-                                          <p:spTgt spid="22"/>
-                                        </p:tgtEl>
-                                        <p:attrNameLst>
-                                          <p:attrName>style.visibility</p:attrName>
-                                        </p:attrNameLst>
-                                      </p:cBhvr>
-                                      <p:to>
-                                        <p:strVal val="visible"/>
-                                      </p:to>
-                                    </p:set>
-                                    <p:anim calcmode="lin" valueType="num">
-                                      <p:cBhvr additive="base">
-                                        <p:cTn id="42" dur="500"/>
-                                        <p:tgtEl>
-                                          <p:spTgt spid="22"/>
-                                        </p:tgtEl>
-                                        <p:attrNameLst>
-                                          <p:attrName>ppt_x</p:attrName>
-                                        </p:attrNameLst>
-                                      </p:cBhvr>
-                                      <p:tavLst>
-                                        <p:tav tm="0">
-                                          <p:val>
-                                            <p:strVal val="#ppt_x-#ppt_w*1.125000"/>
-                                          </p:val>
-                                        </p:tav>
-                                        <p:tav tm="100000">
-                                          <p:val>
-                                            <p:strVal val="#ppt_x"/>
-                                          </p:val>
-                                        </p:tav>
-                                      </p:tavLst>
-                                    </p:anim>
-                                    <p:animEffect transition="in" filter="wipe(right)">
-                                      <p:cBhvr>
-                                        <p:cTn id="43" dur="500"/>
-                                        <p:tgtEl>
-                                          <p:spTgt spid="22"/>
-                                        </p:tgtEl>
-                                      </p:cBhvr>
-                                    </p:animEffect>
-                                  </p:childTnLst>
-                                </p:cTn>
-                              </p:par>
-                            </p:childTnLst>
-                          </p:cTn>
-                        </p:par>
-                      </p:childTnLst>
-                    </p:cTn>
-                  </p:par>
-                  <p:par>
-                    <p:cTn id="44" fill="hold">
-                      <p:stCondLst>
-                        <p:cond delay="indefinite"/>
-                      </p:stCondLst>
-                      <p:childTnLst>
-                        <p:par>
-                          <p:cTn id="45" fill="hold">
-                            <p:stCondLst>
-                              <p:cond delay="0"/>
-                            </p:stCondLst>
-                            <p:childTnLst>
-                              <p:par>
-                                <p:cTn id="46" presetID="12" presetClass="entr" presetSubtype="2" fill="hold" grpId="0" nodeType="clickEffect">
-                                  <p:stCondLst>
-                                    <p:cond delay="0"/>
-                                  </p:stCondLst>
-                                  <p:childTnLst>
-                                    <p:set>
-                                      <p:cBhvr>
-                                        <p:cTn id="47" dur="1" fill="hold">
-                                          <p:stCondLst>
-                                            <p:cond delay="0"/>
-                                          </p:stCondLst>
-                                        </p:cTn>
-                                        <p:tgtEl>
-                                          <p:spTgt spid="17"/>
-                                        </p:tgtEl>
-                                        <p:attrNameLst>
-                                          <p:attrName>style.visibility</p:attrName>
-                                        </p:attrNameLst>
-                                      </p:cBhvr>
-                                      <p:to>
-                                        <p:strVal val="visible"/>
-                                      </p:to>
-                                    </p:set>
-                                    <p:anim calcmode="lin" valueType="num">
-                                      <p:cBhvr additive="base">
-                                        <p:cTn id="48" dur="500"/>
-                                        <p:tgtEl>
-                                          <p:spTgt spid="17"/>
-                                        </p:tgtEl>
-                                        <p:attrNameLst>
-                                          <p:attrName>ppt_x</p:attrName>
-                                        </p:attrNameLst>
-                                      </p:cBhvr>
-                                      <p:tavLst>
-                                        <p:tav tm="0">
-                                          <p:val>
-                                            <p:strVal val="#ppt_x+#ppt_w*1.125000"/>
-                                          </p:val>
-                                        </p:tav>
-                                        <p:tav tm="100000">
-                                          <p:val>
-                                            <p:strVal val="#ppt_x"/>
-                                          </p:val>
-                                        </p:tav>
-                                      </p:tavLst>
-                                    </p:anim>
-                                    <p:animEffect transition="in" filter="wipe(left)">
-                                      <p:cBhvr>
-                                        <p:cTn id="49" dur="500"/>
-                                        <p:tgtEl>
-                                          <p:spTgt spid="17"/>
-                                        </p:tgtEl>
-                                      </p:cBhvr>
-                                    </p:animEffect>
-                                  </p:childTnLst>
-                                </p:cTn>
-                              </p:par>
-                            </p:childTnLst>
-                          </p:cTn>
-                        </p:par>
-                        <p:par>
-                          <p:cTn id="50" fill="hold">
-                            <p:stCondLst>
-                              <p:cond delay="500"/>
-                            </p:stCondLst>
-                            <p:childTnLst>
-                              <p:par>
-                                <p:cTn id="51" presetID="16" presetClass="entr" presetSubtype="42" fill="hold" nodeType="afterEffect">
-                                  <p:stCondLst>
-                                    <p:cond delay="0"/>
-                                  </p:stCondLst>
-                                  <p:childTnLst>
-                                    <p:set>
-                                      <p:cBhvr>
-                                        <p:cTn id="52" dur="1" fill="hold">
-                                          <p:stCondLst>
-                                            <p:cond delay="0"/>
-                                          </p:stCondLst>
-                                        </p:cTn>
-                                        <p:tgtEl>
-                                          <p:spTgt spid="28"/>
-                                        </p:tgtEl>
-                                        <p:attrNameLst>
-                                          <p:attrName>style.visibility</p:attrName>
-                                        </p:attrNameLst>
-                                      </p:cBhvr>
-                                      <p:to>
-                                        <p:strVal val="visible"/>
-                                      </p:to>
-                                    </p:set>
-                                    <p:animEffect transition="in" filter="barn(outHorizontal)">
-                                      <p:cBhvr>
-                                        <p:cTn id="53" dur="500"/>
-                                        <p:tgtEl>
-                                          <p:spTgt spid="28"/>
-                                        </p:tgtEl>
-                                      </p:cBhvr>
-                                    </p:animEffect>
-                                  </p:childTnLst>
-                                </p:cTn>
-                              </p:par>
-                            </p:childTnLst>
-                          </p:cTn>
-                        </p:par>
-                        <p:par>
-                          <p:cTn id="54" fill="hold">
-                            <p:stCondLst>
-                              <p:cond delay="1000"/>
-                            </p:stCondLst>
-                            <p:childTnLst>
-                              <p:par>
-                                <p:cTn id="55" presetID="12" presetClass="entr" presetSubtype="2" fill="hold" grpId="0" nodeType="afterEffect">
-                                  <p:stCondLst>
-                                    <p:cond delay="0"/>
-                                  </p:stCondLst>
-                                  <p:childTnLst>
-                                    <p:set>
-                                      <p:cBhvr>
-                                        <p:cTn id="56" dur="1" fill="hold">
-                                          <p:stCondLst>
-                                            <p:cond delay="0"/>
-                                          </p:stCondLst>
-                                        </p:cTn>
-                                        <p:tgtEl>
-                                          <p:spTgt spid="23"/>
-                                        </p:tgtEl>
-                                        <p:attrNameLst>
-                                          <p:attrName>style.visibility</p:attrName>
-                                        </p:attrNameLst>
-                                      </p:cBhvr>
-                                      <p:to>
-                                        <p:strVal val="visible"/>
-                                      </p:to>
-                                    </p:set>
-                                    <p:anim calcmode="lin" valueType="num">
-                                      <p:cBhvr additive="base">
-                                        <p:cTn id="57" dur="500"/>
-                                        <p:tgtEl>
-                                          <p:spTgt spid="23"/>
-                                        </p:tgtEl>
-                                        <p:attrNameLst>
-                                          <p:attrName>ppt_x</p:attrName>
-                                        </p:attrNameLst>
-                                      </p:cBhvr>
-                                      <p:tavLst>
-                                        <p:tav tm="0">
-                                          <p:val>
-                                            <p:strVal val="#ppt_x+#ppt_w*1.125000"/>
-                                          </p:val>
-                                        </p:tav>
-                                        <p:tav tm="100000">
-                                          <p:val>
-                                            <p:strVal val="#ppt_x"/>
-                                          </p:val>
-                                        </p:tav>
-                                      </p:tavLst>
-                                    </p:anim>
-                                    <p:animEffect transition="in" filter="wipe(left)">
-                                      <p:cBhvr>
-                                        <p:cTn id="58" dur="500"/>
-                                        <p:tgtEl>
-                                          <p:spTgt spid="23"/>
-                                        </p:tgtEl>
-                                      </p:cBhvr>
-                                    </p:animEffect>
-                                  </p:childTnLst>
-                                </p:cTn>
-                              </p:par>
-                            </p:childTnLst>
-                          </p:cTn>
-                        </p:par>
-                      </p:childTnLst>
-                    </p:cTn>
-                  </p:par>
-                  <p:par>
-                    <p:cTn id="59" fill="hold">
-                      <p:stCondLst>
-                        <p:cond delay="indefinite"/>
-                      </p:stCondLst>
-                      <p:childTnLst>
-                        <p:par>
-                          <p:cTn id="60" fill="hold">
-                            <p:stCondLst>
-                              <p:cond delay="0"/>
-                            </p:stCondLst>
-                            <p:childTnLst>
-                              <p:par>
-                                <p:cTn id="61" presetID="12" presetClass="entr" presetSubtype="8" fill="hold" grpId="0" nodeType="clickEffect">
-                                  <p:stCondLst>
-                                    <p:cond delay="0"/>
-                                  </p:stCondLst>
-                                  <p:childTnLst>
-                                    <p:set>
-                                      <p:cBhvr>
-                                        <p:cTn id="62" dur="1" fill="hold">
-                                          <p:stCondLst>
-                                            <p:cond delay="0"/>
-                                          </p:stCondLst>
-                                        </p:cTn>
-                                        <p:tgtEl>
-                                          <p:spTgt spid="29"/>
-                                        </p:tgtEl>
-                                        <p:attrNameLst>
-                                          <p:attrName>style.visibility</p:attrName>
-                                        </p:attrNameLst>
-                                      </p:cBhvr>
-                                      <p:to>
-                                        <p:strVal val="visible"/>
-                                      </p:to>
-                                    </p:set>
-                                    <p:anim calcmode="lin" valueType="num">
-                                      <p:cBhvr additive="base">
-                                        <p:cTn id="63" dur="500"/>
-                                        <p:tgtEl>
-                                          <p:spTgt spid="29"/>
-                                        </p:tgtEl>
-                                        <p:attrNameLst>
-                                          <p:attrName>ppt_x</p:attrName>
-                                        </p:attrNameLst>
-                                      </p:cBhvr>
-                                      <p:tavLst>
-                                        <p:tav tm="0">
-                                          <p:val>
-                                            <p:strVal val="#ppt_x-#ppt_w*1.125000"/>
-                                          </p:val>
-                                        </p:tav>
-                                        <p:tav tm="100000">
-                                          <p:val>
-                                            <p:strVal val="#ppt_x"/>
-                                          </p:val>
-                                        </p:tav>
-                                      </p:tavLst>
-                                    </p:anim>
-                                    <p:animEffect transition="in" filter="wipe(right)">
-                                      <p:cBhvr>
-                                        <p:cTn id="64" dur="500"/>
-                                        <p:tgtEl>
-                                          <p:spTgt spid="29"/>
-                                        </p:tgtEl>
-                                      </p:cBhvr>
-                                    </p:animEffect>
-                                  </p:childTnLst>
-                                </p:cTn>
-                              </p:par>
-                            </p:childTnLst>
-                          </p:cTn>
-                        </p:par>
-                        <p:par>
-                          <p:cTn id="65" fill="hold">
-                            <p:stCondLst>
-                              <p:cond delay="500"/>
-                            </p:stCondLst>
-                            <p:childTnLst>
-                              <p:par>
-                                <p:cTn id="66" presetID="16" presetClass="entr" presetSubtype="42" fill="hold" nodeType="afterEffect">
-                                  <p:stCondLst>
-                                    <p:cond delay="0"/>
-                                  </p:stCondLst>
-                                  <p:childTnLst>
-                                    <p:set>
-                                      <p:cBhvr>
-                                        <p:cTn id="67" dur="1" fill="hold">
-                                          <p:stCondLst>
-                                            <p:cond delay="0"/>
-                                          </p:stCondLst>
-                                        </p:cTn>
-                                        <p:tgtEl>
-                                          <p:spTgt spid="56"/>
-                                        </p:tgtEl>
-                                        <p:attrNameLst>
-                                          <p:attrName>style.visibility</p:attrName>
-                                        </p:attrNameLst>
-                                      </p:cBhvr>
-                                      <p:to>
-                                        <p:strVal val="visible"/>
-                                      </p:to>
-                                    </p:set>
-                                    <p:animEffect transition="in" filter="barn(outHorizontal)">
-                                      <p:cBhvr>
-                                        <p:cTn id="68" dur="500"/>
-                                        <p:tgtEl>
-                                          <p:spTgt spid="56"/>
-                                        </p:tgtEl>
-                                      </p:cBhvr>
-                                    </p:animEffect>
-                                  </p:childTnLst>
-                                </p:cTn>
-                              </p:par>
-                            </p:childTnLst>
-                          </p:cTn>
-                        </p:par>
-                        <p:par>
-                          <p:cTn id="69" fill="hold">
-                            <p:stCondLst>
-                              <p:cond delay="1000"/>
-                            </p:stCondLst>
-                            <p:childTnLst>
-                              <p:par>
-                                <p:cTn id="70" presetID="12" presetClass="entr" presetSubtype="8" fill="hold" grpId="0" nodeType="afterEffect">
-                                  <p:stCondLst>
-                                    <p:cond delay="0"/>
-                                  </p:stCondLst>
-                                  <p:childTnLst>
-                                    <p:set>
-                                      <p:cBhvr>
-                                        <p:cTn id="71" dur="1" fill="hold">
-                                          <p:stCondLst>
-                                            <p:cond delay="0"/>
-                                          </p:stCondLst>
-                                        </p:cTn>
-                                        <p:tgtEl>
-                                          <p:spTgt spid="55"/>
-                                        </p:tgtEl>
-                                        <p:attrNameLst>
-                                          <p:attrName>style.visibility</p:attrName>
-                                        </p:attrNameLst>
-                                      </p:cBhvr>
-                                      <p:to>
-                                        <p:strVal val="visible"/>
-                                      </p:to>
-                                    </p:set>
-                                    <p:anim calcmode="lin" valueType="num">
-                                      <p:cBhvr additive="base">
-                                        <p:cTn id="72" dur="500"/>
-                                        <p:tgtEl>
-                                          <p:spTgt spid="55"/>
-                                        </p:tgtEl>
-                                        <p:attrNameLst>
-                                          <p:attrName>ppt_x</p:attrName>
-                                        </p:attrNameLst>
-                                      </p:cBhvr>
-                                      <p:tavLst>
-                                        <p:tav tm="0">
-                                          <p:val>
-                                            <p:strVal val="#ppt_x-#ppt_w*1.125000"/>
-                                          </p:val>
-                                        </p:tav>
-                                        <p:tav tm="100000">
-                                          <p:val>
-                                            <p:strVal val="#ppt_x"/>
-                                          </p:val>
-                                        </p:tav>
-                                      </p:tavLst>
-                                    </p:anim>
-                                    <p:animEffect transition="in" filter="wipe(right)">
-                                      <p:cBhvr>
-                                        <p:cTn id="73" dur="500"/>
-                                        <p:tgtEl>
-                                          <p:spTgt spid="55"/>
-                                        </p:tgtEl>
-                                      </p:cBhvr>
-                                    </p:animEffect>
-                                  </p:childTnLst>
-                                </p:cTn>
-                              </p:par>
-                            </p:childTnLst>
-                          </p:cTn>
-                        </p:par>
-                      </p:childTnLst>
-                    </p:cTn>
-                  </p:par>
-                  <p:par>
-                    <p:cTn id="74" fill="hold">
-                      <p:stCondLst>
-                        <p:cond delay="indefinite"/>
-                      </p:stCondLst>
-                      <p:childTnLst>
-                        <p:par>
-                          <p:cTn id="75" fill="hold">
-                            <p:stCondLst>
-                              <p:cond delay="0"/>
-                            </p:stCondLst>
-                            <p:childTnLst>
-                              <p:par>
-                                <p:cTn id="76" presetID="12" presetClass="entr" presetSubtype="8" fill="hold" grpId="0" nodeType="clickEffect">
-                                  <p:stCondLst>
-                                    <p:cond delay="0"/>
-                                  </p:stCondLst>
-                                  <p:childTnLst>
-                                    <p:set>
-                                      <p:cBhvr>
-                                        <p:cTn id="77" dur="1" fill="hold">
-                                          <p:stCondLst>
-                                            <p:cond delay="0"/>
-                                          </p:stCondLst>
-                                        </p:cTn>
-                                        <p:tgtEl>
-                                          <p:spTgt spid="36"/>
-                                        </p:tgtEl>
-                                        <p:attrNameLst>
-                                          <p:attrName>style.visibility</p:attrName>
-                                        </p:attrNameLst>
-                                      </p:cBhvr>
-                                      <p:to>
-                                        <p:strVal val="visible"/>
-                                      </p:to>
-                                    </p:set>
-                                    <p:anim calcmode="lin" valueType="num">
-                                      <p:cBhvr additive="base">
-                                        <p:cTn id="78" dur="500"/>
-                                        <p:tgtEl>
-                                          <p:spTgt spid="36"/>
-                                        </p:tgtEl>
-                                        <p:attrNameLst>
-                                          <p:attrName>ppt_x</p:attrName>
-                                        </p:attrNameLst>
-                                      </p:cBhvr>
-                                      <p:tavLst>
-                                        <p:tav tm="0">
-                                          <p:val>
-                                            <p:strVal val="#ppt_x-#ppt_w*1.125000"/>
-                                          </p:val>
-                                        </p:tav>
-                                        <p:tav tm="100000">
-                                          <p:val>
-                                            <p:strVal val="#ppt_x"/>
-                                          </p:val>
-                                        </p:tav>
-                                      </p:tavLst>
-                                    </p:anim>
-                                    <p:animEffect transition="in" filter="wipe(right)">
-                                      <p:cBhvr>
-                                        <p:cTn id="79" dur="500"/>
-                                        <p:tgtEl>
-                                          <p:spTgt spid="36"/>
-                                        </p:tgtEl>
-                                      </p:cBhvr>
-                                    </p:animEffect>
-                                  </p:childTnLst>
-                                </p:cTn>
-                              </p:par>
-                            </p:childTnLst>
-                          </p:cTn>
-                        </p:par>
-                        <p:par>
-                          <p:cTn id="80" fill="hold">
-                            <p:stCondLst>
-                              <p:cond delay="500"/>
-                            </p:stCondLst>
-                            <p:childTnLst>
-                              <p:par>
-                                <p:cTn id="81" presetID="16" presetClass="entr" presetSubtype="42" fill="hold" nodeType="afterEffect">
-                                  <p:stCondLst>
-                                    <p:cond delay="0"/>
-                                  </p:stCondLst>
-                                  <p:childTnLst>
-                                    <p:set>
-                                      <p:cBhvr>
-                                        <p:cTn id="82" dur="1" fill="hold">
-                                          <p:stCondLst>
-                                            <p:cond delay="0"/>
-                                          </p:stCondLst>
-                                        </p:cTn>
-                                        <p:tgtEl>
-                                          <p:spTgt spid="38"/>
-                                        </p:tgtEl>
-                                        <p:attrNameLst>
-                                          <p:attrName>style.visibility</p:attrName>
-                                        </p:attrNameLst>
-                                      </p:cBhvr>
-                                      <p:to>
-                                        <p:strVal val="visible"/>
-                                      </p:to>
-                                    </p:set>
-                                    <p:animEffect transition="in" filter="barn(outHorizontal)">
-                                      <p:cBhvr>
-                                        <p:cTn id="83" dur="500"/>
-                                        <p:tgtEl>
-                                          <p:spTgt spid="38"/>
-                                        </p:tgtEl>
-                                      </p:cBhvr>
-                                    </p:animEffect>
-                                  </p:childTnLst>
-                                </p:cTn>
-                              </p:par>
-                            </p:childTnLst>
-                          </p:cTn>
-                        </p:par>
-                        <p:par>
-                          <p:cTn id="84" fill="hold">
-                            <p:stCondLst>
-                              <p:cond delay="1000"/>
-                            </p:stCondLst>
-                            <p:childTnLst>
-                              <p:par>
-                                <p:cTn id="85" presetID="12" presetClass="entr" presetSubtype="8" fill="hold" grpId="0" nodeType="afterEffect">
-                                  <p:stCondLst>
-                                    <p:cond delay="0"/>
-                                  </p:stCondLst>
-                                  <p:childTnLst>
-                                    <p:set>
-                                      <p:cBhvr>
-                                        <p:cTn id="86" dur="1" fill="hold">
-                                          <p:stCondLst>
-                                            <p:cond delay="0"/>
-                                          </p:stCondLst>
-                                        </p:cTn>
-                                        <p:tgtEl>
-                                          <p:spTgt spid="37"/>
-                                        </p:tgtEl>
-                                        <p:attrNameLst>
-                                          <p:attrName>style.visibility</p:attrName>
-                                        </p:attrNameLst>
-                                      </p:cBhvr>
-                                      <p:to>
-                                        <p:strVal val="visible"/>
-                                      </p:to>
-                                    </p:set>
-                                    <p:anim calcmode="lin" valueType="num">
-                                      <p:cBhvr additive="base">
-                                        <p:cTn id="87" dur="500"/>
-                                        <p:tgtEl>
-                                          <p:spTgt spid="37"/>
-                                        </p:tgtEl>
-                                        <p:attrNameLst>
-                                          <p:attrName>ppt_x</p:attrName>
-                                        </p:attrNameLst>
-                                      </p:cBhvr>
-                                      <p:tavLst>
-                                        <p:tav tm="0">
-                                          <p:val>
-                                            <p:strVal val="#ppt_x-#ppt_w*1.125000"/>
-                                          </p:val>
-                                        </p:tav>
-                                        <p:tav tm="100000">
-                                          <p:val>
-                                            <p:strVal val="#ppt_x"/>
-                                          </p:val>
-                                        </p:tav>
-                                      </p:tavLst>
-                                    </p:anim>
-                                    <p:animEffect transition="in" filter="wipe(right)">
-                                      <p:cBhvr>
-                                        <p:cTn id="88" dur="500"/>
-                                        <p:tgtEl>
-                                          <p:spTgt spid="37"/>
-                                        </p:tgtEl>
-                                      </p:cBhvr>
-                                    </p:animEffect>
-                                  </p:childTnLst>
-                                </p:cTn>
-                              </p:par>
-                            </p:childTnLst>
-                          </p:cTn>
-                        </p:par>
-                      </p:childTnLst>
-                    </p:cTn>
-                  </p:par>
-                  <p:par>
-                    <p:cTn id="89" fill="hold">
-                      <p:stCondLst>
-                        <p:cond delay="indefinite"/>
-                      </p:stCondLst>
-                      <p:childTnLst>
-                        <p:par>
-                          <p:cTn id="90" fill="hold">
-                            <p:stCondLst>
-                              <p:cond delay="0"/>
-                            </p:stCondLst>
-                            <p:childTnLst>
-                              <p:par>
-                                <p:cTn id="91" presetID="12" presetClass="entr" presetSubtype="8" fill="hold" grpId="0" nodeType="clickEffect">
-                                  <p:stCondLst>
-                                    <p:cond delay="0"/>
-                                  </p:stCondLst>
-                                  <p:childTnLst>
-                                    <p:set>
-                                      <p:cBhvr>
-                                        <p:cTn id="92" dur="1" fill="hold">
-                                          <p:stCondLst>
-                                            <p:cond delay="0"/>
-                                          </p:stCondLst>
-                                        </p:cTn>
-                                        <p:tgtEl>
-                                          <p:spTgt spid="51"/>
-                                        </p:tgtEl>
-                                        <p:attrNameLst>
-                                          <p:attrName>style.visibility</p:attrName>
-                                        </p:attrNameLst>
-                                      </p:cBhvr>
-                                      <p:to>
-                                        <p:strVal val="visible"/>
-                                      </p:to>
-                                    </p:set>
-                                    <p:anim calcmode="lin" valueType="num">
-                                      <p:cBhvr additive="base">
-                                        <p:cTn id="93" dur="500"/>
-                                        <p:tgtEl>
-                                          <p:spTgt spid="51"/>
-                                        </p:tgtEl>
-                                        <p:attrNameLst>
-                                          <p:attrName>ppt_x</p:attrName>
-                                        </p:attrNameLst>
-                                      </p:cBhvr>
-                                      <p:tavLst>
-                                        <p:tav tm="0">
-                                          <p:val>
-                                            <p:strVal val="#ppt_x-#ppt_w*1.125000"/>
-                                          </p:val>
-                                        </p:tav>
-                                        <p:tav tm="100000">
-                                          <p:val>
-                                            <p:strVal val="#ppt_x"/>
-                                          </p:val>
-                                        </p:tav>
-                                      </p:tavLst>
-                                    </p:anim>
-                                    <p:animEffect transition="in" filter="wipe(right)">
-                                      <p:cBhvr>
-                                        <p:cTn id="94" dur="500"/>
-                                        <p:tgtEl>
-                                          <p:spTgt spid="51"/>
-                                        </p:tgtEl>
-                                      </p:cBhvr>
-                                    </p:animEffect>
-                                  </p:childTnLst>
-                                </p:cTn>
-                              </p:par>
-                            </p:childTnLst>
-                          </p:cTn>
-                        </p:par>
-                        <p:par>
-                          <p:cTn id="95" fill="hold">
-                            <p:stCondLst>
-                              <p:cond delay="500"/>
-                            </p:stCondLst>
-                            <p:childTnLst>
-                              <p:par>
-                                <p:cTn id="96" presetID="16" presetClass="entr" presetSubtype="42" fill="hold" nodeType="afterEffect">
-                                  <p:stCondLst>
-                                    <p:cond delay="0"/>
-                                  </p:stCondLst>
-                                  <p:childTnLst>
-                                    <p:set>
-                                      <p:cBhvr>
-                                        <p:cTn id="97" dur="1" fill="hold">
-                                          <p:stCondLst>
-                                            <p:cond delay="0"/>
-                                          </p:stCondLst>
-                                        </p:cTn>
-                                        <p:tgtEl>
-                                          <p:spTgt spid="53"/>
-                                        </p:tgtEl>
-                                        <p:attrNameLst>
-                                          <p:attrName>style.visibility</p:attrName>
-                                        </p:attrNameLst>
-                                      </p:cBhvr>
-                                      <p:to>
-                                        <p:strVal val="visible"/>
-                                      </p:to>
-                                    </p:set>
-                                    <p:animEffect transition="in" filter="barn(outHorizontal)">
-                                      <p:cBhvr>
-                                        <p:cTn id="98" dur="500"/>
-                                        <p:tgtEl>
-                                          <p:spTgt spid="53"/>
-                                        </p:tgtEl>
-                                      </p:cBhvr>
-                                    </p:animEffect>
-                                  </p:childTnLst>
-                                </p:cTn>
-                              </p:par>
-                            </p:childTnLst>
-                          </p:cTn>
-                        </p:par>
-                        <p:par>
-                          <p:cTn id="99" fill="hold">
-                            <p:stCondLst>
-                              <p:cond delay="1000"/>
-                            </p:stCondLst>
-                            <p:childTnLst>
-                              <p:par>
-                                <p:cTn id="100" presetID="12" presetClass="entr" presetSubtype="8" fill="hold" grpId="0" nodeType="afterEffect">
-                                  <p:stCondLst>
-                                    <p:cond delay="0"/>
-                                  </p:stCondLst>
-                                  <p:childTnLst>
-                                    <p:set>
-                                      <p:cBhvr>
-                                        <p:cTn id="101" dur="1" fill="hold">
-                                          <p:stCondLst>
-                                            <p:cond delay="0"/>
-                                          </p:stCondLst>
-                                        </p:cTn>
-                                        <p:tgtEl>
-                                          <p:spTgt spid="52"/>
-                                        </p:tgtEl>
-                                        <p:attrNameLst>
-                                          <p:attrName>style.visibility</p:attrName>
-                                        </p:attrNameLst>
-                                      </p:cBhvr>
-                                      <p:to>
-                                        <p:strVal val="visible"/>
-                                      </p:to>
-                                    </p:set>
-                                    <p:anim calcmode="lin" valueType="num">
-                                      <p:cBhvr additive="base">
-                                        <p:cTn id="102" dur="500"/>
-                                        <p:tgtEl>
-                                          <p:spTgt spid="52"/>
-                                        </p:tgtEl>
-                                        <p:attrNameLst>
-                                          <p:attrName>ppt_x</p:attrName>
-                                        </p:attrNameLst>
-                                      </p:cBhvr>
-                                      <p:tavLst>
-                                        <p:tav tm="0">
-                                          <p:val>
-                                            <p:strVal val="#ppt_x-#ppt_w*1.125000"/>
-                                          </p:val>
-                                        </p:tav>
-                                        <p:tav tm="100000">
-                                          <p:val>
-                                            <p:strVal val="#ppt_x"/>
-                                          </p:val>
-                                        </p:tav>
-                                      </p:tavLst>
-                                    </p:anim>
-                                    <p:animEffect transition="in" filter="wipe(right)">
-                                      <p:cBhvr>
-                                        <p:cTn id="103" dur="500"/>
-                                        <p:tgtEl>
-                                          <p:spTgt spid="52"/>
-                                        </p:tgtEl>
-                                      </p:cBhvr>
-                                    </p:animEffect>
-                                  </p:childTnLst>
-                                </p:cTn>
-                              </p:par>
-                            </p:childTnLst>
-                          </p:cTn>
-                        </p:par>
-                      </p:childTnLst>
-                    </p:cTn>
-                  </p:par>
-                  <p:par>
-                    <p:cTn id="104" fill="hold">
-                      <p:stCondLst>
-                        <p:cond delay="indefinite"/>
-                      </p:stCondLst>
-                      <p:childTnLst>
-                        <p:par>
-                          <p:cTn id="105" fill="hold">
-                            <p:stCondLst>
-                              <p:cond delay="0"/>
-                            </p:stCondLst>
-                            <p:childTnLst>
-                              <p:par>
-                                <p:cTn id="106" presetID="12" presetClass="entr" presetSubtype="8" fill="hold" grpId="0" nodeType="clickEffect">
-                                  <p:stCondLst>
-                                    <p:cond delay="0"/>
-                                  </p:stCondLst>
-                                  <p:childTnLst>
-                                    <p:set>
-                                      <p:cBhvr>
-                                        <p:cTn id="107" dur="1" fill="hold">
-                                          <p:stCondLst>
-                                            <p:cond delay="0"/>
-                                          </p:stCondLst>
-                                        </p:cTn>
-                                        <p:tgtEl>
-                                          <p:spTgt spid="44"/>
-                                        </p:tgtEl>
-                                        <p:attrNameLst>
-                                          <p:attrName>style.visibility</p:attrName>
-                                        </p:attrNameLst>
-                                      </p:cBhvr>
-                                      <p:to>
-                                        <p:strVal val="visible"/>
-                                      </p:to>
-                                    </p:set>
-                                    <p:anim calcmode="lin" valueType="num">
-                                      <p:cBhvr additive="base">
-                                        <p:cTn id="108" dur="500"/>
-                                        <p:tgtEl>
-                                          <p:spTgt spid="44"/>
-                                        </p:tgtEl>
-                                        <p:attrNameLst>
-                                          <p:attrName>ppt_x</p:attrName>
-                                        </p:attrNameLst>
-                                      </p:cBhvr>
-                                      <p:tavLst>
-                                        <p:tav tm="0">
-                                          <p:val>
-                                            <p:strVal val="#ppt_x-#ppt_w*1.125000"/>
-                                          </p:val>
-                                        </p:tav>
-                                        <p:tav tm="100000">
-                                          <p:val>
-                                            <p:strVal val="#ppt_x"/>
-                                          </p:val>
-                                        </p:tav>
-                                      </p:tavLst>
-                                    </p:anim>
-                                    <p:animEffect transition="in" filter="wipe(right)">
-                                      <p:cBhvr>
-                                        <p:cTn id="109" dur="500"/>
-                                        <p:tgtEl>
-                                          <p:spTgt spid="44"/>
-                                        </p:tgtEl>
-                                      </p:cBhvr>
-                                    </p:animEffect>
-                                  </p:childTnLst>
-                                </p:cTn>
-                              </p:par>
-                            </p:childTnLst>
-                          </p:cTn>
-                        </p:par>
-                        <p:par>
-                          <p:cTn id="110" fill="hold">
-                            <p:stCondLst>
-                              <p:cond delay="500"/>
-                            </p:stCondLst>
-                            <p:childTnLst>
-                              <p:par>
-                                <p:cTn id="111" presetID="16" presetClass="entr" presetSubtype="42" fill="hold" nodeType="afterEffect">
-                                  <p:stCondLst>
-                                    <p:cond delay="0"/>
-                                  </p:stCondLst>
-                                  <p:childTnLst>
-                                    <p:set>
-                                      <p:cBhvr>
-                                        <p:cTn id="112" dur="1" fill="hold">
-                                          <p:stCondLst>
-                                            <p:cond delay="0"/>
-                                          </p:stCondLst>
-                                        </p:cTn>
-                                        <p:tgtEl>
-                                          <p:spTgt spid="31"/>
-                                        </p:tgtEl>
-                                        <p:attrNameLst>
-                                          <p:attrName>style.visibility</p:attrName>
-                                        </p:attrNameLst>
-                                      </p:cBhvr>
-                                      <p:to>
-                                        <p:strVal val="visible"/>
-                                      </p:to>
-                                    </p:set>
-                                    <p:animEffect transition="in" filter="barn(outHorizontal)">
-                                      <p:cBhvr>
-                                        <p:cTn id="113" dur="500"/>
-                                        <p:tgtEl>
-                                          <p:spTgt spid="31"/>
-                                        </p:tgtEl>
-                                      </p:cBhvr>
-                                    </p:animEffect>
-                                  </p:childTnLst>
-                                </p:cTn>
-                              </p:par>
-                            </p:childTnLst>
-                          </p:cTn>
-                        </p:par>
-                        <p:par>
-                          <p:cTn id="114" fill="hold">
-                            <p:stCondLst>
-                              <p:cond delay="1000"/>
-                            </p:stCondLst>
-                            <p:childTnLst>
-                              <p:par>
-                                <p:cTn id="115" presetID="12" presetClass="entr" presetSubtype="8" fill="hold" grpId="0" nodeType="afterEffect">
-                                  <p:stCondLst>
-                                    <p:cond delay="0"/>
-                                  </p:stCondLst>
-                                  <p:childTnLst>
-                                    <p:set>
-                                      <p:cBhvr>
-                                        <p:cTn id="116" dur="1" fill="hold">
-                                          <p:stCondLst>
-                                            <p:cond delay="0"/>
-                                          </p:stCondLst>
-                                        </p:cTn>
-                                        <p:tgtEl>
-                                          <p:spTgt spid="30"/>
-                                        </p:tgtEl>
-                                        <p:attrNameLst>
-                                          <p:attrName>style.visibility</p:attrName>
-                                        </p:attrNameLst>
-                                      </p:cBhvr>
-                                      <p:to>
-                                        <p:strVal val="visible"/>
-                                      </p:to>
-                                    </p:set>
-                                    <p:anim calcmode="lin" valueType="num">
-                                      <p:cBhvr additive="base">
-                                        <p:cTn id="117" dur="500"/>
-                                        <p:tgtEl>
-                                          <p:spTgt spid="30"/>
-                                        </p:tgtEl>
-                                        <p:attrNameLst>
-                                          <p:attrName>ppt_x</p:attrName>
-                                        </p:attrNameLst>
-                                      </p:cBhvr>
-                                      <p:tavLst>
-                                        <p:tav tm="0">
-                                          <p:val>
-                                            <p:strVal val="#ppt_x-#ppt_w*1.125000"/>
-                                          </p:val>
-                                        </p:tav>
-                                        <p:tav tm="100000">
-                                          <p:val>
-                                            <p:strVal val="#ppt_x"/>
-                                          </p:val>
-                                        </p:tav>
-                                      </p:tavLst>
-                                    </p:anim>
-                                    <p:animEffect transition="in" filter="wipe(right)">
-                                      <p:cBhvr>
-                                        <p:cTn id="118" dur="500"/>
-                                        <p:tgtEl>
-                                          <p:spTgt spid="30"/>
-                                        </p:tgtEl>
-                                      </p:cBhvr>
-                                    </p:animEffect>
-                                  </p:childTnLst>
-                                </p:cTn>
-                              </p:par>
-                            </p:childTnLst>
-                          </p:cTn>
-                        </p:par>
-                      </p:childTnLst>
-                    </p:cTn>
-                  </p:par>
-                </p:childTnLst>
-              </p:cTn>
-              <p:prevCondLst>
-                <p:cond evt="onPrev" delay="0">
-                  <p:tgtEl>
-                    <p:sldTgt/>
-                  </p:tgtEl>
-                </p:cond>
-              </p:prevCondLst>
-              <p:nextCondLst>
-                <p:cond evt="onNext" delay="0">
-                  <p:tgtEl>
-                    <p:sldTgt/>
-                  </p:tgtEl>
-                </p:cond>
-              </p:nextCondLst>
-            </p:seq>
-          </p:childTnLst>
-        </p:cTn>
-      </p:par>
-    </p:tnLst>
-    <p:bldLst>
-      <p:bldP spid="15" grpId="0"/>
-      <p:bldP spid="6" grpId="0" animBg="1"/>
-      <p:bldP spid="17" grpId="0" animBg="1"/>
-      <p:bldP spid="7" grpId="0" animBg="1"/>
-      <p:bldP spid="18" grpId="0" animBg="1"/>
-      <p:bldP spid="22" grpId="0" animBg="1"/>
-      <p:bldP spid="23" grpId="0" animBg="1"/>
-      <p:bldP spid="29" grpId="0" animBg="1"/>
-      <p:bldP spid="30" grpId="0" animBg="1"/>
-      <p:bldP spid="36" grpId="0" animBg="1"/>
-      <p:bldP spid="37" grpId="0" animBg="1"/>
-      <p:bldP spid="44" grpId="0" animBg="1"/>
-      <p:bldP spid="51" grpId="0" animBg="1"/>
-      <p:bldP spid="52" grpId="0" animBg="1"/>
-      <p:bldP spid="55" grpId="0" animBg="1"/>
-    </p:bldLst>
-  </p:timing>
-</p:sld>
-</file>
-
-<file path=ppt/slides/slide13.xml><?xml version="1.0" encoding="utf-8"?>
 <p:sld xmlns:a="http://schemas.openxmlformats.org/drawingml/2006/main" xmlns:r="http://schemas.openxmlformats.org/officeDocument/2006/relationships" xmlns:p="http://schemas.openxmlformats.org/presentationml/2006/main">
   <p:cSld>
     <p:spTree>
@@ -11368,7 +8273,7 @@
           <a:p>
             <a:fld id="{3B752B58-3109-4027-88D6-99A922F5B5D4}" type="slidenum">
               <a:rPr lang="en-GB" smtClean="0"/>
-              <a:t>13</a:t>
+              <a:t>12</a:t>
             </a:fld>
             <a:endParaRPr lang="en-GB"/>
           </a:p>
@@ -11882,7 +8787,7 @@
         </p:nvGrpSpPr>
         <p:grpSpPr>
           <a:xfrm>
-            <a:off x="1600726" y="1908005"/>
+            <a:off x="1600726" y="1625422"/>
             <a:ext cx="8961980" cy="584775"/>
             <a:chOff x="1295925" y="1630392"/>
             <a:chExt cx="8961980" cy="584775"/>
@@ -11976,7 +8881,7 @@
                   <a:latin typeface="Nunito" panose="00000500000000000000" pitchFamily="2" charset="0"/>
                   <a:ea typeface="Roboto" panose="02000000000000000000" pitchFamily="2" charset="0"/>
                 </a:rPr>
-                <a:t>Introduction about application</a:t>
+                <a:t>Problem definition</a:t>
               </a:r>
             </a:p>
           </p:txBody>
@@ -11990,7 +8895,7 @@
         </p:nvGrpSpPr>
         <p:grpSpPr>
           <a:xfrm>
-            <a:off x="1607657" y="3568447"/>
+            <a:off x="1600726" y="4271319"/>
             <a:ext cx="5648338" cy="584775"/>
             <a:chOff x="1295926" y="1630392"/>
             <a:chExt cx="5648338" cy="584775"/>
@@ -12045,7 +8950,7 @@
                   <a:latin typeface="Roboto" panose="02000000000000000000" pitchFamily="2" charset="0"/>
                   <a:ea typeface="Roboto" panose="02000000000000000000" pitchFamily="2" charset="0"/>
                 </a:rPr>
-                <a:t>3</a:t>
+                <a:t>4</a:t>
               </a:r>
             </a:p>
           </p:txBody>
@@ -12091,7 +8996,7 @@
         </p:nvGrpSpPr>
         <p:grpSpPr>
           <a:xfrm>
-            <a:off x="1605931" y="4474689"/>
+            <a:off x="1600726" y="5085196"/>
             <a:ext cx="5648338" cy="584775"/>
             <a:chOff x="1295926" y="1630392"/>
             <a:chExt cx="5648338" cy="584775"/>
@@ -12144,7 +9049,7 @@
                   <a:latin typeface="Roboto" panose="02000000000000000000" pitchFamily="2" charset="0"/>
                   <a:ea typeface="Roboto" panose="02000000000000000000" pitchFamily="2" charset="0"/>
                 </a:rPr>
-                <a:t>4</a:t>
+                <a:t>5</a:t>
               </a:r>
             </a:p>
           </p:txBody>
@@ -12300,7 +9205,7 @@
         </p:nvGrpSpPr>
         <p:grpSpPr>
           <a:xfrm>
-            <a:off x="1607657" y="2704847"/>
+            <a:off x="1600726" y="3384571"/>
             <a:ext cx="5648338" cy="584775"/>
             <a:chOff x="1295926" y="1630392"/>
             <a:chExt cx="5648338" cy="584775"/>
@@ -12309,6 +9214,121 @@
         <p:sp>
           <p:nvSpPr>
             <p:cNvPr id="14" name="Rectangle 30"/>
+            <p:cNvSpPr/>
+            <p:nvPr/>
+          </p:nvSpPr>
+          <p:spPr>
+            <a:xfrm>
+              <a:off x="1295926" y="1630392"/>
+              <a:ext cx="584775" cy="584775"/>
+            </a:xfrm>
+            <a:prstGeom prst="rect">
+              <a:avLst/>
+            </a:prstGeom>
+            <a:solidFill>
+              <a:srgbClr val="00B050"/>
+            </a:solidFill>
+            <a:ln>
+              <a:noFill/>
+            </a:ln>
+          </p:spPr>
+          <p:style>
+            <a:lnRef idx="2">
+              <a:schemeClr val="accent1">
+                <a:shade val="50000"/>
+              </a:schemeClr>
+            </a:lnRef>
+            <a:fillRef idx="1">
+              <a:schemeClr val="accent1"/>
+            </a:fillRef>
+            <a:effectRef idx="0">
+              <a:schemeClr val="accent1"/>
+            </a:effectRef>
+            <a:fontRef idx="minor">
+              <a:schemeClr val="lt1"/>
+            </a:fontRef>
+          </p:style>
+          <p:txBody>
+            <a:bodyPr rtlCol="0" anchor="ctr"/>
+            <a:lstStyle/>
+            <a:p>
+              <a:pPr algn="ctr"/>
+              <a:r>
+                <a:rPr lang="en-GB" sz="2800" dirty="0">
+                  <a:latin typeface="Roboto" panose="02000000000000000000" pitchFamily="2" charset="0"/>
+                  <a:ea typeface="Roboto" panose="02000000000000000000" pitchFamily="2" charset="0"/>
+                </a:rPr>
+                <a:t>3</a:t>
+              </a:r>
+              <a:endParaRPr lang="en-GB" dirty="0">
+                <a:latin typeface="Roboto" panose="02000000000000000000" pitchFamily="2" charset="0"/>
+                <a:ea typeface="Roboto" panose="02000000000000000000" pitchFamily="2" charset="0"/>
+              </a:endParaRPr>
+            </a:p>
+          </p:txBody>
+        </p:sp>
+        <p:sp>
+          <p:nvSpPr>
+            <p:cNvPr id="15" name="TextBox 31"/>
+            <p:cNvSpPr txBox="1"/>
+            <p:nvPr/>
+          </p:nvSpPr>
+          <p:spPr>
+            <a:xfrm>
+              <a:off x="2147977" y="1707335"/>
+              <a:ext cx="4796287" cy="429895"/>
+            </a:xfrm>
+            <a:prstGeom prst="rect">
+              <a:avLst/>
+            </a:prstGeom>
+            <a:noFill/>
+          </p:spPr>
+          <p:txBody>
+            <a:bodyPr wrap="square" rtlCol="0">
+              <a:spAutoFit/>
+            </a:bodyPr>
+            <a:lstStyle/>
+            <a:p>
+              <a:r>
+                <a:rPr lang="en-US" altLang="en-GB" sz="2200" dirty="0">
+                  <a:latin typeface="Nunito" panose="00000500000000000000" pitchFamily="2" charset="0"/>
+                  <a:ea typeface="Roboto" panose="02000000000000000000" pitchFamily="2" charset="0"/>
+                </a:rPr>
+                <a:t>Sitemap</a:t>
+              </a:r>
+            </a:p>
+          </p:txBody>
+        </p:sp>
+      </p:grpSp>
+      <p:grpSp>
+        <p:nvGrpSpPr>
+          <p:cNvPr id="23" name="Group 22">
+            <a:extLst>
+              <a:ext uri="{FF2B5EF4-FFF2-40B4-BE49-F238E27FC236}">
+                <a16:creationId xmlns:a16="http://schemas.microsoft.com/office/drawing/2014/main" id="{5580CB83-26E4-46F4-860B-D6D3315DF578}"/>
+              </a:ext>
+            </a:extLst>
+          </p:cNvPr>
+          <p:cNvGrpSpPr/>
+          <p:nvPr/>
+        </p:nvGrpSpPr>
+        <p:grpSpPr>
+          <a:xfrm>
+            <a:off x="1600726" y="2498817"/>
+            <a:ext cx="5648338" cy="584775"/>
+            <a:chOff x="1295926" y="1630392"/>
+            <a:chExt cx="5648338" cy="584775"/>
+          </a:xfrm>
+        </p:grpSpPr>
+        <p:sp>
+          <p:nvSpPr>
+            <p:cNvPr id="25" name="Rectangle 30">
+              <a:extLst>
+                <a:ext uri="{FF2B5EF4-FFF2-40B4-BE49-F238E27FC236}">
+                  <a16:creationId xmlns:a16="http://schemas.microsoft.com/office/drawing/2014/main" id="{9DCD5E35-F6DF-4B2D-8093-92B6EF43BC57}"/>
+                </a:ext>
+              </a:extLst>
+            </p:cNvPr>
             <p:cNvSpPr/>
             <p:nvPr/>
           </p:nvSpPr>
@@ -12364,7 +9384,13 @@
         </p:sp>
         <p:sp>
           <p:nvSpPr>
-            <p:cNvPr id="15" name="TextBox 31"/>
+            <p:cNvPr id="26" name="TextBox 31">
+              <a:extLst>
+                <a:ext uri="{FF2B5EF4-FFF2-40B4-BE49-F238E27FC236}">
+                  <a16:creationId xmlns:a16="http://schemas.microsoft.com/office/drawing/2014/main" id="{F04243AA-2C07-4D6E-8594-C135919BA1E9}"/>
+                </a:ext>
+              </a:extLst>
+            </p:cNvPr>
             <p:cNvSpPr txBox="1"/>
             <p:nvPr/>
           </p:nvSpPr>
@@ -12389,7 +9415,7 @@
                   <a:latin typeface="Nunito" panose="00000500000000000000" pitchFamily="2" charset="0"/>
                   <a:ea typeface="Roboto" panose="02000000000000000000" pitchFamily="2" charset="0"/>
                 </a:rPr>
-                <a:t>Sitemap</a:t>
+                <a:t>Actor</a:t>
               </a:r>
             </a:p>
           </p:txBody>
@@ -12647,7 +9673,7 @@
                                           </p:stCondLst>
                                         </p:cTn>
                                         <p:tgtEl>
-                                          <p:spTgt spid="10"/>
+                                          <p:spTgt spid="23"/>
                                         </p:tgtEl>
                                         <p:attrNameLst>
                                           <p:attrName>style.visibility</p:attrName>
@@ -12661,7 +9687,7 @@
                                       <p:cBhvr additive="base">
                                         <p:cTn id="23" dur="500"/>
                                         <p:tgtEl>
-                                          <p:spTgt spid="10"/>
+                                          <p:spTgt spid="23"/>
                                         </p:tgtEl>
                                         <p:attrNameLst>
                                           <p:attrName>ppt_x</p:attrName>
@@ -12684,7 +9710,7 @@
                                       <p:cBhvr>
                                         <p:cTn id="24" dur="500"/>
                                         <p:tgtEl>
-                                          <p:spTgt spid="10"/>
+                                          <p:spTgt spid="23"/>
                                         </p:tgtEl>
                                       </p:cBhvr>
                                     </p:animEffect>
@@ -12723,7 +9749,7 @@
                                           </p:stCondLst>
                                         </p:cTn>
                                         <p:tgtEl>
-                                          <p:spTgt spid="30"/>
+                                          <p:spTgt spid="10"/>
                                         </p:tgtEl>
                                         <p:attrNameLst>
                                           <p:attrName>style.visibility</p:attrName>
@@ -12737,7 +9763,7 @@
                                       <p:cBhvr additive="base">
                                         <p:cTn id="29" dur="500"/>
                                         <p:tgtEl>
-                                          <p:spTgt spid="30"/>
+                                          <p:spTgt spid="10"/>
                                         </p:tgtEl>
                                         <p:attrNameLst>
                                           <p:attrName>ppt_x</p:attrName>
@@ -12760,7 +9786,7 @@
                                       <p:cBhvr>
                                         <p:cTn id="30" dur="500"/>
                                         <p:tgtEl>
-                                          <p:spTgt spid="30"/>
+                                          <p:spTgt spid="10"/>
                                         </p:tgtEl>
                                       </p:cBhvr>
                                     </p:animEffect>
@@ -12799,6 +9825,82 @@
                                           </p:stCondLst>
                                         </p:cTn>
                                         <p:tgtEl>
+                                          <p:spTgt spid="30"/>
+                                        </p:tgtEl>
+                                        <p:attrNameLst>
+                                          <p:attrName>style.visibility</p:attrName>
+                                        </p:attrNameLst>
+                                      </p:cBhvr>
+                                      <p:to>
+                                        <p:strVal val="visible"/>
+                                      </p:to>
+                                    </p:set>
+                                    <p:anim calcmode="lin" valueType="num">
+                                      <p:cBhvr additive="base">
+                                        <p:cTn id="35" dur="500"/>
+                                        <p:tgtEl>
+                                          <p:spTgt spid="30"/>
+                                        </p:tgtEl>
+                                        <p:attrNameLst>
+                                          <p:attrName>ppt_x</p:attrName>
+                                        </p:attrNameLst>
+                                      </p:cBhvr>
+                                      <p:tavLst>
+                                        <p:tav tm="0">
+                                          <p:val>
+                                            <p:strVal val="#ppt_x-#ppt_w*1.125000"/>
+                                          </p:val>
+                                        </p:tav>
+                                        <p:tav tm="100000">
+                                          <p:val>
+                                            <p:strVal val="#ppt_x"/>
+                                          </p:val>
+                                        </p:tav>
+                                      </p:tavLst>
+                                    </p:anim>
+                                    <p:animEffect transition="in" filter="wipe(right)">
+                                      <p:cBhvr>
+                                        <p:cTn id="36" dur="500"/>
+                                        <p:tgtEl>
+                                          <p:spTgt spid="30"/>
+                                        </p:tgtEl>
+                                      </p:cBhvr>
+                                    </p:animEffect>
+                                  </p:childTnLst>
+                                </p:cTn>
+                              </p:par>
+                            </p:childTnLst>
+                          </p:cTn>
+                        </p:par>
+                      </p:childTnLst>
+                    </p:cTn>
+                  </p:par>
+                  <p:par>
+                    <p:cTn id="37" fill="hold">
+                      <p:stCondLst>
+                        <p:cond delay="indefinite"/>
+                      </p:stCondLst>
+                      <p:childTnLst>
+                        <p:par>
+                          <p:cTn id="38" fill="hold">
+                            <p:stCondLst>
+                              <p:cond delay="0"/>
+                            </p:stCondLst>
+                            <p:childTnLst>
+                              <p:par>
+                                <p:cTn id="39" presetID="12" presetClass="entr" presetSubtype="8" fill="hold" nodeType="clickEffect">
+                                  <p:stCondLst>
+                                    <p:cond delay="0"/>
+                                  </p:stCondLst>
+                                  <p:childTnLst>
+                                    <p:set>
+                                      <p:cBhvr>
+                                        <p:cTn id="40" dur="1" fill="hold">
+                                          <p:stCondLst>
+                                            <p:cond delay="0"/>
+                                          </p:stCondLst>
+                                        </p:cTn>
+                                        <p:tgtEl>
                                           <p:spTgt spid="33"/>
                                         </p:tgtEl>
                                         <p:attrNameLst>
@@ -12811,7 +9913,7 @@
                                     </p:set>
                                     <p:anim calcmode="lin" valueType="num">
                                       <p:cBhvr additive="base">
-                                        <p:cTn id="35" dur="500"/>
+                                        <p:cTn id="41" dur="500"/>
                                         <p:tgtEl>
                                           <p:spTgt spid="33"/>
                                         </p:tgtEl>
@@ -12834,7 +9936,7 @@
                                     </p:anim>
                                     <p:animEffect transition="in" filter="wipe(right)">
                                       <p:cBhvr>
-                                        <p:cTn id="36" dur="500"/>
+                                        <p:cTn id="42" dur="500"/>
                                         <p:tgtEl>
                                           <p:spTgt spid="33"/>
                                         </p:tgtEl>
@@ -12918,10 +10020,15 @@
           <a:p>
             <a:r>
               <a:rPr lang="en-GB" sz="3200" dirty="0">
-                <a:latin typeface="Roboto" panose="02000000000000000000" pitchFamily="2" charset="0"/>
+                <a:solidFill>
+                  <a:schemeClr val="bg2">
+                    <a:lumMod val="25000"/>
+                  </a:schemeClr>
+                </a:solidFill>
+                <a:latin typeface="Nunito" panose="00000500000000000000" pitchFamily="2" charset="0"/>
                 <a:ea typeface="Roboto" panose="02000000000000000000" pitchFamily="2" charset="0"/>
               </a:rPr>
-              <a:t>Application</a:t>
+              <a:t>Problem definition</a:t>
             </a:r>
           </a:p>
         </p:txBody>
@@ -14065,9 +11172,9 @@
         <p:grpSpPr>
           <a:xfrm>
             <a:off x="8219902" y="1619711"/>
-            <a:ext cx="4339243" cy="3906771"/>
+            <a:ext cx="4339243" cy="4460769"/>
             <a:chOff x="7014557" y="2554363"/>
-            <a:chExt cx="4339243" cy="3906771"/>
+            <a:chExt cx="4339243" cy="4460769"/>
           </a:xfrm>
         </p:grpSpPr>
         <p:sp>
@@ -14102,7 +11209,7 @@
                   <a:latin typeface="Roboto" panose="02000000000000000000" pitchFamily="2" charset="0"/>
                   <a:ea typeface="Roboto" panose="02000000000000000000" pitchFamily="2" charset="0"/>
                 </a:rPr>
-                <a:t>2. Why?</a:t>
+                <a:t>3. Why?</a:t>
               </a:r>
             </a:p>
           </p:txBody>
@@ -14116,7 +11223,7 @@
           <p:spPr>
             <a:xfrm>
               <a:off x="7189124" y="3044814"/>
-              <a:ext cx="3143598" cy="3416320"/>
+              <a:ext cx="3058622" cy="3970318"/>
             </a:xfrm>
             <a:prstGeom prst="rect">
               <a:avLst/>
@@ -14179,7 +11286,7 @@
                   <a:latin typeface="Nunito" panose="00000500000000000000" pitchFamily="2" charset="0"/>
                   <a:cs typeface="Nunito" panose="00000500000000000000" pitchFamily="2" charset="0"/>
                 </a:rPr>
-                <a:t>Avoid full tables when you walk into restaurant.</a:t>
+                <a:t>Avoid running out of tables when you arrive at the restaurant</a:t>
               </a:r>
             </a:p>
             <a:p>
@@ -14972,7 +12079,7 @@
                 <a:latin typeface="Roboto" panose="02000000000000000000" pitchFamily="2" charset="0"/>
                 <a:ea typeface="Roboto" panose="02000000000000000000" pitchFamily="2" charset="0"/>
               </a:rPr>
-              <a:t>Sitemap</a:t>
+              <a:t>Actors</a:t>
             </a:r>
           </a:p>
         </p:txBody>
@@ -15322,7 +12429,7 @@
         </p:nvSpPr>
         <p:spPr>
           <a:xfrm>
-            <a:off x="701614" y="1336674"/>
+            <a:off x="1003539" y="1586056"/>
             <a:ext cx="3568461" cy="369332"/>
           </a:xfrm>
           <a:prstGeom prst="rect">
@@ -15340,409 +12447,7 @@
               <a:rPr lang="en-GB" dirty="0">
                 <a:latin typeface="Nunito" panose="00000500000000000000" pitchFamily="2" charset="0"/>
               </a:rPr>
-              <a:t>Admin’s role:</a:t>
-            </a:r>
-          </a:p>
-        </p:txBody>
-      </p:sp>
-      <mc:AlternateContent xmlns:mc="http://schemas.openxmlformats.org/markup-compatibility/2006">
-        <mc:Choice xmlns:pslz="http://schemas.microsoft.com/office/powerpoint/2016/slidezoom" Requires="pslz">
-          <p:graphicFrame>
-            <p:nvGraphicFramePr>
-              <p:cNvPr id="20" name="Slide Zoom 19">
-                <a:extLst>
-                  <a:ext uri="{FF2B5EF4-FFF2-40B4-BE49-F238E27FC236}">
-                    <a16:creationId xmlns:a16="http://schemas.microsoft.com/office/drawing/2014/main" id="{AAFD11F6-3D92-4A98-BDF3-5912991A3C8C}"/>
-                  </a:ext>
-                </a:extLst>
-              </p:cNvPr>
-              <p:cNvGraphicFramePr>
-                <a:graphicFrameLocks noChangeAspect="1"/>
-              </p:cNvGraphicFramePr>
-              <p:nvPr>
-                <p:extLst>
-                  <p:ext uri="{D42A27DB-BD31-4B8C-83A1-F6EECF244321}">
-                    <p14:modId xmlns:p14="http://schemas.microsoft.com/office/powerpoint/2010/main" val="850239189"/>
-                  </p:ext>
-                </p:extLst>
-              </p:nvPr>
-            </p:nvGraphicFramePr>
-            <p:xfrm>
-              <a:off x="1147313" y="2442708"/>
-              <a:ext cx="3048000" cy="1714500"/>
-            </p:xfrm>
-            <a:graphic>
-              <a:graphicData uri="http://schemas.microsoft.com/office/powerpoint/2016/slidezoom">
-                <pslz:sldZm>
-                  <pslz:sldZmObj sldId="281" cId="1596186515">
-                    <pslz:zmPr id="{1C35AFBA-FB58-4A12-9149-158AEBA2B830}" returnToParent="0" transitionDur="1000">
-                      <p166:blipFill xmlns:p166="http://schemas.microsoft.com/office/powerpoint/2016/6/main">
-                        <a:blip r:embed="rId3"/>
-                        <a:stretch>
-                          <a:fillRect/>
-                        </a:stretch>
-                      </p166:blipFill>
-                      <p166:spPr xmlns:p166="http://schemas.microsoft.com/office/powerpoint/2016/6/main">
-                        <a:xfrm>
-                          <a:off x="0" y="0"/>
-                          <a:ext cx="3048000" cy="1714500"/>
-                        </a:xfrm>
-                        <a:prstGeom prst="rect">
-                          <a:avLst/>
-                        </a:prstGeom>
-                        <a:ln w="3175">
-                          <a:solidFill>
-                            <a:prstClr val="ltGray"/>
-                          </a:solidFill>
-                        </a:ln>
-                      </p166:spPr>
-                    </pslz:zmPr>
-                  </pslz:sldZmObj>
-                </pslz:sldZm>
-              </a:graphicData>
-            </a:graphic>
-          </p:graphicFrame>
-        </mc:Choice>
-        <mc:Fallback>
-          <p:pic>
-            <p:nvPicPr>
-              <p:cNvPr id="20" name="Slide Zoom 19">
-                <a:hlinkClick r:id="rId4" action="ppaction://hlinksldjump"/>
-                <a:extLst>
-                  <a:ext uri="{FF2B5EF4-FFF2-40B4-BE49-F238E27FC236}">
-                    <a16:creationId xmlns:a16="http://schemas.microsoft.com/office/drawing/2014/main" id="{AAFD11F6-3D92-4A98-BDF3-5912991A3C8C}"/>
-                  </a:ext>
-                </a:extLst>
-              </p:cNvPr>
-              <p:cNvPicPr>
-                <a:picLocks noGrp="1" noRot="1" noChangeAspect="1" noMove="1" noResize="1" noEditPoints="1" noAdjustHandles="1" noChangeArrowheads="1" noChangeShapeType="1"/>
-              </p:cNvPicPr>
-              <p:nvPr/>
-            </p:nvPicPr>
-            <p:blipFill>
-              <a:blip r:embed="rId3"/>
-              <a:stretch>
-                <a:fillRect/>
-              </a:stretch>
-            </p:blipFill>
-            <p:spPr>
-              <a:xfrm>
-                <a:off x="1147313" y="2442708"/>
-                <a:ext cx="3048000" cy="1714500"/>
-              </a:xfrm>
-              <a:prstGeom prst="rect">
-                <a:avLst/>
-              </a:prstGeom>
-              <a:ln w="3175">
-                <a:solidFill>
-                  <a:prstClr val="ltGray"/>
-                </a:solidFill>
-              </a:ln>
-            </p:spPr>
-          </p:pic>
-        </mc:Fallback>
-      </mc:AlternateContent>
-      <mc:AlternateContent xmlns:mc="http://schemas.openxmlformats.org/markup-compatibility/2006">
-        <mc:Choice xmlns:pslz="http://schemas.microsoft.com/office/powerpoint/2016/slidezoom" Requires="pslz">
-          <p:graphicFrame>
-            <p:nvGraphicFramePr>
-              <p:cNvPr id="22" name="Slide Zoom 21">
-                <a:extLst>
-                  <a:ext uri="{FF2B5EF4-FFF2-40B4-BE49-F238E27FC236}">
-                    <a16:creationId xmlns:a16="http://schemas.microsoft.com/office/drawing/2014/main" id="{EEEBA73F-0A44-4C2F-9DCF-CA825113E2A6}"/>
-                  </a:ext>
-                </a:extLst>
-              </p:cNvPr>
-              <p:cNvGraphicFramePr>
-                <a:graphicFrameLocks noChangeAspect="1"/>
-              </p:cNvGraphicFramePr>
-              <p:nvPr>
-                <p:extLst>
-                  <p:ext uri="{D42A27DB-BD31-4B8C-83A1-F6EECF244321}">
-                    <p14:modId xmlns:p14="http://schemas.microsoft.com/office/powerpoint/2010/main" val="3110501748"/>
-                  </p:ext>
-                </p:extLst>
-              </p:nvPr>
-            </p:nvGraphicFramePr>
-            <p:xfrm>
-              <a:off x="4418120" y="2442708"/>
-              <a:ext cx="3048000" cy="1714500"/>
-            </p:xfrm>
-            <a:graphic>
-              <a:graphicData uri="http://schemas.microsoft.com/office/powerpoint/2016/slidezoom">
-                <pslz:sldZm>
-                  <pslz:sldZmObj sldId="279" cId="2354340535">
-                    <pslz:zmPr id="{84D450A9-68A8-41E4-B38F-E20FF8FA53EF}" returnToParent="0" transitionDur="1000">
-                      <p166:blipFill xmlns:p166="http://schemas.microsoft.com/office/powerpoint/2016/6/main">
-                        <a:blip r:embed="rId5"/>
-                        <a:stretch>
-                          <a:fillRect/>
-                        </a:stretch>
-                      </p166:blipFill>
-                      <p166:spPr xmlns:p166="http://schemas.microsoft.com/office/powerpoint/2016/6/main">
-                        <a:xfrm>
-                          <a:off x="0" y="0"/>
-                          <a:ext cx="3048000" cy="1714500"/>
-                        </a:xfrm>
-                        <a:prstGeom prst="rect">
-                          <a:avLst/>
-                        </a:prstGeom>
-                        <a:ln w="3175">
-                          <a:solidFill>
-                            <a:prstClr val="ltGray"/>
-                          </a:solidFill>
-                        </a:ln>
-                      </p166:spPr>
-                    </pslz:zmPr>
-                  </pslz:sldZmObj>
-                </pslz:sldZm>
-              </a:graphicData>
-            </a:graphic>
-          </p:graphicFrame>
-        </mc:Choice>
-        <mc:Fallback>
-          <p:pic>
-            <p:nvPicPr>
-              <p:cNvPr id="22" name="Slide Zoom 21">
-                <a:hlinkClick r:id="rId6" action="ppaction://hlinksldjump"/>
-                <a:extLst>
-                  <a:ext uri="{FF2B5EF4-FFF2-40B4-BE49-F238E27FC236}">
-                    <a16:creationId xmlns:a16="http://schemas.microsoft.com/office/drawing/2014/main" id="{EEEBA73F-0A44-4C2F-9DCF-CA825113E2A6}"/>
-                  </a:ext>
-                </a:extLst>
-              </p:cNvPr>
-              <p:cNvPicPr>
-                <a:picLocks noGrp="1" noRot="1" noChangeAspect="1" noMove="1" noResize="1" noEditPoints="1" noAdjustHandles="1" noChangeArrowheads="1" noChangeShapeType="1"/>
-              </p:cNvPicPr>
-              <p:nvPr/>
-            </p:nvPicPr>
-            <p:blipFill>
-              <a:blip r:embed="rId5"/>
-              <a:stretch>
-                <a:fillRect/>
-              </a:stretch>
-            </p:blipFill>
-            <p:spPr>
-              <a:xfrm>
-                <a:off x="4418120" y="2442708"/>
-                <a:ext cx="3048000" cy="1714500"/>
-              </a:xfrm>
-              <a:prstGeom prst="rect">
-                <a:avLst/>
-              </a:prstGeom>
-              <a:ln w="3175">
-                <a:solidFill>
-                  <a:prstClr val="ltGray"/>
-                </a:solidFill>
-              </a:ln>
-            </p:spPr>
-          </p:pic>
-        </mc:Fallback>
-      </mc:AlternateContent>
-      <mc:AlternateContent xmlns:mc="http://schemas.openxmlformats.org/markup-compatibility/2006">
-        <mc:Choice xmlns:pslz="http://schemas.microsoft.com/office/powerpoint/2016/slidezoom" Requires="pslz">
-          <p:graphicFrame>
-            <p:nvGraphicFramePr>
-              <p:cNvPr id="24" name="Slide Zoom 23">
-                <a:extLst>
-                  <a:ext uri="{FF2B5EF4-FFF2-40B4-BE49-F238E27FC236}">
-                    <a16:creationId xmlns:a16="http://schemas.microsoft.com/office/drawing/2014/main" id="{B9831EA0-87BE-4A7B-AB77-C07D20257B15}"/>
-                  </a:ext>
-                </a:extLst>
-              </p:cNvPr>
-              <p:cNvGraphicFramePr>
-                <a:graphicFrameLocks noChangeAspect="1"/>
-              </p:cNvGraphicFramePr>
-              <p:nvPr>
-                <p:extLst>
-                  <p:ext uri="{D42A27DB-BD31-4B8C-83A1-F6EECF244321}">
-                    <p14:modId xmlns:p14="http://schemas.microsoft.com/office/powerpoint/2010/main" val="1369307394"/>
-                  </p:ext>
-                </p:extLst>
-              </p:nvPr>
-            </p:nvGraphicFramePr>
-            <p:xfrm>
-              <a:off x="7693545" y="2442708"/>
-              <a:ext cx="3048000" cy="1714500"/>
-            </p:xfrm>
-            <a:graphic>
-              <a:graphicData uri="http://schemas.microsoft.com/office/powerpoint/2016/slidezoom">
-                <pslz:sldZm>
-                  <pslz:sldZmObj sldId="280" cId="1695339707">
-                    <pslz:zmPr id="{ADE5C29B-A2BE-4253-8637-6ED21F72ABD7}" returnToParent="0" transitionDur="1000">
-                      <p166:blipFill xmlns:p166="http://schemas.microsoft.com/office/powerpoint/2016/6/main">
-                        <a:blip r:embed="rId7"/>
-                        <a:stretch>
-                          <a:fillRect/>
-                        </a:stretch>
-                      </p166:blipFill>
-                      <p166:spPr xmlns:p166="http://schemas.microsoft.com/office/powerpoint/2016/6/main">
-                        <a:xfrm>
-                          <a:off x="0" y="0"/>
-                          <a:ext cx="3048000" cy="1714500"/>
-                        </a:xfrm>
-                        <a:prstGeom prst="rect">
-                          <a:avLst/>
-                        </a:prstGeom>
-                        <a:ln w="3175">
-                          <a:solidFill>
-                            <a:prstClr val="ltGray"/>
-                          </a:solidFill>
-                        </a:ln>
-                      </p166:spPr>
-                    </pslz:zmPr>
-                  </pslz:sldZmObj>
-                </pslz:sldZm>
-              </a:graphicData>
-            </a:graphic>
-          </p:graphicFrame>
-        </mc:Choice>
-        <mc:Fallback>
-          <p:pic>
-            <p:nvPicPr>
-              <p:cNvPr id="24" name="Slide Zoom 23">
-                <a:hlinkClick r:id="rId8" action="ppaction://hlinksldjump"/>
-                <a:extLst>
-                  <a:ext uri="{FF2B5EF4-FFF2-40B4-BE49-F238E27FC236}">
-                    <a16:creationId xmlns:a16="http://schemas.microsoft.com/office/drawing/2014/main" id="{B9831EA0-87BE-4A7B-AB77-C07D20257B15}"/>
-                  </a:ext>
-                </a:extLst>
-              </p:cNvPr>
-              <p:cNvPicPr>
-                <a:picLocks noGrp="1" noRot="1" noChangeAspect="1" noMove="1" noResize="1" noEditPoints="1" noAdjustHandles="1" noChangeArrowheads="1" noChangeShapeType="1"/>
-              </p:cNvPicPr>
-              <p:nvPr/>
-            </p:nvPicPr>
-            <p:blipFill>
-              <a:blip r:embed="rId7"/>
-              <a:stretch>
-                <a:fillRect/>
-              </a:stretch>
-            </p:blipFill>
-            <p:spPr>
-              <a:xfrm>
-                <a:off x="7693545" y="2442708"/>
-                <a:ext cx="3048000" cy="1714500"/>
-              </a:xfrm>
-              <a:prstGeom prst="rect">
-                <a:avLst/>
-              </a:prstGeom>
-              <a:ln w="3175">
-                <a:solidFill>
-                  <a:prstClr val="ltGray"/>
-                </a:solidFill>
-              </a:ln>
-            </p:spPr>
-          </p:pic>
-        </mc:Fallback>
-      </mc:AlternateContent>
-      <p:sp>
-        <p:nvSpPr>
-          <p:cNvPr id="26" name="TextBox 25">
-            <a:extLst>
-              <a:ext uri="{FF2B5EF4-FFF2-40B4-BE49-F238E27FC236}">
-                <a16:creationId xmlns:a16="http://schemas.microsoft.com/office/drawing/2014/main" id="{92F1EAB0-638A-428F-8518-5403EACADDF6}"/>
-              </a:ext>
-            </a:extLst>
-          </p:cNvPr>
-          <p:cNvSpPr txBox="1"/>
-          <p:nvPr/>
-        </p:nvSpPr>
-        <p:spPr>
-          <a:xfrm>
-            <a:off x="1138686" y="4331733"/>
-            <a:ext cx="3568461" cy="369332"/>
-          </a:xfrm>
-          <a:prstGeom prst="rect">
-            <a:avLst/>
-          </a:prstGeom>
-          <a:noFill/>
-        </p:spPr>
-        <p:txBody>
-          <a:bodyPr wrap="square" rtlCol="0">
-            <a:spAutoFit/>
-          </a:bodyPr>
-          <a:lstStyle/>
-          <a:p>
-            <a:r>
-              <a:rPr lang="en-GB" dirty="0">
-                <a:latin typeface="Nunito" panose="00000500000000000000" pitchFamily="2" charset="0"/>
-              </a:rPr>
-              <a:t>Setting</a:t>
-            </a:r>
-          </a:p>
-        </p:txBody>
-      </p:sp>
-      <p:sp>
-        <p:nvSpPr>
-          <p:cNvPr id="27" name="TextBox 26">
-            <a:extLst>
-              <a:ext uri="{FF2B5EF4-FFF2-40B4-BE49-F238E27FC236}">
-                <a16:creationId xmlns:a16="http://schemas.microsoft.com/office/drawing/2014/main" id="{944213AD-9CA1-43A8-8D4A-B59DEEE999A7}"/>
-              </a:ext>
-            </a:extLst>
-          </p:cNvPr>
-          <p:cNvSpPr txBox="1"/>
-          <p:nvPr/>
-        </p:nvSpPr>
-        <p:spPr>
-          <a:xfrm>
-            <a:off x="4409494" y="4331733"/>
-            <a:ext cx="2538606" cy="369332"/>
-          </a:xfrm>
-          <a:prstGeom prst="rect">
-            <a:avLst/>
-          </a:prstGeom>
-          <a:noFill/>
-        </p:spPr>
-        <p:txBody>
-          <a:bodyPr wrap="square" rtlCol="0">
-            <a:spAutoFit/>
-          </a:bodyPr>
-          <a:lstStyle/>
-          <a:p>
-            <a:r>
-              <a:rPr lang="en-GB" dirty="0">
-                <a:latin typeface="Nunito" panose="00000500000000000000" pitchFamily="2" charset="0"/>
-              </a:rPr>
-              <a:t>Management</a:t>
-            </a:r>
-          </a:p>
-        </p:txBody>
-      </p:sp>
-      <p:sp>
-        <p:nvSpPr>
-          <p:cNvPr id="29" name="TextBox 28">
-            <a:extLst>
-              <a:ext uri="{FF2B5EF4-FFF2-40B4-BE49-F238E27FC236}">
-                <a16:creationId xmlns:a16="http://schemas.microsoft.com/office/drawing/2014/main" id="{6551A7C9-7F24-4609-B36A-6AC23CFA2997}"/>
-              </a:ext>
-            </a:extLst>
-          </p:cNvPr>
-          <p:cNvSpPr txBox="1"/>
-          <p:nvPr/>
-        </p:nvSpPr>
-        <p:spPr>
-          <a:xfrm>
-            <a:off x="7612202" y="4331733"/>
-            <a:ext cx="2538606" cy="369332"/>
-          </a:xfrm>
-          <a:prstGeom prst="rect">
-            <a:avLst/>
-          </a:prstGeom>
-          <a:noFill/>
-        </p:spPr>
-        <p:txBody>
-          <a:bodyPr wrap="square" rtlCol="0">
-            <a:spAutoFit/>
-          </a:bodyPr>
-          <a:lstStyle/>
-          <a:p>
-            <a:r>
-              <a:rPr lang="en-GB" dirty="0">
-                <a:latin typeface="Nunito" panose="00000500000000000000" pitchFamily="2" charset="0"/>
-              </a:rPr>
-              <a:t>Analysis</a:t>
+              <a:t>Admin: the restaurant owner </a:t>
             </a:r>
           </a:p>
         </p:txBody>
@@ -15750,7 +12455,7 @@
     </p:spTree>
     <p:extLst>
       <p:ext uri="{BB962C8B-B14F-4D97-AF65-F5344CB8AC3E}">
-        <p14:creationId xmlns:p14="http://schemas.microsoft.com/office/powerpoint/2010/main" val="2356143019"/>
+        <p14:creationId xmlns:p14="http://schemas.microsoft.com/office/powerpoint/2010/main" val="3353178529"/>
       </p:ext>
     </p:extLst>
   </p:cSld>
@@ -16410,7 +13115,7 @@
         </p:nvSpPr>
         <p:spPr>
           <a:xfrm>
-            <a:off x="692987" y="1867119"/>
+            <a:off x="701614" y="1336674"/>
             <a:ext cx="3568461" cy="369332"/>
           </a:xfrm>
           <a:prstGeom prst="rect">
@@ -16428,50 +13133,417 @@
               <a:rPr lang="en-GB" dirty="0">
                 <a:latin typeface="Nunito" panose="00000500000000000000" pitchFamily="2" charset="0"/>
               </a:rPr>
-              <a:t>Admin’s role:</a:t>
-            </a:r>
-          </a:p>
-        </p:txBody>
-      </p:sp>
-      <p:pic>
-        <p:nvPicPr>
-          <p:cNvPr id="5" name="Picture 4">
+              <a:t>Admin</a:t>
+            </a:r>
+          </a:p>
+        </p:txBody>
+      </p:sp>
+      <mc:AlternateContent xmlns:mc="http://schemas.openxmlformats.org/markup-compatibility/2006" xmlns:pslz="http://schemas.microsoft.com/office/powerpoint/2016/slidezoom">
+        <mc:Choice Requires="pslz">
+          <p:graphicFrame>
+            <p:nvGraphicFramePr>
+              <p:cNvPr id="20" name="Slide Zoom 19">
+                <a:extLst>
+                  <a:ext uri="{FF2B5EF4-FFF2-40B4-BE49-F238E27FC236}">
+                    <a16:creationId xmlns:a16="http://schemas.microsoft.com/office/drawing/2014/main" id="{AAFD11F6-3D92-4A98-BDF3-5912991A3C8C}"/>
+                  </a:ext>
+                </a:extLst>
+              </p:cNvPr>
+              <p:cNvGraphicFramePr>
+                <a:graphicFrameLocks noChangeAspect="1"/>
+              </p:cNvGraphicFramePr>
+              <p:nvPr>
+                <p:extLst>
+                  <p:ext uri="{D42A27DB-BD31-4B8C-83A1-F6EECF244321}">
+                    <p14:modId xmlns:p14="http://schemas.microsoft.com/office/powerpoint/2010/main" val="850239189"/>
+                  </p:ext>
+                </p:extLst>
+              </p:nvPr>
+            </p:nvGraphicFramePr>
+            <p:xfrm>
+              <a:off x="1147313" y="2442708"/>
+              <a:ext cx="3048000" cy="1714500"/>
+            </p:xfrm>
+            <a:graphic>
+              <a:graphicData uri="http://schemas.microsoft.com/office/powerpoint/2016/slidezoom">
+                <pslz:sldZm>
+                  <pslz:sldZmObj sldId="281" cId="1596186515">
+                    <pslz:zmPr id="{1C35AFBA-FB58-4A12-9149-158AEBA2B830}" returnToParent="0" transitionDur="1000">
+                      <p166:blipFill xmlns:p166="http://schemas.microsoft.com/office/powerpoint/2016/6/main">
+                        <a:blip r:embed="rId3"/>
+                        <a:stretch>
+                          <a:fillRect/>
+                        </a:stretch>
+                      </p166:blipFill>
+                      <p166:spPr xmlns:p166="http://schemas.microsoft.com/office/powerpoint/2016/6/main">
+                        <a:xfrm>
+                          <a:off x="0" y="0"/>
+                          <a:ext cx="3048000" cy="1714500"/>
+                        </a:xfrm>
+                        <a:prstGeom prst="rect">
+                          <a:avLst/>
+                        </a:prstGeom>
+                        <a:ln w="3175">
+                          <a:solidFill>
+                            <a:prstClr val="ltGray"/>
+                          </a:solidFill>
+                        </a:ln>
+                      </p166:spPr>
+                    </pslz:zmPr>
+                  </pslz:sldZmObj>
+                </pslz:sldZm>
+              </a:graphicData>
+            </a:graphic>
+          </p:graphicFrame>
+        </mc:Choice>
+        <mc:Fallback xmlns="">
+          <p:pic>
+            <p:nvPicPr>
+              <p:cNvPr id="20" name="Slide Zoom 19">
+                <a:hlinkClick r:id="rId4" action="ppaction://hlinksldjump"/>
+                <a:extLst>
+                  <a:ext uri="{FF2B5EF4-FFF2-40B4-BE49-F238E27FC236}">
+                    <a16:creationId xmlns:a16="http://schemas.microsoft.com/office/drawing/2014/main" id="{AAFD11F6-3D92-4A98-BDF3-5912991A3C8C}"/>
+                  </a:ext>
+                </a:extLst>
+              </p:cNvPr>
+              <p:cNvPicPr>
+                <a:picLocks noGrp="1" noRot="1" noChangeAspect="1" noMove="1" noResize="1" noEditPoints="1" noAdjustHandles="1" noChangeArrowheads="1" noChangeShapeType="1"/>
+              </p:cNvPicPr>
+              <p:nvPr/>
+            </p:nvPicPr>
+            <p:blipFill>
+              <a:blip r:embed="rId5"/>
+              <a:stretch>
+                <a:fillRect/>
+              </a:stretch>
+            </p:blipFill>
+            <p:spPr>
+              <a:xfrm>
+                <a:off x="1147313" y="2442708"/>
+                <a:ext cx="3048000" cy="1714500"/>
+              </a:xfrm>
+              <a:prstGeom prst="rect">
+                <a:avLst/>
+              </a:prstGeom>
+              <a:ln w="3175">
+                <a:solidFill>
+                  <a:prstClr val="ltGray"/>
+                </a:solidFill>
+              </a:ln>
+            </p:spPr>
+          </p:pic>
+        </mc:Fallback>
+      </mc:AlternateContent>
+      <mc:AlternateContent xmlns:mc="http://schemas.openxmlformats.org/markup-compatibility/2006" xmlns:pslz="http://schemas.microsoft.com/office/powerpoint/2016/slidezoom">
+        <mc:Choice Requires="pslz">
+          <p:graphicFrame>
+            <p:nvGraphicFramePr>
+              <p:cNvPr id="22" name="Slide Zoom 21">
+                <a:extLst>
+                  <a:ext uri="{FF2B5EF4-FFF2-40B4-BE49-F238E27FC236}">
+                    <a16:creationId xmlns:a16="http://schemas.microsoft.com/office/drawing/2014/main" id="{EEEBA73F-0A44-4C2F-9DCF-CA825113E2A6}"/>
+                  </a:ext>
+                </a:extLst>
+              </p:cNvPr>
+              <p:cNvGraphicFramePr>
+                <a:graphicFrameLocks noChangeAspect="1"/>
+              </p:cNvGraphicFramePr>
+              <p:nvPr>
+                <p:extLst>
+                  <p:ext uri="{D42A27DB-BD31-4B8C-83A1-F6EECF244321}">
+                    <p14:modId xmlns:p14="http://schemas.microsoft.com/office/powerpoint/2010/main" val="3110501748"/>
+                  </p:ext>
+                </p:extLst>
+              </p:nvPr>
+            </p:nvGraphicFramePr>
+            <p:xfrm>
+              <a:off x="4418120" y="2442708"/>
+              <a:ext cx="3048000" cy="1714500"/>
+            </p:xfrm>
+            <a:graphic>
+              <a:graphicData uri="http://schemas.microsoft.com/office/powerpoint/2016/slidezoom">
+                <pslz:sldZm>
+                  <pslz:sldZmObj sldId="279" cId="2354340535">
+                    <pslz:zmPr id="{84D450A9-68A8-41E4-B38F-E20FF8FA53EF}" returnToParent="0" transitionDur="1000">
+                      <p166:blipFill xmlns:p166="http://schemas.microsoft.com/office/powerpoint/2016/6/main">
+                        <a:blip r:embed="rId6"/>
+                        <a:stretch>
+                          <a:fillRect/>
+                        </a:stretch>
+                      </p166:blipFill>
+                      <p166:spPr xmlns:p166="http://schemas.microsoft.com/office/powerpoint/2016/6/main">
+                        <a:xfrm>
+                          <a:off x="0" y="0"/>
+                          <a:ext cx="3048000" cy="1714500"/>
+                        </a:xfrm>
+                        <a:prstGeom prst="rect">
+                          <a:avLst/>
+                        </a:prstGeom>
+                        <a:ln w="3175">
+                          <a:solidFill>
+                            <a:prstClr val="ltGray"/>
+                          </a:solidFill>
+                        </a:ln>
+                      </p166:spPr>
+                    </pslz:zmPr>
+                  </pslz:sldZmObj>
+                </pslz:sldZm>
+              </a:graphicData>
+            </a:graphic>
+          </p:graphicFrame>
+        </mc:Choice>
+        <mc:Fallback xmlns="">
+          <p:pic>
+            <p:nvPicPr>
+              <p:cNvPr id="22" name="Slide Zoom 21">
+                <a:hlinkClick r:id="rId7" action="ppaction://hlinksldjump"/>
+                <a:extLst>
+                  <a:ext uri="{FF2B5EF4-FFF2-40B4-BE49-F238E27FC236}">
+                    <a16:creationId xmlns:a16="http://schemas.microsoft.com/office/drawing/2014/main" id="{EEEBA73F-0A44-4C2F-9DCF-CA825113E2A6}"/>
+                  </a:ext>
+                </a:extLst>
+              </p:cNvPr>
+              <p:cNvPicPr>
+                <a:picLocks noGrp="1" noRot="1" noChangeAspect="1" noMove="1" noResize="1" noEditPoints="1" noAdjustHandles="1" noChangeArrowheads="1" noChangeShapeType="1"/>
+              </p:cNvPicPr>
+              <p:nvPr/>
+            </p:nvPicPr>
+            <p:blipFill>
+              <a:blip r:embed="rId8"/>
+              <a:stretch>
+                <a:fillRect/>
+              </a:stretch>
+            </p:blipFill>
+            <p:spPr>
+              <a:xfrm>
+                <a:off x="4418120" y="2442708"/>
+                <a:ext cx="3048000" cy="1714500"/>
+              </a:xfrm>
+              <a:prstGeom prst="rect">
+                <a:avLst/>
+              </a:prstGeom>
+              <a:ln w="3175">
+                <a:solidFill>
+                  <a:prstClr val="ltGray"/>
+                </a:solidFill>
+              </a:ln>
+            </p:spPr>
+          </p:pic>
+        </mc:Fallback>
+      </mc:AlternateContent>
+      <mc:AlternateContent xmlns:mc="http://schemas.openxmlformats.org/markup-compatibility/2006" xmlns:pslz="http://schemas.microsoft.com/office/powerpoint/2016/slidezoom">
+        <mc:Choice Requires="pslz">
+          <p:graphicFrame>
+            <p:nvGraphicFramePr>
+              <p:cNvPr id="24" name="Slide Zoom 23">
+                <a:extLst>
+                  <a:ext uri="{FF2B5EF4-FFF2-40B4-BE49-F238E27FC236}">
+                    <a16:creationId xmlns:a16="http://schemas.microsoft.com/office/drawing/2014/main" id="{B9831EA0-87BE-4A7B-AB77-C07D20257B15}"/>
+                  </a:ext>
+                </a:extLst>
+              </p:cNvPr>
+              <p:cNvGraphicFramePr>
+                <a:graphicFrameLocks noChangeAspect="1"/>
+              </p:cNvGraphicFramePr>
+              <p:nvPr>
+                <p:extLst>
+                  <p:ext uri="{D42A27DB-BD31-4B8C-83A1-F6EECF244321}">
+                    <p14:modId xmlns:p14="http://schemas.microsoft.com/office/powerpoint/2010/main" val="1369307394"/>
+                  </p:ext>
+                </p:extLst>
+              </p:nvPr>
+            </p:nvGraphicFramePr>
+            <p:xfrm>
+              <a:off x="7693545" y="2442708"/>
+              <a:ext cx="3048000" cy="1714500"/>
+            </p:xfrm>
+            <a:graphic>
+              <a:graphicData uri="http://schemas.microsoft.com/office/powerpoint/2016/slidezoom">
+                <pslz:sldZm>
+                  <pslz:sldZmObj sldId="280" cId="1695339707">
+                    <pslz:zmPr id="{ADE5C29B-A2BE-4253-8637-6ED21F72ABD7}" returnToParent="0" transitionDur="1000">
+                      <p166:blipFill xmlns:p166="http://schemas.microsoft.com/office/powerpoint/2016/6/main">
+                        <a:blip r:embed="rId9"/>
+                        <a:stretch>
+                          <a:fillRect/>
+                        </a:stretch>
+                      </p166:blipFill>
+                      <p166:spPr xmlns:p166="http://schemas.microsoft.com/office/powerpoint/2016/6/main">
+                        <a:xfrm>
+                          <a:off x="0" y="0"/>
+                          <a:ext cx="3048000" cy="1714500"/>
+                        </a:xfrm>
+                        <a:prstGeom prst="rect">
+                          <a:avLst/>
+                        </a:prstGeom>
+                        <a:ln w="3175">
+                          <a:solidFill>
+                            <a:prstClr val="ltGray"/>
+                          </a:solidFill>
+                        </a:ln>
+                      </p166:spPr>
+                    </pslz:zmPr>
+                  </pslz:sldZmObj>
+                </pslz:sldZm>
+              </a:graphicData>
+            </a:graphic>
+          </p:graphicFrame>
+        </mc:Choice>
+        <mc:Fallback xmlns="">
+          <p:pic>
+            <p:nvPicPr>
+              <p:cNvPr id="24" name="Slide Zoom 23">
+                <a:hlinkClick r:id="rId10" action="ppaction://hlinksldjump"/>
+                <a:extLst>
+                  <a:ext uri="{FF2B5EF4-FFF2-40B4-BE49-F238E27FC236}">
+                    <a16:creationId xmlns:a16="http://schemas.microsoft.com/office/drawing/2014/main" id="{B9831EA0-87BE-4A7B-AB77-C07D20257B15}"/>
+                  </a:ext>
+                </a:extLst>
+              </p:cNvPr>
+              <p:cNvPicPr>
+                <a:picLocks noGrp="1" noRot="1" noChangeAspect="1" noMove="1" noResize="1" noEditPoints="1" noAdjustHandles="1" noChangeArrowheads="1" noChangeShapeType="1"/>
+              </p:cNvPicPr>
+              <p:nvPr/>
+            </p:nvPicPr>
+            <p:blipFill>
+              <a:blip r:embed="rId11"/>
+              <a:stretch>
+                <a:fillRect/>
+              </a:stretch>
+            </p:blipFill>
+            <p:spPr>
+              <a:xfrm>
+                <a:off x="7693545" y="2442708"/>
+                <a:ext cx="3048000" cy="1714500"/>
+              </a:xfrm>
+              <a:prstGeom prst="rect">
+                <a:avLst/>
+              </a:prstGeom>
+              <a:ln w="3175">
+                <a:solidFill>
+                  <a:prstClr val="ltGray"/>
+                </a:solidFill>
+              </a:ln>
+            </p:spPr>
+          </p:pic>
+        </mc:Fallback>
+      </mc:AlternateContent>
+      <p:sp>
+        <p:nvSpPr>
+          <p:cNvPr id="26" name="TextBox 25">
             <a:extLst>
               <a:ext uri="{FF2B5EF4-FFF2-40B4-BE49-F238E27FC236}">
-                <a16:creationId xmlns:a16="http://schemas.microsoft.com/office/drawing/2014/main" id="{355C4B5B-A8C9-493E-878D-7EE84D569A38}"/>
+                <a16:creationId xmlns:a16="http://schemas.microsoft.com/office/drawing/2014/main" id="{92F1EAB0-638A-428F-8518-5403EACADDF6}"/>
               </a:ext>
             </a:extLst>
           </p:cNvPr>
-          <p:cNvPicPr>
-            <a:picLocks noChangeAspect="1"/>
-          </p:cNvPicPr>
+          <p:cNvSpPr txBox="1"/>
           <p:nvPr/>
-        </p:nvPicPr>
-        <p:blipFill rotWithShape="1">
-          <a:blip r:embed="rId3" cstate="print">
-            <a:extLst>
-              <a:ext uri="{28A0092B-C50C-407E-A947-70E740481C1C}">
-                <a14:useLocalDpi xmlns:a14="http://schemas.microsoft.com/office/drawing/2010/main" val="0"/>
-              </a:ext>
-            </a:extLst>
-          </a:blip>
-          <a:srcRect r="91813"/>
-          <a:stretch/>
-        </p:blipFill>
+        </p:nvSpPr>
         <p:spPr>
           <a:xfrm>
-            <a:off x="4261448" y="2438541"/>
-            <a:ext cx="2803394" cy="2469991"/>
+            <a:off x="1138686" y="4331733"/>
+            <a:ext cx="3568461" cy="369332"/>
           </a:xfrm>
           <a:prstGeom prst="rect">
             <a:avLst/>
           </a:prstGeom>
+          <a:noFill/>
         </p:spPr>
-      </p:pic>
+        <p:txBody>
+          <a:bodyPr wrap="square" rtlCol="0">
+            <a:spAutoFit/>
+          </a:bodyPr>
+          <a:lstStyle/>
+          <a:p>
+            <a:r>
+              <a:rPr lang="en-GB" dirty="0">
+                <a:latin typeface="Nunito" panose="00000500000000000000" pitchFamily="2" charset="0"/>
+              </a:rPr>
+              <a:t>Setting</a:t>
+            </a:r>
+          </a:p>
+        </p:txBody>
+      </p:sp>
+      <p:sp>
+        <p:nvSpPr>
+          <p:cNvPr id="27" name="TextBox 26">
+            <a:extLst>
+              <a:ext uri="{FF2B5EF4-FFF2-40B4-BE49-F238E27FC236}">
+                <a16:creationId xmlns:a16="http://schemas.microsoft.com/office/drawing/2014/main" id="{944213AD-9CA1-43A8-8D4A-B59DEEE999A7}"/>
+              </a:ext>
+            </a:extLst>
+          </p:cNvPr>
+          <p:cNvSpPr txBox="1"/>
+          <p:nvPr/>
+        </p:nvSpPr>
+        <p:spPr>
+          <a:xfrm>
+            <a:off x="4409494" y="4331733"/>
+            <a:ext cx="2538606" cy="369332"/>
+          </a:xfrm>
+          <a:prstGeom prst="rect">
+            <a:avLst/>
+          </a:prstGeom>
+          <a:noFill/>
+        </p:spPr>
+        <p:txBody>
+          <a:bodyPr wrap="square" rtlCol="0">
+            <a:spAutoFit/>
+          </a:bodyPr>
+          <a:lstStyle/>
+          <a:p>
+            <a:r>
+              <a:rPr lang="en-GB" dirty="0">
+                <a:latin typeface="Nunito" panose="00000500000000000000" pitchFamily="2" charset="0"/>
+              </a:rPr>
+              <a:t>Management</a:t>
+            </a:r>
+          </a:p>
+        </p:txBody>
+      </p:sp>
+      <p:sp>
+        <p:nvSpPr>
+          <p:cNvPr id="29" name="TextBox 28">
+            <a:extLst>
+              <a:ext uri="{FF2B5EF4-FFF2-40B4-BE49-F238E27FC236}">
+                <a16:creationId xmlns:a16="http://schemas.microsoft.com/office/drawing/2014/main" id="{6551A7C9-7F24-4609-B36A-6AC23CFA2997}"/>
+              </a:ext>
+            </a:extLst>
+          </p:cNvPr>
+          <p:cNvSpPr txBox="1"/>
+          <p:nvPr/>
+        </p:nvSpPr>
+        <p:spPr>
+          <a:xfrm>
+            <a:off x="7612202" y="4331733"/>
+            <a:ext cx="2538606" cy="369332"/>
+          </a:xfrm>
+          <a:prstGeom prst="rect">
+            <a:avLst/>
+          </a:prstGeom>
+          <a:noFill/>
+        </p:spPr>
+        <p:txBody>
+          <a:bodyPr wrap="square" rtlCol="0">
+            <a:spAutoFit/>
+          </a:bodyPr>
+          <a:lstStyle/>
+          <a:p>
+            <a:r>
+              <a:rPr lang="en-GB" dirty="0">
+                <a:latin typeface="Nunito" panose="00000500000000000000" pitchFamily="2" charset="0"/>
+              </a:rPr>
+              <a:t>Analysis</a:t>
+            </a:r>
+          </a:p>
+        </p:txBody>
+      </p:sp>
     </p:spTree>
     <p:extLst>
       <p:ext uri="{BB962C8B-B14F-4D97-AF65-F5344CB8AC3E}">
-        <p14:creationId xmlns:p14="http://schemas.microsoft.com/office/powerpoint/2010/main" val="1596186515"/>
+        <p14:creationId xmlns:p14="http://schemas.microsoft.com/office/powerpoint/2010/main" val="2356143019"/>
       </p:ext>
     </p:extLst>
   </p:cSld>
@@ -17149,7 +14221,651 @@
               <a:rPr lang="en-GB" dirty="0">
                 <a:latin typeface="Nunito" panose="00000500000000000000" pitchFamily="2" charset="0"/>
               </a:rPr>
-              <a:t>Admin’s role:</a:t>
+              <a:t>Admin</a:t>
+            </a:r>
+          </a:p>
+        </p:txBody>
+      </p:sp>
+      <p:pic>
+        <p:nvPicPr>
+          <p:cNvPr id="5" name="Picture 4">
+            <a:extLst>
+              <a:ext uri="{FF2B5EF4-FFF2-40B4-BE49-F238E27FC236}">
+                <a16:creationId xmlns:a16="http://schemas.microsoft.com/office/drawing/2014/main" id="{355C4B5B-A8C9-493E-878D-7EE84D569A38}"/>
+              </a:ext>
+            </a:extLst>
+          </p:cNvPr>
+          <p:cNvPicPr>
+            <a:picLocks noChangeAspect="1"/>
+          </p:cNvPicPr>
+          <p:nvPr/>
+        </p:nvPicPr>
+        <p:blipFill rotWithShape="1">
+          <a:blip r:embed="rId3" cstate="print">
+            <a:extLst>
+              <a:ext uri="{28A0092B-C50C-407E-A947-70E740481C1C}">
+                <a14:useLocalDpi xmlns:a14="http://schemas.microsoft.com/office/drawing/2010/main" val="0"/>
+              </a:ext>
+            </a:extLst>
+          </a:blip>
+          <a:srcRect r="91813"/>
+          <a:stretch/>
+        </p:blipFill>
+        <p:spPr>
+          <a:xfrm>
+            <a:off x="4261448" y="2438541"/>
+            <a:ext cx="2803394" cy="2469991"/>
+          </a:xfrm>
+          <a:prstGeom prst="rect">
+            <a:avLst/>
+          </a:prstGeom>
+        </p:spPr>
+      </p:pic>
+    </p:spTree>
+    <p:extLst>
+      <p:ext uri="{BB962C8B-B14F-4D97-AF65-F5344CB8AC3E}">
+        <p14:creationId xmlns:p14="http://schemas.microsoft.com/office/powerpoint/2010/main" val="1596186515"/>
+      </p:ext>
+    </p:extLst>
+  </p:cSld>
+  <p:clrMapOvr>
+    <a:masterClrMapping/>
+  </p:clrMapOvr>
+  <p:timing>
+    <p:tnLst>
+      <p:par>
+        <p:cTn id="1" dur="indefinite" restart="never" nodeType="tmRoot">
+          <p:childTnLst>
+            <p:seq concurrent="1" nextAc="seek">
+              <p:cTn id="2" dur="indefinite" nodeType="mainSeq">
+                <p:childTnLst>
+                  <p:par>
+                    <p:cTn id="3" fill="hold">
+                      <p:stCondLst>
+                        <p:cond delay="indefinite"/>
+                        <p:cond evt="onBegin" delay="0">
+                          <p:tn val="2"/>
+                        </p:cond>
+                      </p:stCondLst>
+                      <p:childTnLst>
+                        <p:par>
+                          <p:cTn id="4" fill="hold">
+                            <p:stCondLst>
+                              <p:cond delay="0"/>
+                            </p:stCondLst>
+                            <p:childTnLst>
+                              <p:par>
+                                <p:cTn id="5" presetID="12" presetClass="entr" presetSubtype="1" fill="hold" nodeType="afterEffect">
+                                  <p:stCondLst>
+                                    <p:cond delay="0"/>
+                                  </p:stCondLst>
+                                  <p:childTnLst>
+                                    <p:set>
+                                      <p:cBhvr>
+                                        <p:cTn id="6" dur="1" fill="hold">
+                                          <p:stCondLst>
+                                            <p:cond delay="0"/>
+                                          </p:stCondLst>
+                                        </p:cTn>
+                                        <p:tgtEl>
+                                          <p:spTgt spid="11"/>
+                                        </p:tgtEl>
+                                        <p:attrNameLst>
+                                          <p:attrName>style.visibility</p:attrName>
+                                        </p:attrNameLst>
+                                      </p:cBhvr>
+                                      <p:to>
+                                        <p:strVal val="visible"/>
+                                      </p:to>
+                                    </p:set>
+                                    <p:anim calcmode="lin" valueType="num">
+                                      <p:cBhvr additive="base">
+                                        <p:cTn id="7" dur="500"/>
+                                        <p:tgtEl>
+                                          <p:spTgt spid="11"/>
+                                        </p:tgtEl>
+                                        <p:attrNameLst>
+                                          <p:attrName>ppt_y</p:attrName>
+                                        </p:attrNameLst>
+                                      </p:cBhvr>
+                                      <p:tavLst>
+                                        <p:tav tm="0">
+                                          <p:val>
+                                            <p:strVal val="#ppt_y-#ppt_h*1.125000"/>
+                                          </p:val>
+                                        </p:tav>
+                                        <p:tav tm="100000">
+                                          <p:val>
+                                            <p:strVal val="#ppt_y"/>
+                                          </p:val>
+                                        </p:tav>
+                                      </p:tavLst>
+                                    </p:anim>
+                                    <p:animEffect transition="in" filter="wipe(down)">
+                                      <p:cBhvr>
+                                        <p:cTn id="8" dur="500"/>
+                                        <p:tgtEl>
+                                          <p:spTgt spid="11"/>
+                                        </p:tgtEl>
+                                      </p:cBhvr>
+                                    </p:animEffect>
+                                  </p:childTnLst>
+                                </p:cTn>
+                              </p:par>
+                            </p:childTnLst>
+                          </p:cTn>
+                        </p:par>
+                        <p:par>
+                          <p:cTn id="9" fill="hold">
+                            <p:stCondLst>
+                              <p:cond delay="500"/>
+                            </p:stCondLst>
+                            <p:childTnLst>
+                              <p:par>
+                                <p:cTn id="10" presetID="12" presetClass="entr" presetSubtype="8" fill="hold" grpId="0" nodeType="afterEffect">
+                                  <p:stCondLst>
+                                    <p:cond delay="0"/>
+                                  </p:stCondLst>
+                                  <p:childTnLst>
+                                    <p:set>
+                                      <p:cBhvr>
+                                        <p:cTn id="11" dur="1" fill="hold">
+                                          <p:stCondLst>
+                                            <p:cond delay="0"/>
+                                          </p:stCondLst>
+                                        </p:cTn>
+                                        <p:tgtEl>
+                                          <p:spTgt spid="15"/>
+                                        </p:tgtEl>
+                                        <p:attrNameLst>
+                                          <p:attrName>style.visibility</p:attrName>
+                                        </p:attrNameLst>
+                                      </p:cBhvr>
+                                      <p:to>
+                                        <p:strVal val="visible"/>
+                                      </p:to>
+                                    </p:set>
+                                    <p:anim calcmode="lin" valueType="num">
+                                      <p:cBhvr additive="base">
+                                        <p:cTn id="12" dur="500"/>
+                                        <p:tgtEl>
+                                          <p:spTgt spid="15"/>
+                                        </p:tgtEl>
+                                        <p:attrNameLst>
+                                          <p:attrName>ppt_x</p:attrName>
+                                        </p:attrNameLst>
+                                      </p:cBhvr>
+                                      <p:tavLst>
+                                        <p:tav tm="0">
+                                          <p:val>
+                                            <p:strVal val="#ppt_x-#ppt_w*1.125000"/>
+                                          </p:val>
+                                        </p:tav>
+                                        <p:tav tm="100000">
+                                          <p:val>
+                                            <p:strVal val="#ppt_x"/>
+                                          </p:val>
+                                        </p:tav>
+                                      </p:tavLst>
+                                    </p:anim>
+                                    <p:animEffect transition="in" filter="wipe(right)">
+                                      <p:cBhvr>
+                                        <p:cTn id="13" dur="500"/>
+                                        <p:tgtEl>
+                                          <p:spTgt spid="15"/>
+                                        </p:tgtEl>
+                                      </p:cBhvr>
+                                    </p:animEffect>
+                                  </p:childTnLst>
+                                </p:cTn>
+                              </p:par>
+                            </p:childTnLst>
+                          </p:cTn>
+                        </p:par>
+                      </p:childTnLst>
+                    </p:cTn>
+                  </p:par>
+                </p:childTnLst>
+              </p:cTn>
+              <p:prevCondLst>
+                <p:cond evt="onPrev" delay="0">
+                  <p:tgtEl>
+                    <p:sldTgt/>
+                  </p:tgtEl>
+                </p:cond>
+              </p:prevCondLst>
+              <p:nextCondLst>
+                <p:cond evt="onNext" delay="0">
+                  <p:tgtEl>
+                    <p:sldTgt/>
+                  </p:tgtEl>
+                </p:cond>
+              </p:nextCondLst>
+            </p:seq>
+          </p:childTnLst>
+        </p:cTn>
+      </p:par>
+    </p:tnLst>
+    <p:bldLst>
+      <p:bldP spid="15" grpId="0"/>
+    </p:bldLst>
+  </p:timing>
+</p:sld>
+</file>
+
+<file path=ppt/slides/slide8.xml><?xml version="1.0" encoding="utf-8"?>
+<p:sld xmlns:a="http://schemas.openxmlformats.org/drawingml/2006/main" xmlns:r="http://schemas.openxmlformats.org/officeDocument/2006/relationships" xmlns:p="http://schemas.openxmlformats.org/presentationml/2006/main">
+  <p:cSld>
+    <p:spTree>
+      <p:nvGrpSpPr>
+        <p:cNvPr id="1" name=""/>
+        <p:cNvGrpSpPr/>
+        <p:nvPr/>
+      </p:nvGrpSpPr>
+      <p:grpSpPr>
+        <a:xfrm>
+          <a:off x="0" y="0"/>
+          <a:ext cx="0" cy="0"/>
+          <a:chOff x="0" y="0"/>
+          <a:chExt cx="0" cy="0"/>
+        </a:xfrm>
+      </p:grpSpPr>
+      <p:sp>
+        <p:nvSpPr>
+          <p:cNvPr id="15" name="TextBox 14"/>
+          <p:cNvSpPr txBox="1"/>
+          <p:nvPr/>
+        </p:nvSpPr>
+        <p:spPr>
+          <a:xfrm>
+            <a:off x="1138686" y="205068"/>
+            <a:ext cx="6883096" cy="583565"/>
+          </a:xfrm>
+          <a:prstGeom prst="rect">
+            <a:avLst/>
+          </a:prstGeom>
+          <a:noFill/>
+        </p:spPr>
+        <p:txBody>
+          <a:bodyPr wrap="square" rtlCol="0">
+            <a:spAutoFit/>
+          </a:bodyPr>
+          <a:lstStyle/>
+          <a:p>
+            <a:r>
+              <a:rPr lang="en-US" altLang="en-GB" sz="3200" dirty="0">
+                <a:latin typeface="Roboto" panose="02000000000000000000" pitchFamily="2" charset="0"/>
+                <a:ea typeface="Roboto" panose="02000000000000000000" pitchFamily="2" charset="0"/>
+              </a:rPr>
+              <a:t>Sitemap</a:t>
+            </a:r>
+          </a:p>
+        </p:txBody>
+      </p:sp>
+      <p:sp>
+        <p:nvSpPr>
+          <p:cNvPr id="4" name="Slide Number Placeholder 3"/>
+          <p:cNvSpPr>
+            <a:spLocks noGrp="1"/>
+          </p:cNvSpPr>
+          <p:nvPr>
+            <p:ph type="sldNum" sz="quarter" idx="12"/>
+          </p:nvPr>
+        </p:nvSpPr>
+        <p:spPr/>
+        <p:txBody>
+          <a:bodyPr/>
+          <a:lstStyle/>
+          <a:p>
+            <a:fld id="{3B752B58-3109-4027-88D6-99A922F5B5D4}" type="slidenum">
+              <a:rPr lang="en-GB" smtClean="0"/>
+              <a:t>8</a:t>
+            </a:fld>
+            <a:endParaRPr lang="en-GB"/>
+          </a:p>
+        </p:txBody>
+      </p:sp>
+      <p:sp>
+        <p:nvSpPr>
+          <p:cNvPr id="9" name="Footer Placeholder 8"/>
+          <p:cNvSpPr>
+            <a:spLocks noGrp="1"/>
+          </p:cNvSpPr>
+          <p:nvPr>
+            <p:ph type="ftr" sz="quarter" idx="11"/>
+          </p:nvPr>
+        </p:nvSpPr>
+        <p:spPr/>
+        <p:txBody>
+          <a:bodyPr/>
+          <a:lstStyle/>
+          <a:p>
+            <a:r>
+              <a:rPr lang="en-GB"/>
+              <a:t>4P Group</a:t>
+            </a:r>
+          </a:p>
+        </p:txBody>
+      </p:sp>
+      <p:grpSp>
+        <p:nvGrpSpPr>
+          <p:cNvPr id="11" name="Group 10"/>
+          <p:cNvGrpSpPr/>
+          <p:nvPr/>
+        </p:nvGrpSpPr>
+        <p:grpSpPr>
+          <a:xfrm rot="5400000">
+            <a:off x="12939" y="110704"/>
+            <a:ext cx="1368724" cy="629729"/>
+            <a:chOff x="5221857" y="2656935"/>
+            <a:chExt cx="1368724" cy="629729"/>
+          </a:xfrm>
+          <a:solidFill>
+            <a:srgbClr val="3FBF48"/>
+          </a:solidFill>
+        </p:grpSpPr>
+        <p:sp>
+          <p:nvSpPr>
+            <p:cNvPr id="12" name="Freeform: Shape 11"/>
+            <p:cNvSpPr/>
+            <p:nvPr/>
+          </p:nvSpPr>
+          <p:spPr>
+            <a:xfrm>
+              <a:off x="5221857" y="2665562"/>
+              <a:ext cx="756249" cy="621102"/>
+            </a:xfrm>
+            <a:custGeom>
+              <a:avLst/>
+              <a:gdLst>
+                <a:gd name="connsiteX0" fmla="*/ 0 w 756249"/>
+                <a:gd name="connsiteY0" fmla="*/ 0 h 621102"/>
+                <a:gd name="connsiteX1" fmla="*/ 756249 w 756249"/>
+                <a:gd name="connsiteY1" fmla="*/ 0 h 621102"/>
+                <a:gd name="connsiteX2" fmla="*/ 756249 w 756249"/>
+                <a:gd name="connsiteY2" fmla="*/ 621102 h 621102"/>
+                <a:gd name="connsiteX3" fmla="*/ 0 w 756249"/>
+                <a:gd name="connsiteY3" fmla="*/ 621102 h 621102"/>
+              </a:gdLst>
+              <a:ahLst/>
+              <a:cxnLst>
+                <a:cxn ang="0">
+                  <a:pos x="connsiteX0" y="connsiteY0"/>
+                </a:cxn>
+                <a:cxn ang="0">
+                  <a:pos x="connsiteX1" y="connsiteY1"/>
+                </a:cxn>
+                <a:cxn ang="0">
+                  <a:pos x="connsiteX2" y="connsiteY2"/>
+                </a:cxn>
+                <a:cxn ang="0">
+                  <a:pos x="connsiteX3" y="connsiteY3"/>
+                </a:cxn>
+              </a:cxnLst>
+              <a:rect l="l" t="t" r="r" b="b"/>
+              <a:pathLst>
+                <a:path w="756249" h="621102">
+                  <a:moveTo>
+                    <a:pt x="0" y="0"/>
+                  </a:moveTo>
+                  <a:lnTo>
+                    <a:pt x="756249" y="0"/>
+                  </a:lnTo>
+                  <a:lnTo>
+                    <a:pt x="756249" y="621102"/>
+                  </a:lnTo>
+                  <a:lnTo>
+                    <a:pt x="0" y="621102"/>
+                  </a:lnTo>
+                  <a:close/>
+                </a:path>
+              </a:pathLst>
+            </a:custGeom>
+            <a:grpFill/>
+            <a:ln>
+              <a:noFill/>
+            </a:ln>
+          </p:spPr>
+          <p:style>
+            <a:lnRef idx="2">
+              <a:schemeClr val="accent1">
+                <a:shade val="50000"/>
+              </a:schemeClr>
+            </a:lnRef>
+            <a:fillRef idx="1">
+              <a:schemeClr val="accent1"/>
+            </a:fillRef>
+            <a:effectRef idx="0">
+              <a:schemeClr val="accent1"/>
+            </a:effectRef>
+            <a:fontRef idx="minor">
+              <a:schemeClr val="lt1"/>
+            </a:fontRef>
+          </p:style>
+          <p:txBody>
+            <a:bodyPr rtlCol="0" anchor="ctr"/>
+            <a:lstStyle/>
+            <a:p>
+              <a:pPr algn="ctr"/>
+              <a:endParaRPr lang="en-GB"/>
+            </a:p>
+          </p:txBody>
+        </p:sp>
+        <p:sp>
+          <p:nvSpPr>
+            <p:cNvPr id="13" name="Hexagon 12"/>
+            <p:cNvSpPr/>
+            <p:nvPr/>
+          </p:nvSpPr>
+          <p:spPr>
+            <a:xfrm>
+              <a:off x="5457647" y="2665562"/>
+              <a:ext cx="756249" cy="621102"/>
+            </a:xfrm>
+            <a:prstGeom prst="hexagon">
+              <a:avLst/>
+            </a:prstGeom>
+            <a:grpFill/>
+            <a:ln>
+              <a:noFill/>
+            </a:ln>
+          </p:spPr>
+          <p:style>
+            <a:lnRef idx="2">
+              <a:schemeClr val="accent1">
+                <a:shade val="50000"/>
+              </a:schemeClr>
+            </a:lnRef>
+            <a:fillRef idx="1">
+              <a:schemeClr val="accent1"/>
+            </a:fillRef>
+            <a:effectRef idx="0">
+              <a:schemeClr val="accent1"/>
+            </a:effectRef>
+            <a:fontRef idx="minor">
+              <a:schemeClr val="lt1"/>
+            </a:fontRef>
+          </p:style>
+          <p:txBody>
+            <a:bodyPr rtlCol="0" anchor="ctr"/>
+            <a:lstStyle/>
+            <a:p>
+              <a:pPr algn="ctr"/>
+              <a:endParaRPr lang="en-GB" dirty="0">
+                <a:solidFill>
+                  <a:srgbClr val="1979A9"/>
+                </a:solidFill>
+              </a:endParaRPr>
+            </a:p>
+          </p:txBody>
+        </p:sp>
+        <p:sp>
+          <p:nvSpPr>
+            <p:cNvPr id="14" name="Freeform: Shape 13"/>
+            <p:cNvSpPr/>
+            <p:nvPr/>
+          </p:nvSpPr>
+          <p:spPr>
+            <a:xfrm>
+              <a:off x="6213896" y="2656935"/>
+              <a:ext cx="376685" cy="621102"/>
+            </a:xfrm>
+            <a:custGeom>
+              <a:avLst/>
+              <a:gdLst>
+                <a:gd name="connsiteX0" fmla="*/ 0 w 376685"/>
+                <a:gd name="connsiteY0" fmla="*/ 0 h 621102"/>
+                <a:gd name="connsiteX1" fmla="*/ 221410 w 376685"/>
+                <a:gd name="connsiteY1" fmla="*/ 0 h 621102"/>
+                <a:gd name="connsiteX2" fmla="*/ 376685 w 376685"/>
+                <a:gd name="connsiteY2" fmla="*/ 310551 h 621102"/>
+                <a:gd name="connsiteX3" fmla="*/ 221410 w 376685"/>
+                <a:gd name="connsiteY3" fmla="*/ 621102 h 621102"/>
+                <a:gd name="connsiteX4" fmla="*/ 0 w 376685"/>
+                <a:gd name="connsiteY4" fmla="*/ 621102 h 621102"/>
+                <a:gd name="connsiteX5" fmla="*/ 155275 w 376685"/>
+                <a:gd name="connsiteY5" fmla="*/ 310551 h 621102"/>
+              </a:gdLst>
+              <a:ahLst/>
+              <a:cxnLst>
+                <a:cxn ang="0">
+                  <a:pos x="connsiteX0" y="connsiteY0"/>
+                </a:cxn>
+                <a:cxn ang="0">
+                  <a:pos x="connsiteX1" y="connsiteY1"/>
+                </a:cxn>
+                <a:cxn ang="0">
+                  <a:pos x="connsiteX2" y="connsiteY2"/>
+                </a:cxn>
+                <a:cxn ang="0">
+                  <a:pos x="connsiteX3" y="connsiteY3"/>
+                </a:cxn>
+                <a:cxn ang="0">
+                  <a:pos x="connsiteX4" y="connsiteY4"/>
+                </a:cxn>
+                <a:cxn ang="0">
+                  <a:pos x="connsiteX5" y="connsiteY5"/>
+                </a:cxn>
+              </a:cxnLst>
+              <a:rect l="l" t="t" r="r" b="b"/>
+              <a:pathLst>
+                <a:path w="376685" h="621102">
+                  <a:moveTo>
+                    <a:pt x="0" y="0"/>
+                  </a:moveTo>
+                  <a:lnTo>
+                    <a:pt x="221410" y="0"/>
+                  </a:lnTo>
+                  <a:lnTo>
+                    <a:pt x="376685" y="310551"/>
+                  </a:lnTo>
+                  <a:lnTo>
+                    <a:pt x="221410" y="621102"/>
+                  </a:lnTo>
+                  <a:lnTo>
+                    <a:pt x="0" y="621102"/>
+                  </a:lnTo>
+                  <a:lnTo>
+                    <a:pt x="155275" y="310551"/>
+                  </a:lnTo>
+                  <a:close/>
+                </a:path>
+              </a:pathLst>
+            </a:custGeom>
+            <a:grpFill/>
+            <a:ln>
+              <a:noFill/>
+            </a:ln>
+          </p:spPr>
+          <p:style>
+            <a:lnRef idx="2">
+              <a:schemeClr val="accent1">
+                <a:shade val="50000"/>
+              </a:schemeClr>
+            </a:lnRef>
+            <a:fillRef idx="1">
+              <a:schemeClr val="accent1"/>
+            </a:fillRef>
+            <a:effectRef idx="0">
+              <a:schemeClr val="accent1"/>
+            </a:effectRef>
+            <a:fontRef idx="minor">
+              <a:schemeClr val="lt1"/>
+            </a:fontRef>
+          </p:style>
+          <p:txBody>
+            <a:bodyPr rtlCol="0" anchor="ctr"/>
+            <a:lstStyle/>
+            <a:p>
+              <a:pPr algn="ctr"/>
+              <a:endParaRPr lang="en-GB"/>
+            </a:p>
+          </p:txBody>
+        </p:sp>
+      </p:grpSp>
+      <p:pic>
+        <p:nvPicPr>
+          <p:cNvPr id="28" name="Picture 27"/>
+          <p:cNvPicPr>
+            <a:picLocks noChangeAspect="1"/>
+          </p:cNvPicPr>
+          <p:nvPr/>
+        </p:nvPicPr>
+        <p:blipFill>
+          <a:blip r:embed="rId2" cstate="print">
+            <a:extLst>
+              <a:ext uri="{28A0092B-C50C-407E-A947-70E740481C1C}">
+                <a14:useLocalDpi xmlns:a14="http://schemas.microsoft.com/office/drawing/2010/main" val="0"/>
+              </a:ext>
+            </a:extLst>
+          </a:blip>
+          <a:stretch>
+            <a:fillRect/>
+          </a:stretch>
+        </p:blipFill>
+        <p:spPr>
+          <a:xfrm>
+            <a:off x="9982200" y="407196"/>
+            <a:ext cx="1632625" cy="382647"/>
+          </a:xfrm>
+          <a:prstGeom prst="rect">
+            <a:avLst/>
+          </a:prstGeom>
+        </p:spPr>
+      </p:pic>
+      <p:sp>
+        <p:nvSpPr>
+          <p:cNvPr id="6" name="TextBox 5">
+            <a:extLst>
+              <a:ext uri="{FF2B5EF4-FFF2-40B4-BE49-F238E27FC236}">
+                <a16:creationId xmlns:a16="http://schemas.microsoft.com/office/drawing/2014/main" id="{CA75B00A-403A-4A86-8AAC-80F1F10EA456}"/>
+              </a:ext>
+            </a:extLst>
+          </p:cNvPr>
+          <p:cNvSpPr txBox="1"/>
+          <p:nvPr/>
+        </p:nvSpPr>
+        <p:spPr>
+          <a:xfrm>
+            <a:off x="692987" y="1867119"/>
+            <a:ext cx="3568461" cy="369332"/>
+          </a:xfrm>
+          <a:prstGeom prst="rect">
+            <a:avLst/>
+          </a:prstGeom>
+          <a:noFill/>
+        </p:spPr>
+        <p:txBody>
+          <a:bodyPr wrap="square" rtlCol="0">
+            <a:spAutoFit/>
+          </a:bodyPr>
+          <a:lstStyle/>
+          <a:p>
+            <a:r>
+              <a:rPr lang="en-GB" dirty="0">
+                <a:latin typeface="Nunito" panose="00000500000000000000" pitchFamily="2" charset="0"/>
+              </a:rPr>
+              <a:t>Admin</a:t>
             </a:r>
           </a:p>
         </p:txBody>
@@ -17482,82 +15198,6 @@
                       </p:childTnLst>
                     </p:cTn>
                   </p:par>
-                  <p:par>
-                    <p:cTn id="14" fill="hold">
-                      <p:stCondLst>
-                        <p:cond delay="indefinite"/>
-                      </p:stCondLst>
-                      <p:childTnLst>
-                        <p:par>
-                          <p:cTn id="15" fill="hold">
-                            <p:stCondLst>
-                              <p:cond delay="0"/>
-                            </p:stCondLst>
-                            <p:childTnLst>
-                              <p:par>
-                                <p:cTn id="16" presetID="12" presetClass="entr" presetSubtype="8" fill="hold" grpId="0" nodeType="clickEffect">
-                                  <p:stCondLst>
-                                    <p:cond delay="0"/>
-                                  </p:stCondLst>
-                                  <p:childTnLst>
-                                    <p:set>
-                                      <p:cBhvr>
-                                        <p:cTn id="17" dur="1" fill="hold">
-                                          <p:stCondLst>
-                                            <p:cond delay="0"/>
-                                          </p:stCondLst>
-                                        </p:cTn>
-                                        <p:tgtEl>
-                                          <p:spTgt spid="6"/>
-                                        </p:tgtEl>
-                                        <p:attrNameLst>
-                                          <p:attrName>style.visibility</p:attrName>
-                                        </p:attrNameLst>
-                                      </p:cBhvr>
-                                      <p:to>
-                                        <p:strVal val="visible"/>
-                                      </p:to>
-                                    </p:set>
-                                    <p:anim calcmode="lin" valueType="num">
-                                      <p:cBhvr additive="base">
-                                        <p:cTn id="18" dur="500"/>
-                                        <p:tgtEl>
-                                          <p:spTgt spid="6"/>
-                                        </p:tgtEl>
-                                        <p:attrNameLst>
-                                          <p:attrName>ppt_x</p:attrName>
-                                        </p:attrNameLst>
-                                      </p:cBhvr>
-                                      <p:tavLst>
-                                        <p:tav tm="0">
-                                          <p:val>
-                                            <p:strVal val="#ppt_x-#ppt_w*1.125000"/>
-                                          </p:val>
-                                        </p:tav>
-                                        <p:tav tm="100000">
-                                          <p:val>
-                                            <p:strVal val="#ppt_x"/>
-                                          </p:val>
-                                        </p:tav>
-                                      </p:tavLst>
-                                    </p:anim>
-                                    <p:animEffect transition="in" filter="wipe(right)">
-                                      <p:cBhvr>
-                                        <p:cTn id="19" dur="500"/>
-                                        <p:tgtEl>
-                                          <p:spTgt spid="6"/>
-                                        </p:tgtEl>
-                                      </p:cBhvr>
-                                    </p:animEffect>
-                                  </p:childTnLst>
-                                </p:cTn>
-                              </p:par>
-                            </p:childTnLst>
-                          </p:cTn>
-                        </p:par>
-                      </p:childTnLst>
-                    </p:cTn>
-                  </p:par>
                 </p:childTnLst>
               </p:cTn>
               <p:prevCondLst>
@@ -17581,13 +15221,12 @@
     </p:tnLst>
     <p:bldLst>
       <p:bldP spid="15" grpId="0"/>
-      <p:bldP spid="6" grpId="0"/>
     </p:bldLst>
   </p:timing>
 </p:sld>
 </file>
 
-<file path=ppt/slides/slide8.xml><?xml version="1.0" encoding="utf-8"?>
+<file path=ppt/slides/slide9.xml><?xml version="1.0" encoding="utf-8"?>
 <p:sld xmlns:a="http://schemas.openxmlformats.org/drawingml/2006/main" xmlns:r="http://schemas.openxmlformats.org/officeDocument/2006/relationships" xmlns:p="http://schemas.openxmlformats.org/presentationml/2006/main">
   <p:cSld>
     <p:spTree>
@@ -17653,7 +15292,7 @@
           <a:p>
             <a:fld id="{3B752B58-3109-4027-88D6-99A922F5B5D4}" type="slidenum">
               <a:rPr lang="en-GB" smtClean="0"/>
-              <a:t>8</a:t>
+              <a:t>9</a:t>
             </a:fld>
             <a:endParaRPr lang="en-GB"/>
           </a:p>
@@ -17999,7 +15638,7 @@
               <a:rPr lang="en-GB" dirty="0">
                 <a:latin typeface="Nunito" panose="00000500000000000000" pitchFamily="2" charset="0"/>
               </a:rPr>
-              <a:t>Admin’s role:</a:t>
+              <a:t>Admin</a:t>
             </a:r>
           </a:p>
         </p:txBody>
@@ -18203,82 +15842,6 @@
                       </p:childTnLst>
                     </p:cTn>
                   </p:par>
-                  <p:par>
-                    <p:cTn id="14" fill="hold">
-                      <p:stCondLst>
-                        <p:cond delay="indefinite"/>
-                      </p:stCondLst>
-                      <p:childTnLst>
-                        <p:par>
-                          <p:cTn id="15" fill="hold">
-                            <p:stCondLst>
-                              <p:cond delay="0"/>
-                            </p:stCondLst>
-                            <p:childTnLst>
-                              <p:par>
-                                <p:cTn id="16" presetID="12" presetClass="entr" presetSubtype="8" fill="hold" grpId="0" nodeType="clickEffect">
-                                  <p:stCondLst>
-                                    <p:cond delay="0"/>
-                                  </p:stCondLst>
-                                  <p:childTnLst>
-                                    <p:set>
-                                      <p:cBhvr>
-                                        <p:cTn id="17" dur="1" fill="hold">
-                                          <p:stCondLst>
-                                            <p:cond delay="0"/>
-                                          </p:stCondLst>
-                                        </p:cTn>
-                                        <p:tgtEl>
-                                          <p:spTgt spid="6"/>
-                                        </p:tgtEl>
-                                        <p:attrNameLst>
-                                          <p:attrName>style.visibility</p:attrName>
-                                        </p:attrNameLst>
-                                      </p:cBhvr>
-                                      <p:to>
-                                        <p:strVal val="visible"/>
-                                      </p:to>
-                                    </p:set>
-                                    <p:anim calcmode="lin" valueType="num">
-                                      <p:cBhvr additive="base">
-                                        <p:cTn id="18" dur="500"/>
-                                        <p:tgtEl>
-                                          <p:spTgt spid="6"/>
-                                        </p:tgtEl>
-                                        <p:attrNameLst>
-                                          <p:attrName>ppt_x</p:attrName>
-                                        </p:attrNameLst>
-                                      </p:cBhvr>
-                                      <p:tavLst>
-                                        <p:tav tm="0">
-                                          <p:val>
-                                            <p:strVal val="#ppt_x-#ppt_w*1.125000"/>
-                                          </p:val>
-                                        </p:tav>
-                                        <p:tav tm="100000">
-                                          <p:val>
-                                            <p:strVal val="#ppt_x"/>
-                                          </p:val>
-                                        </p:tav>
-                                      </p:tavLst>
-                                    </p:anim>
-                                    <p:animEffect transition="in" filter="wipe(right)">
-                                      <p:cBhvr>
-                                        <p:cTn id="19" dur="500"/>
-                                        <p:tgtEl>
-                                          <p:spTgt spid="6"/>
-                                        </p:tgtEl>
-                                      </p:cBhvr>
-                                    </p:animEffect>
-                                  </p:childTnLst>
-                                </p:cTn>
-                              </p:par>
-                            </p:childTnLst>
-                          </p:cTn>
-                        </p:par>
-                      </p:childTnLst>
-                    </p:cTn>
-                  </p:par>
                 </p:childTnLst>
               </p:cTn>
               <p:prevCondLst>
@@ -18302,800 +15865,6 @@
     </p:tnLst>
     <p:bldLst>
       <p:bldP spid="15" grpId="0"/>
-      <p:bldP spid="6" grpId="0"/>
-    </p:bldLst>
-  </p:timing>
-</p:sld>
-</file>
-
-<file path=ppt/slides/slide9.xml><?xml version="1.0" encoding="utf-8"?>
-<p:sld xmlns:a="http://schemas.openxmlformats.org/drawingml/2006/main" xmlns:r="http://schemas.openxmlformats.org/officeDocument/2006/relationships" xmlns:p="http://schemas.openxmlformats.org/presentationml/2006/main">
-  <p:cSld>
-    <p:spTree>
-      <p:nvGrpSpPr>
-        <p:cNvPr id="1" name=""/>
-        <p:cNvGrpSpPr/>
-        <p:nvPr/>
-      </p:nvGrpSpPr>
-      <p:grpSpPr>
-        <a:xfrm>
-          <a:off x="0" y="0"/>
-          <a:ext cx="0" cy="0"/>
-          <a:chOff x="0" y="0"/>
-          <a:chExt cx="0" cy="0"/>
-        </a:xfrm>
-      </p:grpSpPr>
-      <p:sp>
-        <p:nvSpPr>
-          <p:cNvPr id="15" name="TextBox 14"/>
-          <p:cNvSpPr txBox="1"/>
-          <p:nvPr/>
-        </p:nvSpPr>
-        <p:spPr>
-          <a:xfrm>
-            <a:off x="1138686" y="205068"/>
-            <a:ext cx="6883096" cy="583565"/>
-          </a:xfrm>
-          <a:prstGeom prst="rect">
-            <a:avLst/>
-          </a:prstGeom>
-          <a:noFill/>
-        </p:spPr>
-        <p:txBody>
-          <a:bodyPr wrap="square" rtlCol="0">
-            <a:spAutoFit/>
-          </a:bodyPr>
-          <a:lstStyle/>
-          <a:p>
-            <a:r>
-              <a:rPr lang="en-US" altLang="en-GB" sz="3200" dirty="0">
-                <a:latin typeface="Roboto" panose="02000000000000000000" pitchFamily="2" charset="0"/>
-                <a:ea typeface="Roboto" panose="02000000000000000000" pitchFamily="2" charset="0"/>
-              </a:rPr>
-              <a:t>Sitemap</a:t>
-            </a:r>
-          </a:p>
-        </p:txBody>
-      </p:sp>
-      <p:sp>
-        <p:nvSpPr>
-          <p:cNvPr id="4" name="Slide Number Placeholder 3"/>
-          <p:cNvSpPr>
-            <a:spLocks noGrp="1"/>
-          </p:cNvSpPr>
-          <p:nvPr>
-            <p:ph type="sldNum" sz="quarter" idx="12"/>
-          </p:nvPr>
-        </p:nvSpPr>
-        <p:spPr/>
-        <p:txBody>
-          <a:bodyPr/>
-          <a:lstStyle/>
-          <a:p>
-            <a:fld id="{3B752B58-3109-4027-88D6-99A922F5B5D4}" type="slidenum">
-              <a:rPr lang="en-GB" smtClean="0"/>
-              <a:t>9</a:t>
-            </a:fld>
-            <a:endParaRPr lang="en-GB"/>
-          </a:p>
-        </p:txBody>
-      </p:sp>
-      <p:sp>
-        <p:nvSpPr>
-          <p:cNvPr id="9" name="Footer Placeholder 8"/>
-          <p:cNvSpPr>
-            <a:spLocks noGrp="1"/>
-          </p:cNvSpPr>
-          <p:nvPr>
-            <p:ph type="ftr" sz="quarter" idx="11"/>
-          </p:nvPr>
-        </p:nvSpPr>
-        <p:spPr/>
-        <p:txBody>
-          <a:bodyPr/>
-          <a:lstStyle/>
-          <a:p>
-            <a:r>
-              <a:rPr lang="en-GB"/>
-              <a:t>4P Group</a:t>
-            </a:r>
-          </a:p>
-        </p:txBody>
-      </p:sp>
-      <p:grpSp>
-        <p:nvGrpSpPr>
-          <p:cNvPr id="11" name="Group 10"/>
-          <p:cNvGrpSpPr/>
-          <p:nvPr/>
-        </p:nvGrpSpPr>
-        <p:grpSpPr>
-          <a:xfrm rot="5400000">
-            <a:off x="12939" y="110704"/>
-            <a:ext cx="1368724" cy="629729"/>
-            <a:chOff x="5221857" y="2656935"/>
-            <a:chExt cx="1368724" cy="629729"/>
-          </a:xfrm>
-          <a:solidFill>
-            <a:srgbClr val="3FBF48"/>
-          </a:solidFill>
-        </p:grpSpPr>
-        <p:sp>
-          <p:nvSpPr>
-            <p:cNvPr id="12" name="Freeform: Shape 11"/>
-            <p:cNvSpPr/>
-            <p:nvPr/>
-          </p:nvSpPr>
-          <p:spPr>
-            <a:xfrm>
-              <a:off x="5221857" y="2665562"/>
-              <a:ext cx="756249" cy="621102"/>
-            </a:xfrm>
-            <a:custGeom>
-              <a:avLst/>
-              <a:gdLst>
-                <a:gd name="connsiteX0" fmla="*/ 0 w 756249"/>
-                <a:gd name="connsiteY0" fmla="*/ 0 h 621102"/>
-                <a:gd name="connsiteX1" fmla="*/ 756249 w 756249"/>
-                <a:gd name="connsiteY1" fmla="*/ 0 h 621102"/>
-                <a:gd name="connsiteX2" fmla="*/ 756249 w 756249"/>
-                <a:gd name="connsiteY2" fmla="*/ 621102 h 621102"/>
-                <a:gd name="connsiteX3" fmla="*/ 0 w 756249"/>
-                <a:gd name="connsiteY3" fmla="*/ 621102 h 621102"/>
-              </a:gdLst>
-              <a:ahLst/>
-              <a:cxnLst>
-                <a:cxn ang="0">
-                  <a:pos x="connsiteX0" y="connsiteY0"/>
-                </a:cxn>
-                <a:cxn ang="0">
-                  <a:pos x="connsiteX1" y="connsiteY1"/>
-                </a:cxn>
-                <a:cxn ang="0">
-                  <a:pos x="connsiteX2" y="connsiteY2"/>
-                </a:cxn>
-                <a:cxn ang="0">
-                  <a:pos x="connsiteX3" y="connsiteY3"/>
-                </a:cxn>
-              </a:cxnLst>
-              <a:rect l="l" t="t" r="r" b="b"/>
-              <a:pathLst>
-                <a:path w="756249" h="621102">
-                  <a:moveTo>
-                    <a:pt x="0" y="0"/>
-                  </a:moveTo>
-                  <a:lnTo>
-                    <a:pt x="756249" y="0"/>
-                  </a:lnTo>
-                  <a:lnTo>
-                    <a:pt x="756249" y="621102"/>
-                  </a:lnTo>
-                  <a:lnTo>
-                    <a:pt x="0" y="621102"/>
-                  </a:lnTo>
-                  <a:close/>
-                </a:path>
-              </a:pathLst>
-            </a:custGeom>
-            <a:grpFill/>
-            <a:ln>
-              <a:noFill/>
-            </a:ln>
-          </p:spPr>
-          <p:style>
-            <a:lnRef idx="2">
-              <a:schemeClr val="accent1">
-                <a:shade val="50000"/>
-              </a:schemeClr>
-            </a:lnRef>
-            <a:fillRef idx="1">
-              <a:schemeClr val="accent1"/>
-            </a:fillRef>
-            <a:effectRef idx="0">
-              <a:schemeClr val="accent1"/>
-            </a:effectRef>
-            <a:fontRef idx="minor">
-              <a:schemeClr val="lt1"/>
-            </a:fontRef>
-          </p:style>
-          <p:txBody>
-            <a:bodyPr rtlCol="0" anchor="ctr"/>
-            <a:lstStyle/>
-            <a:p>
-              <a:pPr algn="ctr"/>
-              <a:endParaRPr lang="en-GB"/>
-            </a:p>
-          </p:txBody>
-        </p:sp>
-        <p:sp>
-          <p:nvSpPr>
-            <p:cNvPr id="13" name="Hexagon 12"/>
-            <p:cNvSpPr/>
-            <p:nvPr/>
-          </p:nvSpPr>
-          <p:spPr>
-            <a:xfrm>
-              <a:off x="5457647" y="2665562"/>
-              <a:ext cx="756249" cy="621102"/>
-            </a:xfrm>
-            <a:prstGeom prst="hexagon">
-              <a:avLst/>
-            </a:prstGeom>
-            <a:grpFill/>
-            <a:ln>
-              <a:noFill/>
-            </a:ln>
-          </p:spPr>
-          <p:style>
-            <a:lnRef idx="2">
-              <a:schemeClr val="accent1">
-                <a:shade val="50000"/>
-              </a:schemeClr>
-            </a:lnRef>
-            <a:fillRef idx="1">
-              <a:schemeClr val="accent1"/>
-            </a:fillRef>
-            <a:effectRef idx="0">
-              <a:schemeClr val="accent1"/>
-            </a:effectRef>
-            <a:fontRef idx="minor">
-              <a:schemeClr val="lt1"/>
-            </a:fontRef>
-          </p:style>
-          <p:txBody>
-            <a:bodyPr rtlCol="0" anchor="ctr"/>
-            <a:lstStyle/>
-            <a:p>
-              <a:pPr algn="ctr"/>
-              <a:endParaRPr lang="en-GB" dirty="0">
-                <a:solidFill>
-                  <a:srgbClr val="1979A9"/>
-                </a:solidFill>
-              </a:endParaRPr>
-            </a:p>
-          </p:txBody>
-        </p:sp>
-        <p:sp>
-          <p:nvSpPr>
-            <p:cNvPr id="14" name="Freeform: Shape 13"/>
-            <p:cNvSpPr/>
-            <p:nvPr/>
-          </p:nvSpPr>
-          <p:spPr>
-            <a:xfrm>
-              <a:off x="6213896" y="2656935"/>
-              <a:ext cx="376685" cy="621102"/>
-            </a:xfrm>
-            <a:custGeom>
-              <a:avLst/>
-              <a:gdLst>
-                <a:gd name="connsiteX0" fmla="*/ 0 w 376685"/>
-                <a:gd name="connsiteY0" fmla="*/ 0 h 621102"/>
-                <a:gd name="connsiteX1" fmla="*/ 221410 w 376685"/>
-                <a:gd name="connsiteY1" fmla="*/ 0 h 621102"/>
-                <a:gd name="connsiteX2" fmla="*/ 376685 w 376685"/>
-                <a:gd name="connsiteY2" fmla="*/ 310551 h 621102"/>
-                <a:gd name="connsiteX3" fmla="*/ 221410 w 376685"/>
-                <a:gd name="connsiteY3" fmla="*/ 621102 h 621102"/>
-                <a:gd name="connsiteX4" fmla="*/ 0 w 376685"/>
-                <a:gd name="connsiteY4" fmla="*/ 621102 h 621102"/>
-                <a:gd name="connsiteX5" fmla="*/ 155275 w 376685"/>
-                <a:gd name="connsiteY5" fmla="*/ 310551 h 621102"/>
-              </a:gdLst>
-              <a:ahLst/>
-              <a:cxnLst>
-                <a:cxn ang="0">
-                  <a:pos x="connsiteX0" y="connsiteY0"/>
-                </a:cxn>
-                <a:cxn ang="0">
-                  <a:pos x="connsiteX1" y="connsiteY1"/>
-                </a:cxn>
-                <a:cxn ang="0">
-                  <a:pos x="connsiteX2" y="connsiteY2"/>
-                </a:cxn>
-                <a:cxn ang="0">
-                  <a:pos x="connsiteX3" y="connsiteY3"/>
-                </a:cxn>
-                <a:cxn ang="0">
-                  <a:pos x="connsiteX4" y="connsiteY4"/>
-                </a:cxn>
-                <a:cxn ang="0">
-                  <a:pos x="connsiteX5" y="connsiteY5"/>
-                </a:cxn>
-              </a:cxnLst>
-              <a:rect l="l" t="t" r="r" b="b"/>
-              <a:pathLst>
-                <a:path w="376685" h="621102">
-                  <a:moveTo>
-                    <a:pt x="0" y="0"/>
-                  </a:moveTo>
-                  <a:lnTo>
-                    <a:pt x="221410" y="0"/>
-                  </a:lnTo>
-                  <a:lnTo>
-                    <a:pt x="376685" y="310551"/>
-                  </a:lnTo>
-                  <a:lnTo>
-                    <a:pt x="221410" y="621102"/>
-                  </a:lnTo>
-                  <a:lnTo>
-                    <a:pt x="0" y="621102"/>
-                  </a:lnTo>
-                  <a:lnTo>
-                    <a:pt x="155275" y="310551"/>
-                  </a:lnTo>
-                  <a:close/>
-                </a:path>
-              </a:pathLst>
-            </a:custGeom>
-            <a:grpFill/>
-            <a:ln>
-              <a:noFill/>
-            </a:ln>
-          </p:spPr>
-          <p:style>
-            <a:lnRef idx="2">
-              <a:schemeClr val="accent1">
-                <a:shade val="50000"/>
-              </a:schemeClr>
-            </a:lnRef>
-            <a:fillRef idx="1">
-              <a:schemeClr val="accent1"/>
-            </a:fillRef>
-            <a:effectRef idx="0">
-              <a:schemeClr val="accent1"/>
-            </a:effectRef>
-            <a:fontRef idx="minor">
-              <a:schemeClr val="lt1"/>
-            </a:fontRef>
-          </p:style>
-          <p:txBody>
-            <a:bodyPr rtlCol="0" anchor="ctr"/>
-            <a:lstStyle/>
-            <a:p>
-              <a:pPr algn="ctr"/>
-              <a:endParaRPr lang="en-GB"/>
-            </a:p>
-          </p:txBody>
-        </p:sp>
-      </p:grpSp>
-      <p:pic>
-        <p:nvPicPr>
-          <p:cNvPr id="28" name="Picture 27"/>
-          <p:cNvPicPr>
-            <a:picLocks noChangeAspect="1"/>
-          </p:cNvPicPr>
-          <p:nvPr/>
-        </p:nvPicPr>
-        <p:blipFill>
-          <a:blip r:embed="rId2" cstate="print">
-            <a:extLst>
-              <a:ext uri="{28A0092B-C50C-407E-A947-70E740481C1C}">
-                <a14:useLocalDpi xmlns:a14="http://schemas.microsoft.com/office/drawing/2010/main" val="0"/>
-              </a:ext>
-            </a:extLst>
-          </a:blip>
-          <a:stretch>
-            <a:fillRect/>
-          </a:stretch>
-        </p:blipFill>
-        <p:spPr>
-          <a:xfrm>
-            <a:off x="9982200" y="407196"/>
-            <a:ext cx="1632625" cy="382647"/>
-          </a:xfrm>
-          <a:prstGeom prst="rect">
-            <a:avLst/>
-          </a:prstGeom>
-        </p:spPr>
-      </p:pic>
-      <p:pic>
-        <p:nvPicPr>
-          <p:cNvPr id="3" name="Picture 2">
-            <a:extLst>
-              <a:ext uri="{FF2B5EF4-FFF2-40B4-BE49-F238E27FC236}">
-                <a16:creationId xmlns:a16="http://schemas.microsoft.com/office/drawing/2014/main" id="{94A4D2BF-8770-4E7E-A947-A77500D0F8CA}"/>
-              </a:ext>
-            </a:extLst>
-          </p:cNvPr>
-          <p:cNvPicPr>
-            <a:picLocks noChangeAspect="1"/>
-          </p:cNvPicPr>
-          <p:nvPr/>
-        </p:nvPicPr>
-        <p:blipFill>
-          <a:blip r:embed="rId3" cstate="print">
-            <a:extLst>
-              <a:ext uri="{28A0092B-C50C-407E-A947-70E740481C1C}">
-                <a14:useLocalDpi xmlns:a14="http://schemas.microsoft.com/office/drawing/2010/main" val="0"/>
-              </a:ext>
-            </a:extLst>
-          </a:blip>
-          <a:stretch>
-            <a:fillRect/>
-          </a:stretch>
-        </p:blipFill>
-        <p:spPr>
-          <a:xfrm>
-            <a:off x="762000" y="2246584"/>
-            <a:ext cx="10668000" cy="3669249"/>
-          </a:xfrm>
-          <a:prstGeom prst="rect">
-            <a:avLst/>
-          </a:prstGeom>
-        </p:spPr>
-      </p:pic>
-      <p:sp>
-        <p:nvSpPr>
-          <p:cNvPr id="6" name="TextBox 5">
-            <a:extLst>
-              <a:ext uri="{FF2B5EF4-FFF2-40B4-BE49-F238E27FC236}">
-                <a16:creationId xmlns:a16="http://schemas.microsoft.com/office/drawing/2014/main" id="{CA75B00A-403A-4A86-8AAC-80F1F10EA456}"/>
-              </a:ext>
-            </a:extLst>
-          </p:cNvPr>
-          <p:cNvSpPr txBox="1"/>
-          <p:nvPr/>
-        </p:nvSpPr>
-        <p:spPr>
-          <a:xfrm>
-            <a:off x="701614" y="1555954"/>
-            <a:ext cx="3568461" cy="369332"/>
-          </a:xfrm>
-          <a:prstGeom prst="rect">
-            <a:avLst/>
-          </a:prstGeom>
-          <a:noFill/>
-        </p:spPr>
-        <p:txBody>
-          <a:bodyPr wrap="square" rtlCol="0">
-            <a:spAutoFit/>
-          </a:bodyPr>
-          <a:lstStyle/>
-          <a:p>
-            <a:r>
-              <a:rPr lang="en-GB" dirty="0">
-                <a:latin typeface="Nunito" panose="00000500000000000000" pitchFamily="2" charset="0"/>
-              </a:rPr>
-              <a:t>Employee’s role:</a:t>
-            </a:r>
-          </a:p>
-        </p:txBody>
-      </p:sp>
-    </p:spTree>
-  </p:cSld>
-  <p:clrMapOvr>
-    <a:masterClrMapping/>
-  </p:clrMapOvr>
-  <p:timing>
-    <p:tnLst>
-      <p:par>
-        <p:cTn id="1" dur="indefinite" restart="never" nodeType="tmRoot">
-          <p:childTnLst>
-            <p:seq concurrent="1" nextAc="seek">
-              <p:cTn id="2" dur="indefinite" nodeType="mainSeq">
-                <p:childTnLst>
-                  <p:par>
-                    <p:cTn id="3" fill="hold">
-                      <p:stCondLst>
-                        <p:cond delay="indefinite"/>
-                        <p:cond evt="onBegin" delay="0">
-                          <p:tn val="2"/>
-                        </p:cond>
-                      </p:stCondLst>
-                      <p:childTnLst>
-                        <p:par>
-                          <p:cTn id="4" fill="hold">
-                            <p:stCondLst>
-                              <p:cond delay="0"/>
-                            </p:stCondLst>
-                            <p:childTnLst>
-                              <p:par>
-                                <p:cTn id="5" presetID="12" presetClass="entr" presetSubtype="1" fill="hold" nodeType="afterEffect">
-                                  <p:stCondLst>
-                                    <p:cond delay="0"/>
-                                  </p:stCondLst>
-                                  <p:childTnLst>
-                                    <p:set>
-                                      <p:cBhvr>
-                                        <p:cTn id="6" dur="1" fill="hold">
-                                          <p:stCondLst>
-                                            <p:cond delay="0"/>
-                                          </p:stCondLst>
-                                        </p:cTn>
-                                        <p:tgtEl>
-                                          <p:spTgt spid="11"/>
-                                        </p:tgtEl>
-                                        <p:attrNameLst>
-                                          <p:attrName>style.visibility</p:attrName>
-                                        </p:attrNameLst>
-                                      </p:cBhvr>
-                                      <p:to>
-                                        <p:strVal val="visible"/>
-                                      </p:to>
-                                    </p:set>
-                                    <p:anim calcmode="lin" valueType="num">
-                                      <p:cBhvr additive="base">
-                                        <p:cTn id="7" dur="500"/>
-                                        <p:tgtEl>
-                                          <p:spTgt spid="11"/>
-                                        </p:tgtEl>
-                                        <p:attrNameLst>
-                                          <p:attrName>ppt_y</p:attrName>
-                                        </p:attrNameLst>
-                                      </p:cBhvr>
-                                      <p:tavLst>
-                                        <p:tav tm="0">
-                                          <p:val>
-                                            <p:strVal val="#ppt_y-#ppt_h*1.125000"/>
-                                          </p:val>
-                                        </p:tav>
-                                        <p:tav tm="100000">
-                                          <p:val>
-                                            <p:strVal val="#ppt_y"/>
-                                          </p:val>
-                                        </p:tav>
-                                      </p:tavLst>
-                                    </p:anim>
-                                    <p:animEffect transition="in" filter="wipe(down)">
-                                      <p:cBhvr>
-                                        <p:cTn id="8" dur="500"/>
-                                        <p:tgtEl>
-                                          <p:spTgt spid="11"/>
-                                        </p:tgtEl>
-                                      </p:cBhvr>
-                                    </p:animEffect>
-                                  </p:childTnLst>
-                                </p:cTn>
-                              </p:par>
-                            </p:childTnLst>
-                          </p:cTn>
-                        </p:par>
-                        <p:par>
-                          <p:cTn id="9" fill="hold">
-                            <p:stCondLst>
-                              <p:cond delay="500"/>
-                            </p:stCondLst>
-                            <p:childTnLst>
-                              <p:par>
-                                <p:cTn id="10" presetID="12" presetClass="entr" presetSubtype="8" fill="hold" grpId="0" nodeType="afterEffect">
-                                  <p:stCondLst>
-                                    <p:cond delay="0"/>
-                                  </p:stCondLst>
-                                  <p:childTnLst>
-                                    <p:set>
-                                      <p:cBhvr>
-                                        <p:cTn id="11" dur="1" fill="hold">
-                                          <p:stCondLst>
-                                            <p:cond delay="0"/>
-                                          </p:stCondLst>
-                                        </p:cTn>
-                                        <p:tgtEl>
-                                          <p:spTgt spid="15"/>
-                                        </p:tgtEl>
-                                        <p:attrNameLst>
-                                          <p:attrName>style.visibility</p:attrName>
-                                        </p:attrNameLst>
-                                      </p:cBhvr>
-                                      <p:to>
-                                        <p:strVal val="visible"/>
-                                      </p:to>
-                                    </p:set>
-                                    <p:anim calcmode="lin" valueType="num">
-                                      <p:cBhvr additive="base">
-                                        <p:cTn id="12" dur="500"/>
-                                        <p:tgtEl>
-                                          <p:spTgt spid="15"/>
-                                        </p:tgtEl>
-                                        <p:attrNameLst>
-                                          <p:attrName>ppt_x</p:attrName>
-                                        </p:attrNameLst>
-                                      </p:cBhvr>
-                                      <p:tavLst>
-                                        <p:tav tm="0">
-                                          <p:val>
-                                            <p:strVal val="#ppt_x-#ppt_w*1.125000"/>
-                                          </p:val>
-                                        </p:tav>
-                                        <p:tav tm="100000">
-                                          <p:val>
-                                            <p:strVal val="#ppt_x"/>
-                                          </p:val>
-                                        </p:tav>
-                                      </p:tavLst>
-                                    </p:anim>
-                                    <p:animEffect transition="in" filter="wipe(right)">
-                                      <p:cBhvr>
-                                        <p:cTn id="13" dur="500"/>
-                                        <p:tgtEl>
-                                          <p:spTgt spid="15"/>
-                                        </p:tgtEl>
-                                      </p:cBhvr>
-                                    </p:animEffect>
-                                  </p:childTnLst>
-                                </p:cTn>
-                              </p:par>
-                            </p:childTnLst>
-                          </p:cTn>
-                        </p:par>
-                      </p:childTnLst>
-                    </p:cTn>
-                  </p:par>
-                  <p:par>
-                    <p:cTn id="14" fill="hold">
-                      <p:stCondLst>
-                        <p:cond delay="indefinite"/>
-                      </p:stCondLst>
-                      <p:childTnLst>
-                        <p:par>
-                          <p:cTn id="15" fill="hold">
-                            <p:stCondLst>
-                              <p:cond delay="0"/>
-                            </p:stCondLst>
-                            <p:childTnLst>
-                              <p:par>
-                                <p:cTn id="16" presetID="12" presetClass="entr" presetSubtype="8" fill="hold" grpId="0" nodeType="clickEffect">
-                                  <p:stCondLst>
-                                    <p:cond delay="0"/>
-                                  </p:stCondLst>
-                                  <p:childTnLst>
-                                    <p:set>
-                                      <p:cBhvr>
-                                        <p:cTn id="17" dur="1" fill="hold">
-                                          <p:stCondLst>
-                                            <p:cond delay="0"/>
-                                          </p:stCondLst>
-                                        </p:cTn>
-                                        <p:tgtEl>
-                                          <p:spTgt spid="6"/>
-                                        </p:tgtEl>
-                                        <p:attrNameLst>
-                                          <p:attrName>style.visibility</p:attrName>
-                                        </p:attrNameLst>
-                                      </p:cBhvr>
-                                      <p:to>
-                                        <p:strVal val="visible"/>
-                                      </p:to>
-                                    </p:set>
-                                    <p:anim calcmode="lin" valueType="num">
-                                      <p:cBhvr additive="base">
-                                        <p:cTn id="18" dur="500"/>
-                                        <p:tgtEl>
-                                          <p:spTgt spid="6"/>
-                                        </p:tgtEl>
-                                        <p:attrNameLst>
-                                          <p:attrName>ppt_x</p:attrName>
-                                        </p:attrNameLst>
-                                      </p:cBhvr>
-                                      <p:tavLst>
-                                        <p:tav tm="0">
-                                          <p:val>
-                                            <p:strVal val="#ppt_x-#ppt_w*1.125000"/>
-                                          </p:val>
-                                        </p:tav>
-                                        <p:tav tm="100000">
-                                          <p:val>
-                                            <p:strVal val="#ppt_x"/>
-                                          </p:val>
-                                        </p:tav>
-                                      </p:tavLst>
-                                    </p:anim>
-                                    <p:animEffect transition="in" filter="wipe(right)">
-                                      <p:cBhvr>
-                                        <p:cTn id="19" dur="500"/>
-                                        <p:tgtEl>
-                                          <p:spTgt spid="6"/>
-                                        </p:tgtEl>
-                                      </p:cBhvr>
-                                    </p:animEffect>
-                                  </p:childTnLst>
-                                </p:cTn>
-                              </p:par>
-                            </p:childTnLst>
-                          </p:cTn>
-                        </p:par>
-                      </p:childTnLst>
-                    </p:cTn>
-                  </p:par>
-                  <p:par>
-                    <p:cTn id="20" fill="hold">
-                      <p:stCondLst>
-                        <p:cond delay="indefinite"/>
-                      </p:stCondLst>
-                      <p:childTnLst>
-                        <p:par>
-                          <p:cTn id="21" fill="hold">
-                            <p:stCondLst>
-                              <p:cond delay="0"/>
-                            </p:stCondLst>
-                            <p:childTnLst>
-                              <p:par>
-                                <p:cTn id="22" presetID="12" presetClass="entr" presetSubtype="8" fill="hold" nodeType="clickEffect">
-                                  <p:stCondLst>
-                                    <p:cond delay="0"/>
-                                  </p:stCondLst>
-                                  <p:childTnLst>
-                                    <p:set>
-                                      <p:cBhvr>
-                                        <p:cTn id="23" dur="1" fill="hold">
-                                          <p:stCondLst>
-                                            <p:cond delay="0"/>
-                                          </p:stCondLst>
-                                        </p:cTn>
-                                        <p:tgtEl>
-                                          <p:spTgt spid="3"/>
-                                        </p:tgtEl>
-                                        <p:attrNameLst>
-                                          <p:attrName>style.visibility</p:attrName>
-                                        </p:attrNameLst>
-                                      </p:cBhvr>
-                                      <p:to>
-                                        <p:strVal val="visible"/>
-                                      </p:to>
-                                    </p:set>
-                                    <p:anim calcmode="lin" valueType="num">
-                                      <p:cBhvr additive="base">
-                                        <p:cTn id="24" dur="500"/>
-                                        <p:tgtEl>
-                                          <p:spTgt spid="3"/>
-                                        </p:tgtEl>
-                                        <p:attrNameLst>
-                                          <p:attrName>ppt_x</p:attrName>
-                                        </p:attrNameLst>
-                                      </p:cBhvr>
-                                      <p:tavLst>
-                                        <p:tav tm="0">
-                                          <p:val>
-                                            <p:strVal val="#ppt_x-#ppt_w*1.125000"/>
-                                          </p:val>
-                                        </p:tav>
-                                        <p:tav tm="100000">
-                                          <p:val>
-                                            <p:strVal val="#ppt_x"/>
-                                          </p:val>
-                                        </p:tav>
-                                      </p:tavLst>
-                                    </p:anim>
-                                    <p:animEffect transition="in" filter="wipe(right)">
-                                      <p:cBhvr>
-                                        <p:cTn id="25" dur="500"/>
-                                        <p:tgtEl>
-                                          <p:spTgt spid="3"/>
-                                        </p:tgtEl>
-                                      </p:cBhvr>
-                                    </p:animEffect>
-                                  </p:childTnLst>
-                                </p:cTn>
-                              </p:par>
-                            </p:childTnLst>
-                          </p:cTn>
-                        </p:par>
-                      </p:childTnLst>
-                    </p:cTn>
-                  </p:par>
-                </p:childTnLst>
-              </p:cTn>
-              <p:prevCondLst>
-                <p:cond evt="onPrev" delay="0">
-                  <p:tgtEl>
-                    <p:sldTgt/>
-                  </p:tgtEl>
-                </p:cond>
-              </p:prevCondLst>
-              <p:nextCondLst>
-                <p:cond evt="onNext" delay="0">
-                  <p:tgtEl>
-                    <p:sldTgt/>
-                  </p:tgtEl>
-                </p:cond>
-              </p:nextCondLst>
-            </p:seq>
-          </p:childTnLst>
-        </p:cTn>
-      </p:par>
-    </p:tnLst>
-    <p:bldLst>
-      <p:bldP spid="15" grpId="0"/>
-      <p:bldP spid="6" grpId="0"/>
     </p:bldLst>
   </p:timing>
 </p:sld>
